--- a/baseline-workflow.pptx
+++ b/baseline-workflow.pptx
@@ -265,7 +265,7 @@
           <a:p>
             <a:fld id="{123EC966-C6AD-8940-9E97-501143378CD7}" type="datetimeFigureOut">
               <a:rPr lang="en-US" smtClean="0"/>
-              <a:t>8/8/24</a:t>
+              <a:t>8/23/24</a:t>
             </a:fld>
             <a:endParaRPr lang="en-US"/>
           </a:p>
@@ -463,7 +463,7 @@
           <a:p>
             <a:fld id="{123EC966-C6AD-8940-9E97-501143378CD7}" type="datetimeFigureOut">
               <a:rPr lang="en-US" smtClean="0"/>
-              <a:t>8/8/24</a:t>
+              <a:t>8/23/24</a:t>
             </a:fld>
             <a:endParaRPr lang="en-US"/>
           </a:p>
@@ -671,7 +671,7 @@
           <a:p>
             <a:fld id="{123EC966-C6AD-8940-9E97-501143378CD7}" type="datetimeFigureOut">
               <a:rPr lang="en-US" smtClean="0"/>
-              <a:t>8/8/24</a:t>
+              <a:t>8/23/24</a:t>
             </a:fld>
             <a:endParaRPr lang="en-US"/>
           </a:p>
@@ -869,7 +869,7 @@
           <a:p>
             <a:fld id="{123EC966-C6AD-8940-9E97-501143378CD7}" type="datetimeFigureOut">
               <a:rPr lang="en-US" smtClean="0"/>
-              <a:t>8/8/24</a:t>
+              <a:t>8/23/24</a:t>
             </a:fld>
             <a:endParaRPr lang="en-US"/>
           </a:p>
@@ -1144,7 +1144,7 @@
           <a:p>
             <a:fld id="{123EC966-C6AD-8940-9E97-501143378CD7}" type="datetimeFigureOut">
               <a:rPr lang="en-US" smtClean="0"/>
-              <a:t>8/8/24</a:t>
+              <a:t>8/23/24</a:t>
             </a:fld>
             <a:endParaRPr lang="en-US"/>
           </a:p>
@@ -1409,7 +1409,7 @@
           <a:p>
             <a:fld id="{123EC966-C6AD-8940-9E97-501143378CD7}" type="datetimeFigureOut">
               <a:rPr lang="en-US" smtClean="0"/>
-              <a:t>8/8/24</a:t>
+              <a:t>8/23/24</a:t>
             </a:fld>
             <a:endParaRPr lang="en-US"/>
           </a:p>
@@ -1821,7 +1821,7 @@
           <a:p>
             <a:fld id="{123EC966-C6AD-8940-9E97-501143378CD7}" type="datetimeFigureOut">
               <a:rPr lang="en-US" smtClean="0"/>
-              <a:t>8/8/24</a:t>
+              <a:t>8/23/24</a:t>
             </a:fld>
             <a:endParaRPr lang="en-US"/>
           </a:p>
@@ -1962,7 +1962,7 @@
           <a:p>
             <a:fld id="{123EC966-C6AD-8940-9E97-501143378CD7}" type="datetimeFigureOut">
               <a:rPr lang="en-US" smtClean="0"/>
-              <a:t>8/8/24</a:t>
+              <a:t>8/23/24</a:t>
             </a:fld>
             <a:endParaRPr lang="en-US"/>
           </a:p>
@@ -2075,7 +2075,7 @@
           <a:p>
             <a:fld id="{123EC966-C6AD-8940-9E97-501143378CD7}" type="datetimeFigureOut">
               <a:rPr lang="en-US" smtClean="0"/>
-              <a:t>8/8/24</a:t>
+              <a:t>8/23/24</a:t>
             </a:fld>
             <a:endParaRPr lang="en-US"/>
           </a:p>
@@ -2386,7 +2386,7 @@
           <a:p>
             <a:fld id="{123EC966-C6AD-8940-9E97-501143378CD7}" type="datetimeFigureOut">
               <a:rPr lang="en-US" smtClean="0"/>
-              <a:t>8/8/24</a:t>
+              <a:t>8/23/24</a:t>
             </a:fld>
             <a:endParaRPr lang="en-US"/>
           </a:p>
@@ -2674,7 +2674,7 @@
           <a:p>
             <a:fld id="{123EC966-C6AD-8940-9E97-501143378CD7}" type="datetimeFigureOut">
               <a:rPr lang="en-US" smtClean="0"/>
-              <a:t>8/8/24</a:t>
+              <a:t>8/23/24</a:t>
             </a:fld>
             <a:endParaRPr lang="en-US"/>
           </a:p>
@@ -2915,7 +2915,7 @@
           <a:p>
             <a:fld id="{123EC966-C6AD-8940-9E97-501143378CD7}" type="datetimeFigureOut">
               <a:rPr lang="en-US" smtClean="0"/>
-              <a:t>8/8/24</a:t>
+              <a:t>8/23/24</a:t>
             </a:fld>
             <a:endParaRPr lang="en-US"/>
           </a:p>
@@ -10032,6 +10032,1006 @@
           <a:chExt cx="0" cy="0"/>
         </a:xfrm>
       </p:grpSpPr>
+      <p:sp>
+        <p:nvSpPr>
+          <p:cNvPr id="35" name="Parallelogram 34">
+            <a:extLst>
+              <a:ext uri="{FF2B5EF4-FFF2-40B4-BE49-F238E27FC236}">
+                <a16:creationId xmlns:a16="http://schemas.microsoft.com/office/drawing/2014/main" id="{EA473AE9-887C-05BF-087C-16619EDED8FC}"/>
+              </a:ext>
+            </a:extLst>
+          </p:cNvPr>
+          <p:cNvSpPr/>
+          <p:nvPr/>
+        </p:nvSpPr>
+        <p:spPr>
+          <a:xfrm flipH="1">
+            <a:off x="171448" y="505185"/>
+            <a:ext cx="10187464" cy="5495565"/>
+          </a:xfrm>
+          <a:prstGeom prst="parallelogram">
+            <a:avLst>
+              <a:gd name="adj" fmla="val 130476"/>
+            </a:avLst>
+          </a:prstGeom>
+          <a:solidFill>
+            <a:schemeClr val="accent1">
+              <a:alpha val="54000"/>
+            </a:schemeClr>
+          </a:solidFill>
+          <a:ln>
+            <a:noFill/>
+          </a:ln>
+        </p:spPr>
+        <p:style>
+          <a:lnRef idx="2">
+            <a:schemeClr val="accent1">
+              <a:shade val="15000"/>
+            </a:schemeClr>
+          </a:lnRef>
+          <a:fillRef idx="1">
+            <a:schemeClr val="accent1"/>
+          </a:fillRef>
+          <a:effectRef idx="0">
+            <a:schemeClr val="accent1"/>
+          </a:effectRef>
+          <a:fontRef idx="minor">
+            <a:schemeClr val="lt1"/>
+          </a:fontRef>
+        </p:style>
+        <p:txBody>
+          <a:bodyPr rtlCol="0" anchor="ctr"/>
+          <a:lstStyle/>
+          <a:p>
+            <a:pPr algn="ctr"/>
+            <a:endParaRPr lang="en-US"/>
+          </a:p>
+        </p:txBody>
+      </p:sp>
+      <p:sp>
+        <p:nvSpPr>
+          <p:cNvPr id="18" name="Rounded Rectangle 17">
+            <a:extLst>
+              <a:ext uri="{FF2B5EF4-FFF2-40B4-BE49-F238E27FC236}">
+                <a16:creationId xmlns:a16="http://schemas.microsoft.com/office/drawing/2014/main" id="{F7ABFAAC-DA5D-FF5E-173F-C1EEF78AD856}"/>
+              </a:ext>
+            </a:extLst>
+          </p:cNvPr>
+          <p:cNvSpPr/>
+          <p:nvPr/>
+        </p:nvSpPr>
+        <p:spPr>
+          <a:xfrm>
+            <a:off x="6997065" y="4424064"/>
+            <a:ext cx="2194560" cy="1576686"/>
+          </a:xfrm>
+          <a:prstGeom prst="roundRect">
+            <a:avLst/>
+          </a:prstGeom>
+          <a:solidFill>
+            <a:schemeClr val="bg2"/>
+          </a:solidFill>
+        </p:spPr>
+        <p:style>
+          <a:lnRef idx="2">
+            <a:schemeClr val="accent1">
+              <a:shade val="15000"/>
+            </a:schemeClr>
+          </a:lnRef>
+          <a:fillRef idx="1">
+            <a:schemeClr val="accent1"/>
+          </a:fillRef>
+          <a:effectRef idx="0">
+            <a:schemeClr val="accent1"/>
+          </a:effectRef>
+          <a:fontRef idx="minor">
+            <a:schemeClr val="lt1"/>
+          </a:fontRef>
+        </p:style>
+        <p:txBody>
+          <a:bodyPr rtlCol="0" anchor="ctr"/>
+          <a:lstStyle/>
+          <a:p>
+            <a:pPr algn="ctr"/>
+            <a:endParaRPr lang="en-US"/>
+          </a:p>
+        </p:txBody>
+      </p:sp>
+      <p:sp>
+        <p:nvSpPr>
+          <p:cNvPr id="2" name="Rounded Rectangle 1">
+            <a:extLst>
+              <a:ext uri="{FF2B5EF4-FFF2-40B4-BE49-F238E27FC236}">
+                <a16:creationId xmlns:a16="http://schemas.microsoft.com/office/drawing/2014/main" id="{644D1622-CA80-51CB-39D2-37ABCA53CB99}"/>
+              </a:ext>
+            </a:extLst>
+          </p:cNvPr>
+          <p:cNvSpPr/>
+          <p:nvPr/>
+        </p:nvSpPr>
+        <p:spPr>
+          <a:xfrm>
+            <a:off x="4735830" y="3371850"/>
+            <a:ext cx="2407920" cy="388620"/>
+          </a:xfrm>
+          <a:prstGeom prst="roundRect">
+            <a:avLst/>
+          </a:prstGeom>
+        </p:spPr>
+        <p:style>
+          <a:lnRef idx="2">
+            <a:schemeClr val="accent1">
+              <a:shade val="15000"/>
+            </a:schemeClr>
+          </a:lnRef>
+          <a:fillRef idx="1">
+            <a:schemeClr val="accent1"/>
+          </a:fillRef>
+          <a:effectRef idx="0">
+            <a:schemeClr val="accent1"/>
+          </a:effectRef>
+          <a:fontRef idx="minor">
+            <a:schemeClr val="lt1"/>
+          </a:fontRef>
+        </p:style>
+        <p:txBody>
+          <a:bodyPr rtlCol="0" anchor="ctr"/>
+          <a:lstStyle/>
+          <a:p>
+            <a:pPr algn="ctr"/>
+            <a:r>
+              <a:rPr lang="en-US" dirty="0"/>
+              <a:t>Sentence w/ keyword</a:t>
+            </a:r>
+          </a:p>
+        </p:txBody>
+      </p:sp>
+      <p:sp>
+        <p:nvSpPr>
+          <p:cNvPr id="3" name="Rounded Rectangle 2">
+            <a:extLst>
+              <a:ext uri="{FF2B5EF4-FFF2-40B4-BE49-F238E27FC236}">
+                <a16:creationId xmlns:a16="http://schemas.microsoft.com/office/drawing/2014/main" id="{B4F4E559-D68A-2AC8-5B64-37DB65AFA12A}"/>
+              </a:ext>
+            </a:extLst>
+          </p:cNvPr>
+          <p:cNvSpPr/>
+          <p:nvPr/>
+        </p:nvSpPr>
+        <p:spPr>
+          <a:xfrm>
+            <a:off x="2068830" y="1691640"/>
+            <a:ext cx="1283970" cy="373380"/>
+          </a:xfrm>
+          <a:prstGeom prst="roundRect">
+            <a:avLst/>
+          </a:prstGeom>
+        </p:spPr>
+        <p:style>
+          <a:lnRef idx="2">
+            <a:schemeClr val="accent1">
+              <a:shade val="15000"/>
+            </a:schemeClr>
+          </a:lnRef>
+          <a:fillRef idx="1">
+            <a:schemeClr val="accent1"/>
+          </a:fillRef>
+          <a:effectRef idx="0">
+            <a:schemeClr val="accent1"/>
+          </a:effectRef>
+          <a:fontRef idx="minor">
+            <a:schemeClr val="lt1"/>
+          </a:fontRef>
+        </p:style>
+        <p:txBody>
+          <a:bodyPr rtlCol="0" anchor="ctr"/>
+          <a:lstStyle/>
+          <a:p>
+            <a:pPr algn="ctr"/>
+            <a:r>
+              <a:rPr lang="en-US" dirty="0"/>
+              <a:t>SHT node</a:t>
+            </a:r>
+          </a:p>
+        </p:txBody>
+      </p:sp>
+      <p:sp>
+        <p:nvSpPr>
+          <p:cNvPr id="4" name="Rounded Rectangle 3">
+            <a:extLst>
+              <a:ext uri="{FF2B5EF4-FFF2-40B4-BE49-F238E27FC236}">
+                <a16:creationId xmlns:a16="http://schemas.microsoft.com/office/drawing/2014/main" id="{617AD193-8CFA-A558-8AD6-FB45C5836E95}"/>
+              </a:ext>
+            </a:extLst>
+          </p:cNvPr>
+          <p:cNvSpPr/>
+          <p:nvPr/>
+        </p:nvSpPr>
+        <p:spPr>
+          <a:xfrm>
+            <a:off x="3760470" y="2526030"/>
+            <a:ext cx="1283970" cy="373380"/>
+          </a:xfrm>
+          <a:prstGeom prst="roundRect">
+            <a:avLst/>
+          </a:prstGeom>
+        </p:spPr>
+        <p:style>
+          <a:lnRef idx="2">
+            <a:schemeClr val="accent1">
+              <a:shade val="15000"/>
+            </a:schemeClr>
+          </a:lnRef>
+          <a:fillRef idx="1">
+            <a:schemeClr val="accent1"/>
+          </a:fillRef>
+          <a:effectRef idx="0">
+            <a:schemeClr val="accent1"/>
+          </a:effectRef>
+          <a:fontRef idx="minor">
+            <a:schemeClr val="lt1"/>
+          </a:fontRef>
+        </p:style>
+        <p:txBody>
+          <a:bodyPr rtlCol="0" anchor="ctr"/>
+          <a:lstStyle/>
+          <a:p>
+            <a:pPr algn="ctr"/>
+            <a:r>
+              <a:rPr lang="en-US" dirty="0"/>
+              <a:t>SHT node</a:t>
+            </a:r>
+          </a:p>
+        </p:txBody>
+      </p:sp>
+      <p:sp>
+        <p:nvSpPr>
+          <p:cNvPr id="5" name="Rounded Rectangle 4">
+            <a:extLst>
+              <a:ext uri="{FF2B5EF4-FFF2-40B4-BE49-F238E27FC236}">
+                <a16:creationId xmlns:a16="http://schemas.microsoft.com/office/drawing/2014/main" id="{AA9519AE-DCAB-83ED-05F0-D20D10BF21BD}"/>
+              </a:ext>
+            </a:extLst>
+          </p:cNvPr>
+          <p:cNvSpPr/>
+          <p:nvPr/>
+        </p:nvSpPr>
+        <p:spPr>
+          <a:xfrm>
+            <a:off x="2068830" y="2526030"/>
+            <a:ext cx="1283970" cy="373380"/>
+          </a:xfrm>
+          <a:prstGeom prst="roundRect">
+            <a:avLst/>
+          </a:prstGeom>
+          <a:solidFill>
+            <a:schemeClr val="accent1">
+              <a:alpha val="27818"/>
+            </a:schemeClr>
+          </a:solidFill>
+          <a:ln>
+            <a:solidFill>
+              <a:schemeClr val="accent1">
+                <a:shade val="15000"/>
+                <a:alpha val="28484"/>
+              </a:schemeClr>
+            </a:solidFill>
+          </a:ln>
+        </p:spPr>
+        <p:style>
+          <a:lnRef idx="2">
+            <a:schemeClr val="accent1">
+              <a:shade val="15000"/>
+            </a:schemeClr>
+          </a:lnRef>
+          <a:fillRef idx="1">
+            <a:schemeClr val="accent1"/>
+          </a:fillRef>
+          <a:effectRef idx="0">
+            <a:schemeClr val="accent1"/>
+          </a:effectRef>
+          <a:fontRef idx="minor">
+            <a:schemeClr val="lt1"/>
+          </a:fontRef>
+        </p:style>
+        <p:txBody>
+          <a:bodyPr rtlCol="0" anchor="ctr"/>
+          <a:lstStyle/>
+          <a:p>
+            <a:pPr algn="ctr"/>
+            <a:r>
+              <a:rPr lang="en-US" dirty="0"/>
+              <a:t>SHT node</a:t>
+            </a:r>
+          </a:p>
+        </p:txBody>
+      </p:sp>
+      <p:sp>
+        <p:nvSpPr>
+          <p:cNvPr id="6" name="Rounded Rectangle 5">
+            <a:extLst>
+              <a:ext uri="{FF2B5EF4-FFF2-40B4-BE49-F238E27FC236}">
+                <a16:creationId xmlns:a16="http://schemas.microsoft.com/office/drawing/2014/main" id="{A53C014D-F9F7-B40C-B11B-7BA42703A5F8}"/>
+              </a:ext>
+            </a:extLst>
+          </p:cNvPr>
+          <p:cNvSpPr/>
+          <p:nvPr/>
+        </p:nvSpPr>
+        <p:spPr>
+          <a:xfrm>
+            <a:off x="377190" y="2526030"/>
+            <a:ext cx="1283970" cy="373380"/>
+          </a:xfrm>
+          <a:prstGeom prst="roundRect">
+            <a:avLst/>
+          </a:prstGeom>
+          <a:solidFill>
+            <a:schemeClr val="accent1">
+              <a:alpha val="27818"/>
+            </a:schemeClr>
+          </a:solidFill>
+          <a:ln>
+            <a:solidFill>
+              <a:schemeClr val="accent1">
+                <a:shade val="15000"/>
+                <a:alpha val="28484"/>
+              </a:schemeClr>
+            </a:solidFill>
+          </a:ln>
+        </p:spPr>
+        <p:style>
+          <a:lnRef idx="2">
+            <a:schemeClr val="accent1">
+              <a:shade val="15000"/>
+            </a:schemeClr>
+          </a:lnRef>
+          <a:fillRef idx="1">
+            <a:schemeClr val="accent1"/>
+          </a:fillRef>
+          <a:effectRef idx="0">
+            <a:schemeClr val="accent1"/>
+          </a:effectRef>
+          <a:fontRef idx="minor">
+            <a:schemeClr val="lt1"/>
+          </a:fontRef>
+        </p:style>
+        <p:txBody>
+          <a:bodyPr rtlCol="0" anchor="ctr"/>
+          <a:lstStyle/>
+          <a:p>
+            <a:pPr algn="ctr"/>
+            <a:r>
+              <a:rPr lang="en-US" dirty="0"/>
+              <a:t>SHT node</a:t>
+            </a:r>
+          </a:p>
+        </p:txBody>
+      </p:sp>
+      <p:cxnSp>
+        <p:nvCxnSpPr>
+          <p:cNvPr id="8" name="Straight Arrow Connector 7">
+            <a:extLst>
+              <a:ext uri="{FF2B5EF4-FFF2-40B4-BE49-F238E27FC236}">
+                <a16:creationId xmlns:a16="http://schemas.microsoft.com/office/drawing/2014/main" id="{EC264246-D472-E41B-DA12-2612B398AA84}"/>
+              </a:ext>
+            </a:extLst>
+          </p:cNvPr>
+          <p:cNvCxnSpPr/>
+          <p:nvPr/>
+        </p:nvCxnSpPr>
+        <p:spPr>
+          <a:xfrm>
+            <a:off x="2710815" y="2194560"/>
+            <a:ext cx="0" cy="228600"/>
+          </a:xfrm>
+          <a:prstGeom prst="straightConnector1">
+            <a:avLst/>
+          </a:prstGeom>
+          <a:ln>
+            <a:tailEnd type="triangle"/>
+          </a:ln>
+        </p:spPr>
+        <p:style>
+          <a:lnRef idx="2">
+            <a:schemeClr val="accent1"/>
+          </a:lnRef>
+          <a:fillRef idx="0">
+            <a:schemeClr val="accent1"/>
+          </a:fillRef>
+          <a:effectRef idx="1">
+            <a:schemeClr val="accent1"/>
+          </a:effectRef>
+          <a:fontRef idx="minor">
+            <a:schemeClr val="tx1"/>
+          </a:fontRef>
+        </p:style>
+      </p:cxnSp>
+      <p:cxnSp>
+        <p:nvCxnSpPr>
+          <p:cNvPr id="10" name="Straight Arrow Connector 9">
+            <a:extLst>
+              <a:ext uri="{FF2B5EF4-FFF2-40B4-BE49-F238E27FC236}">
+                <a16:creationId xmlns:a16="http://schemas.microsoft.com/office/drawing/2014/main" id="{04DE629D-78D6-26B9-31BB-07460B8E5AA4}"/>
+              </a:ext>
+            </a:extLst>
+          </p:cNvPr>
+          <p:cNvCxnSpPr/>
+          <p:nvPr/>
+        </p:nvCxnSpPr>
+        <p:spPr>
+          <a:xfrm flipH="1">
+            <a:off x="1120140" y="2160270"/>
+            <a:ext cx="1440180" cy="285750"/>
+          </a:xfrm>
+          <a:prstGeom prst="straightConnector1">
+            <a:avLst/>
+          </a:prstGeom>
+          <a:ln>
+            <a:tailEnd type="triangle"/>
+          </a:ln>
+        </p:spPr>
+        <p:style>
+          <a:lnRef idx="2">
+            <a:schemeClr val="accent1"/>
+          </a:lnRef>
+          <a:fillRef idx="0">
+            <a:schemeClr val="accent1"/>
+          </a:fillRef>
+          <a:effectRef idx="1">
+            <a:schemeClr val="accent1"/>
+          </a:effectRef>
+          <a:fontRef idx="minor">
+            <a:schemeClr val="tx1"/>
+          </a:fontRef>
+        </p:style>
+      </p:cxnSp>
+      <p:cxnSp>
+        <p:nvCxnSpPr>
+          <p:cNvPr id="12" name="Straight Arrow Connector 11">
+            <a:extLst>
+              <a:ext uri="{FF2B5EF4-FFF2-40B4-BE49-F238E27FC236}">
+                <a16:creationId xmlns:a16="http://schemas.microsoft.com/office/drawing/2014/main" id="{3B9F4822-EE96-82A5-5448-AC94F81398EE}"/>
+              </a:ext>
+            </a:extLst>
+          </p:cNvPr>
+          <p:cNvCxnSpPr/>
+          <p:nvPr/>
+        </p:nvCxnSpPr>
+        <p:spPr>
+          <a:xfrm>
+            <a:off x="2857500" y="2167890"/>
+            <a:ext cx="1544955" cy="255270"/>
+          </a:xfrm>
+          <a:prstGeom prst="straightConnector1">
+            <a:avLst/>
+          </a:prstGeom>
+          <a:ln>
+            <a:tailEnd type="triangle"/>
+          </a:ln>
+        </p:spPr>
+        <p:style>
+          <a:lnRef idx="2">
+            <a:schemeClr val="accent1"/>
+          </a:lnRef>
+          <a:fillRef idx="0">
+            <a:schemeClr val="accent1"/>
+          </a:fillRef>
+          <a:effectRef idx="1">
+            <a:schemeClr val="accent1"/>
+          </a:effectRef>
+          <a:fontRef idx="minor">
+            <a:schemeClr val="tx1"/>
+          </a:fontRef>
+        </p:style>
+      </p:cxnSp>
+      <p:cxnSp>
+        <p:nvCxnSpPr>
+          <p:cNvPr id="14" name="Straight Arrow Connector 13">
+            <a:extLst>
+              <a:ext uri="{FF2B5EF4-FFF2-40B4-BE49-F238E27FC236}">
+                <a16:creationId xmlns:a16="http://schemas.microsoft.com/office/drawing/2014/main" id="{AF850E76-B8A6-786C-BBD3-FC6999986437}"/>
+              </a:ext>
+            </a:extLst>
+          </p:cNvPr>
+          <p:cNvCxnSpPr/>
+          <p:nvPr/>
+        </p:nvCxnSpPr>
+        <p:spPr>
+          <a:xfrm>
+            <a:off x="4503420" y="3002280"/>
+            <a:ext cx="1348740" cy="243840"/>
+          </a:xfrm>
+          <a:prstGeom prst="straightConnector1">
+            <a:avLst/>
+          </a:prstGeom>
+          <a:ln>
+            <a:tailEnd type="triangle"/>
+          </a:ln>
+        </p:spPr>
+        <p:style>
+          <a:lnRef idx="2">
+            <a:schemeClr val="accent1"/>
+          </a:lnRef>
+          <a:fillRef idx="0">
+            <a:schemeClr val="accent1"/>
+          </a:fillRef>
+          <a:effectRef idx="1">
+            <a:schemeClr val="accent1"/>
+          </a:effectRef>
+          <a:fontRef idx="minor">
+            <a:schemeClr val="tx1"/>
+          </a:fontRef>
+        </p:style>
+      </p:cxnSp>
+      <p:sp>
+        <p:nvSpPr>
+          <p:cNvPr id="15" name="Rounded Rectangle 14">
+            <a:extLst>
+              <a:ext uri="{FF2B5EF4-FFF2-40B4-BE49-F238E27FC236}">
+                <a16:creationId xmlns:a16="http://schemas.microsoft.com/office/drawing/2014/main" id="{0CC5AEAF-590A-357A-6370-B532423EF161}"/>
+              </a:ext>
+            </a:extLst>
+          </p:cNvPr>
+          <p:cNvSpPr/>
+          <p:nvPr/>
+        </p:nvSpPr>
+        <p:spPr>
+          <a:xfrm>
+            <a:off x="7452360" y="5473574"/>
+            <a:ext cx="1283970" cy="338067"/>
+          </a:xfrm>
+          <a:prstGeom prst="roundRect">
+            <a:avLst/>
+          </a:prstGeom>
+        </p:spPr>
+        <p:style>
+          <a:lnRef idx="2">
+            <a:schemeClr val="accent1">
+              <a:shade val="15000"/>
+            </a:schemeClr>
+          </a:lnRef>
+          <a:fillRef idx="1">
+            <a:schemeClr val="accent1"/>
+          </a:fillRef>
+          <a:effectRef idx="0">
+            <a:schemeClr val="accent1"/>
+          </a:effectRef>
+          <a:fontRef idx="minor">
+            <a:schemeClr val="lt1"/>
+          </a:fontRef>
+        </p:style>
+        <p:txBody>
+          <a:bodyPr rtlCol="0" anchor="ctr"/>
+          <a:lstStyle/>
+          <a:p>
+            <a:pPr algn="ctr"/>
+            <a:r>
+              <a:rPr lang="en-US" dirty="0"/>
+              <a:t>sentence</a:t>
+            </a:r>
+          </a:p>
+        </p:txBody>
+      </p:sp>
+      <p:sp>
+        <p:nvSpPr>
+          <p:cNvPr id="16" name="Rounded Rectangle 15">
+            <a:extLst>
+              <a:ext uri="{FF2B5EF4-FFF2-40B4-BE49-F238E27FC236}">
+                <a16:creationId xmlns:a16="http://schemas.microsoft.com/office/drawing/2014/main" id="{DFB13C24-CE23-540D-4C20-261AE9BE608B}"/>
+              </a:ext>
+            </a:extLst>
+          </p:cNvPr>
+          <p:cNvSpPr/>
+          <p:nvPr/>
+        </p:nvSpPr>
+        <p:spPr>
+          <a:xfrm>
+            <a:off x="7452360" y="4583400"/>
+            <a:ext cx="1283970" cy="338067"/>
+          </a:xfrm>
+          <a:prstGeom prst="roundRect">
+            <a:avLst/>
+          </a:prstGeom>
+        </p:spPr>
+        <p:style>
+          <a:lnRef idx="2">
+            <a:schemeClr val="accent1">
+              <a:shade val="15000"/>
+            </a:schemeClr>
+          </a:lnRef>
+          <a:fillRef idx="1">
+            <a:schemeClr val="accent1"/>
+          </a:fillRef>
+          <a:effectRef idx="0">
+            <a:schemeClr val="accent1"/>
+          </a:effectRef>
+          <a:fontRef idx="minor">
+            <a:schemeClr val="lt1"/>
+          </a:fontRef>
+        </p:style>
+        <p:txBody>
+          <a:bodyPr rtlCol="0" anchor="ctr"/>
+          <a:lstStyle/>
+          <a:p>
+            <a:pPr algn="ctr"/>
+            <a:r>
+              <a:rPr lang="en-US" dirty="0"/>
+              <a:t>sentence</a:t>
+            </a:r>
+          </a:p>
+        </p:txBody>
+      </p:sp>
+      <p:sp>
+        <p:nvSpPr>
+          <p:cNvPr id="17" name="Rounded Rectangle 16">
+            <a:extLst>
+              <a:ext uri="{FF2B5EF4-FFF2-40B4-BE49-F238E27FC236}">
+                <a16:creationId xmlns:a16="http://schemas.microsoft.com/office/drawing/2014/main" id="{50810638-52E8-AE84-E136-3F639A08FB88}"/>
+              </a:ext>
+            </a:extLst>
+          </p:cNvPr>
+          <p:cNvSpPr/>
+          <p:nvPr/>
+        </p:nvSpPr>
+        <p:spPr>
+          <a:xfrm>
+            <a:off x="7452360" y="5028487"/>
+            <a:ext cx="1283970" cy="338067"/>
+          </a:xfrm>
+          <a:prstGeom prst="roundRect">
+            <a:avLst/>
+          </a:prstGeom>
+        </p:spPr>
+        <p:style>
+          <a:lnRef idx="2">
+            <a:schemeClr val="accent1">
+              <a:shade val="15000"/>
+            </a:schemeClr>
+          </a:lnRef>
+          <a:fillRef idx="1">
+            <a:schemeClr val="accent1"/>
+          </a:fillRef>
+          <a:effectRef idx="0">
+            <a:schemeClr val="accent1"/>
+          </a:effectRef>
+          <a:fontRef idx="minor">
+            <a:schemeClr val="lt1"/>
+          </a:fontRef>
+        </p:style>
+        <p:txBody>
+          <a:bodyPr rtlCol="0" anchor="ctr"/>
+          <a:lstStyle/>
+          <a:p>
+            <a:pPr algn="ctr"/>
+            <a:r>
+              <a:rPr lang="en-US" dirty="0"/>
+              <a:t>sentence</a:t>
+            </a:r>
+          </a:p>
+        </p:txBody>
+      </p:sp>
+      <p:cxnSp>
+        <p:nvCxnSpPr>
+          <p:cNvPr id="19" name="Straight Arrow Connector 18">
+            <a:extLst>
+              <a:ext uri="{FF2B5EF4-FFF2-40B4-BE49-F238E27FC236}">
+                <a16:creationId xmlns:a16="http://schemas.microsoft.com/office/drawing/2014/main" id="{4E0125E9-3A53-CF54-2EF8-C3A156DD930F}"/>
+              </a:ext>
+            </a:extLst>
+          </p:cNvPr>
+          <p:cNvCxnSpPr>
+            <a:cxnSpLocks/>
+          </p:cNvCxnSpPr>
+          <p:nvPr/>
+        </p:nvCxnSpPr>
+        <p:spPr>
+          <a:xfrm flipH="1" flipV="1">
+            <a:off x="5852160" y="3886200"/>
+            <a:ext cx="1706879" cy="491460"/>
+          </a:xfrm>
+          <a:prstGeom prst="straightConnector1">
+            <a:avLst/>
+          </a:prstGeom>
+          <a:ln>
+            <a:tailEnd type="triangle"/>
+          </a:ln>
+        </p:spPr>
+        <p:style>
+          <a:lnRef idx="2">
+            <a:schemeClr val="accent1"/>
+          </a:lnRef>
+          <a:fillRef idx="0">
+            <a:schemeClr val="accent1"/>
+          </a:fillRef>
+          <a:effectRef idx="1">
+            <a:schemeClr val="accent1"/>
+          </a:effectRef>
+          <a:fontRef idx="minor">
+            <a:schemeClr val="tx1"/>
+          </a:fontRef>
+        </p:style>
+      </p:cxnSp>
+      <p:sp>
+        <p:nvSpPr>
+          <p:cNvPr id="21" name="TextBox 20">
+            <a:extLst>
+              <a:ext uri="{FF2B5EF4-FFF2-40B4-BE49-F238E27FC236}">
+                <a16:creationId xmlns:a16="http://schemas.microsoft.com/office/drawing/2014/main" id="{AB3C6476-20FC-EDEE-A3E5-ED133065869C}"/>
+              </a:ext>
+            </a:extLst>
+          </p:cNvPr>
+          <p:cNvSpPr txBox="1"/>
+          <p:nvPr/>
+        </p:nvSpPr>
+        <p:spPr>
+          <a:xfrm>
+            <a:off x="4497704" y="3932604"/>
+            <a:ext cx="3061335" cy="646331"/>
+          </a:xfrm>
+          <a:prstGeom prst="rect">
+            <a:avLst/>
+          </a:prstGeom>
+          <a:noFill/>
+        </p:spPr>
+        <p:txBody>
+          <a:bodyPr wrap="square" rtlCol="0">
+            <a:spAutoFit/>
+          </a:bodyPr>
+          <a:lstStyle/>
+          <a:p>
+            <a:r>
+              <a:rPr lang="en-US" dirty="0"/>
+              <a:t>Some adjacent relationships(it, its)</a:t>
+            </a:r>
+          </a:p>
+        </p:txBody>
+      </p:sp>
+      <p:sp>
+        <p:nvSpPr>
+          <p:cNvPr id="22" name="TextBox 21">
+            <a:extLst>
+              <a:ext uri="{FF2B5EF4-FFF2-40B4-BE49-F238E27FC236}">
+                <a16:creationId xmlns:a16="http://schemas.microsoft.com/office/drawing/2014/main" id="{F5E860F9-6D65-450F-DE92-9D1A7DFEB90C}"/>
+              </a:ext>
+            </a:extLst>
+          </p:cNvPr>
+          <p:cNvSpPr txBox="1"/>
+          <p:nvPr/>
+        </p:nvSpPr>
+        <p:spPr>
+          <a:xfrm>
+            <a:off x="6785609" y="1572637"/>
+            <a:ext cx="1546861" cy="369332"/>
+          </a:xfrm>
+          <a:prstGeom prst="rect">
+            <a:avLst/>
+          </a:prstGeom>
+          <a:noFill/>
+        </p:spPr>
+        <p:txBody>
+          <a:bodyPr wrap="square" rtlCol="0">
+            <a:spAutoFit/>
+          </a:bodyPr>
+          <a:lstStyle/>
+          <a:p>
+            <a:r>
+              <a:rPr lang="en-US" dirty="0"/>
+              <a:t>All ancestor</a:t>
+            </a:r>
+          </a:p>
+        </p:txBody>
+      </p:sp>
+      <p:cxnSp>
+        <p:nvCxnSpPr>
+          <p:cNvPr id="23" name="Straight Arrow Connector 22">
+            <a:extLst>
+              <a:ext uri="{FF2B5EF4-FFF2-40B4-BE49-F238E27FC236}">
+                <a16:creationId xmlns:a16="http://schemas.microsoft.com/office/drawing/2014/main" id="{133ADB80-798D-AD11-D3E3-A6F1A98BC8A7}"/>
+              </a:ext>
+            </a:extLst>
+          </p:cNvPr>
+          <p:cNvCxnSpPr>
+            <a:cxnSpLocks/>
+          </p:cNvCxnSpPr>
+          <p:nvPr/>
+        </p:nvCxnSpPr>
+        <p:spPr>
+          <a:xfrm>
+            <a:off x="1833087" y="1133835"/>
+            <a:ext cx="257650" cy="158474"/>
+          </a:xfrm>
+          <a:prstGeom prst="straightConnector1">
+            <a:avLst/>
+          </a:prstGeom>
+          <a:ln>
+            <a:tailEnd type="triangle"/>
+          </a:ln>
+        </p:spPr>
+        <p:style>
+          <a:lnRef idx="2">
+            <a:schemeClr val="accent1"/>
+          </a:lnRef>
+          <a:fillRef idx="0">
+            <a:schemeClr val="accent1"/>
+          </a:fillRef>
+          <a:effectRef idx="1">
+            <a:schemeClr val="accent1"/>
+          </a:effectRef>
+          <a:fontRef idx="minor">
+            <a:schemeClr val="tx1"/>
+          </a:fontRef>
+        </p:style>
+      </p:cxnSp>
+      <p:sp>
+        <p:nvSpPr>
+          <p:cNvPr id="25" name="Right Brace 24">
+            <a:extLst>
+              <a:ext uri="{FF2B5EF4-FFF2-40B4-BE49-F238E27FC236}">
+                <a16:creationId xmlns:a16="http://schemas.microsoft.com/office/drawing/2014/main" id="{C7D9D08F-CC19-0FA7-E489-F56B4E1397C4}"/>
+              </a:ext>
+            </a:extLst>
+          </p:cNvPr>
+          <p:cNvSpPr/>
+          <p:nvPr/>
+        </p:nvSpPr>
+        <p:spPr>
+          <a:xfrm>
+            <a:off x="6143625" y="505185"/>
+            <a:ext cx="582930" cy="2497095"/>
+          </a:xfrm>
+          <a:prstGeom prst="rightBrace">
+            <a:avLst/>
+          </a:prstGeom>
+        </p:spPr>
+        <p:style>
+          <a:lnRef idx="2">
+            <a:schemeClr val="accent1"/>
+          </a:lnRef>
+          <a:fillRef idx="0">
+            <a:schemeClr val="accent1"/>
+          </a:fillRef>
+          <a:effectRef idx="1">
+            <a:schemeClr val="accent1"/>
+          </a:effectRef>
+          <a:fontRef idx="minor">
+            <a:schemeClr val="tx1"/>
+          </a:fontRef>
+        </p:style>
+        <p:txBody>
+          <a:bodyPr rtlCol="0" anchor="ctr"/>
+          <a:lstStyle/>
+          <a:p>
+            <a:pPr algn="ctr"/>
+            <a:endParaRPr lang="en-US"/>
+          </a:p>
+        </p:txBody>
+      </p:sp>
+      <p:sp>
+        <p:nvSpPr>
+          <p:cNvPr id="28" name="TextBox 27">
+            <a:extLst>
+              <a:ext uri="{FF2B5EF4-FFF2-40B4-BE49-F238E27FC236}">
+                <a16:creationId xmlns:a16="http://schemas.microsoft.com/office/drawing/2014/main" id="{F3AAE878-103D-79A0-9F69-66EECCDF3C04}"/>
+              </a:ext>
+            </a:extLst>
+          </p:cNvPr>
+          <p:cNvSpPr txBox="1"/>
+          <p:nvPr/>
+        </p:nvSpPr>
+        <p:spPr>
+          <a:xfrm>
+            <a:off x="2075498" y="1154698"/>
+            <a:ext cx="3061335" cy="369332"/>
+          </a:xfrm>
+          <a:prstGeom prst="rect">
+            <a:avLst/>
+          </a:prstGeom>
+          <a:noFill/>
+        </p:spPr>
+        <p:txBody>
+          <a:bodyPr wrap="square" rtlCol="0">
+            <a:spAutoFit/>
+          </a:bodyPr>
+          <a:lstStyle/>
+          <a:p>
+            <a:r>
+              <a:rPr lang="en-US" dirty="0"/>
+              <a:t>…</a:t>
+            </a:r>
+          </a:p>
+        </p:txBody>
+      </p:sp>
+      <p:cxnSp>
+        <p:nvCxnSpPr>
+          <p:cNvPr id="29" name="Straight Arrow Connector 28">
+            <a:extLst>
+              <a:ext uri="{FF2B5EF4-FFF2-40B4-BE49-F238E27FC236}">
+                <a16:creationId xmlns:a16="http://schemas.microsoft.com/office/drawing/2014/main" id="{DE74F829-470C-65E6-B603-04CF07B2E4A4}"/>
+              </a:ext>
+            </a:extLst>
+          </p:cNvPr>
+          <p:cNvCxnSpPr>
+            <a:cxnSpLocks/>
+          </p:cNvCxnSpPr>
+          <p:nvPr/>
+        </p:nvCxnSpPr>
+        <p:spPr>
+          <a:xfrm>
+            <a:off x="2434591" y="1466968"/>
+            <a:ext cx="310515" cy="123826"/>
+          </a:xfrm>
+          <a:prstGeom prst="straightConnector1">
+            <a:avLst/>
+          </a:prstGeom>
+          <a:ln>
+            <a:tailEnd type="triangle"/>
+          </a:ln>
+        </p:spPr>
+        <p:style>
+          <a:lnRef idx="2">
+            <a:schemeClr val="accent1"/>
+          </a:lnRef>
+          <a:fillRef idx="0">
+            <a:schemeClr val="accent1"/>
+          </a:fillRef>
+          <a:effectRef idx="1">
+            <a:schemeClr val="accent1"/>
+          </a:effectRef>
+          <a:fontRef idx="minor">
+            <a:schemeClr val="tx1"/>
+          </a:fontRef>
+        </p:style>
+      </p:cxnSp>
+      <p:sp>
+        <p:nvSpPr>
+          <p:cNvPr id="31" name="Rounded Rectangle 30">
+            <a:extLst>
+              <a:ext uri="{FF2B5EF4-FFF2-40B4-BE49-F238E27FC236}">
+                <a16:creationId xmlns:a16="http://schemas.microsoft.com/office/drawing/2014/main" id="{A9FB9138-C414-10BD-1E9D-8094B6D3F312}"/>
+              </a:ext>
+            </a:extLst>
+          </p:cNvPr>
+          <p:cNvSpPr/>
+          <p:nvPr/>
+        </p:nvSpPr>
+        <p:spPr>
+          <a:xfrm>
+            <a:off x="377190" y="676635"/>
+            <a:ext cx="1859278" cy="373380"/>
+          </a:xfrm>
+          <a:prstGeom prst="roundRect">
+            <a:avLst/>
+          </a:prstGeom>
+        </p:spPr>
+        <p:style>
+          <a:lnRef idx="2">
+            <a:schemeClr val="accent1">
+              <a:shade val="15000"/>
+            </a:schemeClr>
+          </a:lnRef>
+          <a:fillRef idx="1">
+            <a:schemeClr val="accent1"/>
+          </a:fillRef>
+          <a:effectRef idx="0">
+            <a:schemeClr val="accent1"/>
+          </a:effectRef>
+          <a:fontRef idx="minor">
+            <a:schemeClr val="lt1"/>
+          </a:fontRef>
+        </p:style>
+        <p:txBody>
+          <a:bodyPr rtlCol="0" anchor="ctr"/>
+          <a:lstStyle/>
+          <a:p>
+            <a:pPr algn="ctr"/>
+            <a:r>
+              <a:rPr lang="en-US" dirty="0"/>
+              <a:t>SHT root node</a:t>
+            </a:r>
+          </a:p>
+        </p:txBody>
+      </p:sp>
     </p:spTree>
     <p:extLst>
       <p:ext uri="{BB962C8B-B14F-4D97-AF65-F5344CB8AC3E}">

--- a/baseline-workflow.pptx
+++ b/baseline-workflow.pptx
@@ -12,6 +12,11 @@
     <p:sldId id="258" r:id="rId6"/>
     <p:sldId id="260" r:id="rId7"/>
     <p:sldId id="259" r:id="rId8"/>
+    <p:sldId id="265" r:id="rId9"/>
+    <p:sldId id="266" r:id="rId10"/>
+    <p:sldId id="267" r:id="rId11"/>
+    <p:sldId id="268" r:id="rId12"/>
+    <p:sldId id="269" r:id="rId13"/>
   </p:sldIdLst>
   <p:sldSz cx="12192000" cy="6858000"/>
   <p:notesSz cx="6858000" cy="9144000"/>
@@ -265,7 +270,7 @@
           <a:p>
             <a:fld id="{123EC966-C6AD-8940-9E97-501143378CD7}" type="datetimeFigureOut">
               <a:rPr lang="en-US" smtClean="0"/>
-              <a:t>8/23/24</a:t>
+              <a:t>9/6/24</a:t>
             </a:fld>
             <a:endParaRPr lang="en-US"/>
           </a:p>
@@ -463,7 +468,7 @@
           <a:p>
             <a:fld id="{123EC966-C6AD-8940-9E97-501143378CD7}" type="datetimeFigureOut">
               <a:rPr lang="en-US" smtClean="0"/>
-              <a:t>8/23/24</a:t>
+              <a:t>9/6/24</a:t>
             </a:fld>
             <a:endParaRPr lang="en-US"/>
           </a:p>
@@ -671,7 +676,7 @@
           <a:p>
             <a:fld id="{123EC966-C6AD-8940-9E97-501143378CD7}" type="datetimeFigureOut">
               <a:rPr lang="en-US" smtClean="0"/>
-              <a:t>8/23/24</a:t>
+              <a:t>9/6/24</a:t>
             </a:fld>
             <a:endParaRPr lang="en-US"/>
           </a:p>
@@ -869,7 +874,7 @@
           <a:p>
             <a:fld id="{123EC966-C6AD-8940-9E97-501143378CD7}" type="datetimeFigureOut">
               <a:rPr lang="en-US" smtClean="0"/>
-              <a:t>8/23/24</a:t>
+              <a:t>9/6/24</a:t>
             </a:fld>
             <a:endParaRPr lang="en-US"/>
           </a:p>
@@ -1144,7 +1149,7 @@
           <a:p>
             <a:fld id="{123EC966-C6AD-8940-9E97-501143378CD7}" type="datetimeFigureOut">
               <a:rPr lang="en-US" smtClean="0"/>
-              <a:t>8/23/24</a:t>
+              <a:t>9/6/24</a:t>
             </a:fld>
             <a:endParaRPr lang="en-US"/>
           </a:p>
@@ -1409,7 +1414,7 @@
           <a:p>
             <a:fld id="{123EC966-C6AD-8940-9E97-501143378CD7}" type="datetimeFigureOut">
               <a:rPr lang="en-US" smtClean="0"/>
-              <a:t>8/23/24</a:t>
+              <a:t>9/6/24</a:t>
             </a:fld>
             <a:endParaRPr lang="en-US"/>
           </a:p>
@@ -1821,7 +1826,7 @@
           <a:p>
             <a:fld id="{123EC966-C6AD-8940-9E97-501143378CD7}" type="datetimeFigureOut">
               <a:rPr lang="en-US" smtClean="0"/>
-              <a:t>8/23/24</a:t>
+              <a:t>9/6/24</a:t>
             </a:fld>
             <a:endParaRPr lang="en-US"/>
           </a:p>
@@ -1962,7 +1967,7 @@
           <a:p>
             <a:fld id="{123EC966-C6AD-8940-9E97-501143378CD7}" type="datetimeFigureOut">
               <a:rPr lang="en-US" smtClean="0"/>
-              <a:t>8/23/24</a:t>
+              <a:t>9/6/24</a:t>
             </a:fld>
             <a:endParaRPr lang="en-US"/>
           </a:p>
@@ -2075,7 +2080,7 @@
           <a:p>
             <a:fld id="{123EC966-C6AD-8940-9E97-501143378CD7}" type="datetimeFigureOut">
               <a:rPr lang="en-US" smtClean="0"/>
-              <a:t>8/23/24</a:t>
+              <a:t>9/6/24</a:t>
             </a:fld>
             <a:endParaRPr lang="en-US"/>
           </a:p>
@@ -2386,7 +2391,7 @@
           <a:p>
             <a:fld id="{123EC966-C6AD-8940-9E97-501143378CD7}" type="datetimeFigureOut">
               <a:rPr lang="en-US" smtClean="0"/>
-              <a:t>8/23/24</a:t>
+              <a:t>9/6/24</a:t>
             </a:fld>
             <a:endParaRPr lang="en-US"/>
           </a:p>
@@ -2674,7 +2679,7 @@
           <a:p>
             <a:fld id="{123EC966-C6AD-8940-9E97-501143378CD7}" type="datetimeFigureOut">
               <a:rPr lang="en-US" smtClean="0"/>
-              <a:t>8/23/24</a:t>
+              <a:t>9/6/24</a:t>
             </a:fld>
             <a:endParaRPr lang="en-US"/>
           </a:p>
@@ -2915,7 +2920,7 @@
           <a:p>
             <a:fld id="{123EC966-C6AD-8940-9E97-501143378CD7}" type="datetimeFigureOut">
               <a:rPr lang="en-US" smtClean="0"/>
-              <a:t>8/23/24</a:t>
+              <a:t>9/6/24</a:t>
             </a:fld>
             <a:endParaRPr lang="en-US"/>
           </a:p>
@@ -3395,6 +3400,4597 @@
 </p:sld>
 </file>
 
+<file path=ppt/slides/slide10.xml><?xml version="1.0" encoding="utf-8"?>
+<p:sld xmlns:a="http://schemas.openxmlformats.org/drawingml/2006/main" xmlns:r="http://schemas.openxmlformats.org/officeDocument/2006/relationships" xmlns:p="http://schemas.openxmlformats.org/presentationml/2006/main">
+  <p:cSld>
+    <p:spTree>
+      <p:nvGrpSpPr>
+        <p:cNvPr id="1" name=""/>
+        <p:cNvGrpSpPr/>
+        <p:nvPr/>
+      </p:nvGrpSpPr>
+      <p:grpSpPr>
+        <a:xfrm>
+          <a:off x="0" y="0"/>
+          <a:ext cx="0" cy="0"/>
+          <a:chOff x="0" y="0"/>
+          <a:chExt cx="0" cy="0"/>
+        </a:xfrm>
+      </p:grpSpPr>
+      <p:pic>
+        <p:nvPicPr>
+          <p:cNvPr id="36" name="Picture 35" descr="A group of arrows with letters and numbers&#10;&#10;Description automatically generated">
+            <a:extLst>
+              <a:ext uri="{FF2B5EF4-FFF2-40B4-BE49-F238E27FC236}">
+                <a16:creationId xmlns:a16="http://schemas.microsoft.com/office/drawing/2014/main" id="{62FBA695-C8AD-09EB-9F39-50E2BDD2995F}"/>
+              </a:ext>
+            </a:extLst>
+          </p:cNvPr>
+          <p:cNvPicPr>
+            <a:picLocks noChangeAspect="1"/>
+          </p:cNvPicPr>
+          <p:nvPr/>
+        </p:nvPicPr>
+        <p:blipFill>
+          <a:blip r:embed="rId2"/>
+          <a:stretch>
+            <a:fillRect/>
+          </a:stretch>
+        </p:blipFill>
+        <p:spPr>
+          <a:xfrm>
+            <a:off x="573872" y="955178"/>
+            <a:ext cx="7772400" cy="2902944"/>
+          </a:xfrm>
+          <a:prstGeom prst="rect">
+            <a:avLst/>
+          </a:prstGeom>
+        </p:spPr>
+      </p:pic>
+      <p:cxnSp>
+        <p:nvCxnSpPr>
+          <p:cNvPr id="38" name="Straight Arrow Connector 37">
+            <a:extLst>
+              <a:ext uri="{FF2B5EF4-FFF2-40B4-BE49-F238E27FC236}">
+                <a16:creationId xmlns:a16="http://schemas.microsoft.com/office/drawing/2014/main" id="{52D43B74-D436-8DDD-BD02-FD5A93BCBA06}"/>
+              </a:ext>
+            </a:extLst>
+          </p:cNvPr>
+          <p:cNvCxnSpPr>
+            <a:cxnSpLocks/>
+          </p:cNvCxnSpPr>
+          <p:nvPr/>
+        </p:nvCxnSpPr>
+        <p:spPr>
+          <a:xfrm>
+            <a:off x="1344058" y="2776251"/>
+            <a:ext cx="638978" cy="0"/>
+          </a:xfrm>
+          <a:prstGeom prst="straightConnector1">
+            <a:avLst/>
+          </a:prstGeom>
+          <a:ln>
+            <a:tailEnd type="triangle"/>
+          </a:ln>
+        </p:spPr>
+        <p:style>
+          <a:lnRef idx="2">
+            <a:schemeClr val="accent1"/>
+          </a:lnRef>
+          <a:fillRef idx="0">
+            <a:schemeClr val="accent1"/>
+          </a:fillRef>
+          <a:effectRef idx="1">
+            <a:schemeClr val="accent1"/>
+          </a:effectRef>
+          <a:fontRef idx="minor">
+            <a:schemeClr val="tx1"/>
+          </a:fontRef>
+        </p:style>
+      </p:cxnSp>
+      <p:cxnSp>
+        <p:nvCxnSpPr>
+          <p:cNvPr id="41" name="Straight Arrow Connector 40">
+            <a:extLst>
+              <a:ext uri="{FF2B5EF4-FFF2-40B4-BE49-F238E27FC236}">
+                <a16:creationId xmlns:a16="http://schemas.microsoft.com/office/drawing/2014/main" id="{2130F8FD-A465-9833-F642-D70ADC40CB67}"/>
+              </a:ext>
+            </a:extLst>
+          </p:cNvPr>
+          <p:cNvCxnSpPr>
+            <a:cxnSpLocks/>
+          </p:cNvCxnSpPr>
+          <p:nvPr/>
+        </p:nvCxnSpPr>
+        <p:spPr>
+          <a:xfrm>
+            <a:off x="3514380" y="2776251"/>
+            <a:ext cx="649996" cy="0"/>
+          </a:xfrm>
+          <a:prstGeom prst="straightConnector1">
+            <a:avLst/>
+          </a:prstGeom>
+          <a:ln>
+            <a:tailEnd type="triangle"/>
+          </a:ln>
+        </p:spPr>
+        <p:style>
+          <a:lnRef idx="2">
+            <a:schemeClr val="accent1"/>
+          </a:lnRef>
+          <a:fillRef idx="0">
+            <a:schemeClr val="accent1"/>
+          </a:fillRef>
+          <a:effectRef idx="1">
+            <a:schemeClr val="accent1"/>
+          </a:effectRef>
+          <a:fontRef idx="minor">
+            <a:schemeClr val="tx1"/>
+          </a:fontRef>
+        </p:style>
+      </p:cxnSp>
+      <p:cxnSp>
+        <p:nvCxnSpPr>
+          <p:cNvPr id="44" name="Straight Arrow Connector 43">
+            <a:extLst>
+              <a:ext uri="{FF2B5EF4-FFF2-40B4-BE49-F238E27FC236}">
+                <a16:creationId xmlns:a16="http://schemas.microsoft.com/office/drawing/2014/main" id="{85ADA1B3-9EA6-E6B7-E8FC-163AAA73B3FF}"/>
+              </a:ext>
+            </a:extLst>
+          </p:cNvPr>
+          <p:cNvCxnSpPr/>
+          <p:nvPr/>
+        </p:nvCxnSpPr>
+        <p:spPr>
+          <a:xfrm>
+            <a:off x="4538949" y="2776251"/>
+            <a:ext cx="694063" cy="0"/>
+          </a:xfrm>
+          <a:prstGeom prst="straightConnector1">
+            <a:avLst/>
+          </a:prstGeom>
+          <a:ln>
+            <a:tailEnd type="triangle"/>
+          </a:ln>
+        </p:spPr>
+        <p:style>
+          <a:lnRef idx="2">
+            <a:schemeClr val="accent1"/>
+          </a:lnRef>
+          <a:fillRef idx="0">
+            <a:schemeClr val="accent1"/>
+          </a:fillRef>
+          <a:effectRef idx="1">
+            <a:schemeClr val="accent1"/>
+          </a:effectRef>
+          <a:fontRef idx="minor">
+            <a:schemeClr val="tx1"/>
+          </a:fontRef>
+        </p:style>
+      </p:cxnSp>
+      <p:cxnSp>
+        <p:nvCxnSpPr>
+          <p:cNvPr id="46" name="Straight Arrow Connector 45">
+            <a:extLst>
+              <a:ext uri="{FF2B5EF4-FFF2-40B4-BE49-F238E27FC236}">
+                <a16:creationId xmlns:a16="http://schemas.microsoft.com/office/drawing/2014/main" id="{DE2F67CC-EF99-9004-CC75-B8F910DFF508}"/>
+              </a:ext>
+            </a:extLst>
+          </p:cNvPr>
+          <p:cNvCxnSpPr/>
+          <p:nvPr/>
+        </p:nvCxnSpPr>
+        <p:spPr>
+          <a:xfrm>
+            <a:off x="6191480" y="2776251"/>
+            <a:ext cx="661012" cy="0"/>
+          </a:xfrm>
+          <a:prstGeom prst="straightConnector1">
+            <a:avLst/>
+          </a:prstGeom>
+          <a:ln>
+            <a:tailEnd type="triangle"/>
+          </a:ln>
+        </p:spPr>
+        <p:style>
+          <a:lnRef idx="2">
+            <a:schemeClr val="accent1"/>
+          </a:lnRef>
+          <a:fillRef idx="0">
+            <a:schemeClr val="accent1"/>
+          </a:fillRef>
+          <a:effectRef idx="1">
+            <a:schemeClr val="accent1"/>
+          </a:effectRef>
+          <a:fontRef idx="minor">
+            <a:schemeClr val="tx1"/>
+          </a:fontRef>
+        </p:style>
+      </p:cxnSp>
+      <p:cxnSp>
+        <p:nvCxnSpPr>
+          <p:cNvPr id="48" name="Elbow Connector 47">
+            <a:extLst>
+              <a:ext uri="{FF2B5EF4-FFF2-40B4-BE49-F238E27FC236}">
+                <a16:creationId xmlns:a16="http://schemas.microsoft.com/office/drawing/2014/main" id="{0EFDCC48-6455-3D38-3A12-D3B0B06DD047}"/>
+              </a:ext>
+            </a:extLst>
+          </p:cNvPr>
+          <p:cNvCxnSpPr>
+            <a:cxnSpLocks/>
+          </p:cNvCxnSpPr>
+          <p:nvPr/>
+        </p:nvCxnSpPr>
+        <p:spPr>
+          <a:xfrm rot="10800000" flipV="1">
+            <a:off x="1983038" y="1806765"/>
+            <a:ext cx="2181338" cy="771179"/>
+          </a:xfrm>
+          <a:prstGeom prst="bentConnector3">
+            <a:avLst>
+              <a:gd name="adj1" fmla="val 113131"/>
+            </a:avLst>
+          </a:prstGeom>
+          <a:ln>
+            <a:tailEnd type="triangle"/>
+          </a:ln>
+        </p:spPr>
+        <p:style>
+          <a:lnRef idx="2">
+            <a:schemeClr val="accent1"/>
+          </a:lnRef>
+          <a:fillRef idx="0">
+            <a:schemeClr val="accent1"/>
+          </a:fillRef>
+          <a:effectRef idx="1">
+            <a:schemeClr val="accent1"/>
+          </a:effectRef>
+          <a:fontRef idx="minor">
+            <a:schemeClr val="tx1"/>
+          </a:fontRef>
+        </p:style>
+      </p:cxnSp>
+      <p:cxnSp>
+        <p:nvCxnSpPr>
+          <p:cNvPr id="67" name="Elbow Connector 66">
+            <a:extLst>
+              <a:ext uri="{FF2B5EF4-FFF2-40B4-BE49-F238E27FC236}">
+                <a16:creationId xmlns:a16="http://schemas.microsoft.com/office/drawing/2014/main" id="{CC7713A1-C8DF-E497-8230-71C76DF7A28B}"/>
+              </a:ext>
+            </a:extLst>
+          </p:cNvPr>
+          <p:cNvCxnSpPr>
+            <a:cxnSpLocks/>
+          </p:cNvCxnSpPr>
+          <p:nvPr/>
+        </p:nvCxnSpPr>
+        <p:spPr>
+          <a:xfrm>
+            <a:off x="4538949" y="1806765"/>
+            <a:ext cx="694063" cy="683047"/>
+          </a:xfrm>
+          <a:prstGeom prst="bentConnector3">
+            <a:avLst>
+              <a:gd name="adj1" fmla="val 50000"/>
+            </a:avLst>
+          </a:prstGeom>
+          <a:ln>
+            <a:tailEnd type="triangle"/>
+          </a:ln>
+        </p:spPr>
+        <p:style>
+          <a:lnRef idx="2">
+            <a:schemeClr val="accent1"/>
+          </a:lnRef>
+          <a:fillRef idx="0">
+            <a:schemeClr val="accent1"/>
+          </a:fillRef>
+          <a:effectRef idx="1">
+            <a:schemeClr val="accent1"/>
+          </a:effectRef>
+          <a:fontRef idx="minor">
+            <a:schemeClr val="tx1"/>
+          </a:fontRef>
+        </p:style>
+      </p:cxnSp>
+      <p:sp>
+        <p:nvSpPr>
+          <p:cNvPr id="70" name="TextBox 69">
+            <a:extLst>
+              <a:ext uri="{FF2B5EF4-FFF2-40B4-BE49-F238E27FC236}">
+                <a16:creationId xmlns:a16="http://schemas.microsoft.com/office/drawing/2014/main" id="{2E7B2355-EFF4-4B06-FABD-77E81FE0BB9E}"/>
+              </a:ext>
+            </a:extLst>
+          </p:cNvPr>
+          <p:cNvSpPr txBox="1"/>
+          <p:nvPr/>
+        </p:nvSpPr>
+        <p:spPr>
+          <a:xfrm>
+            <a:off x="3514380" y="2577945"/>
+            <a:ext cx="649996" cy="507831"/>
+          </a:xfrm>
+          <a:prstGeom prst="rect">
+            <a:avLst/>
+          </a:prstGeom>
+          <a:noFill/>
+        </p:spPr>
+        <p:txBody>
+          <a:bodyPr wrap="square" rtlCol="0">
+            <a:spAutoFit/>
+          </a:bodyPr>
+          <a:lstStyle/>
+          <a:p>
+            <a:r>
+              <a:rPr lang="en-US" sz="900" dirty="0"/>
+              <a:t>Retrieve relevant context</a:t>
+            </a:r>
+          </a:p>
+        </p:txBody>
+      </p:sp>
+      <p:sp>
+        <p:nvSpPr>
+          <p:cNvPr id="72" name="Rounded Rectangle 71">
+            <a:extLst>
+              <a:ext uri="{FF2B5EF4-FFF2-40B4-BE49-F238E27FC236}">
+                <a16:creationId xmlns:a16="http://schemas.microsoft.com/office/drawing/2014/main" id="{1B0F36A5-DB2A-5C29-6F75-390F2F54EE3D}"/>
+              </a:ext>
+            </a:extLst>
+          </p:cNvPr>
+          <p:cNvSpPr/>
+          <p:nvPr/>
+        </p:nvSpPr>
+        <p:spPr>
+          <a:xfrm>
+            <a:off x="579090" y="1322070"/>
+            <a:ext cx="4140368" cy="2169160"/>
+          </a:xfrm>
+          <a:prstGeom prst="roundRect">
+            <a:avLst/>
+          </a:prstGeom>
+          <a:noFill/>
+          <a:ln>
+            <a:prstDash val="dash"/>
+          </a:ln>
+        </p:spPr>
+        <p:style>
+          <a:lnRef idx="2">
+            <a:schemeClr val="accent1">
+              <a:shade val="15000"/>
+            </a:schemeClr>
+          </a:lnRef>
+          <a:fillRef idx="1">
+            <a:schemeClr val="accent1"/>
+          </a:fillRef>
+          <a:effectRef idx="0">
+            <a:schemeClr val="accent1"/>
+          </a:effectRef>
+          <a:fontRef idx="minor">
+            <a:schemeClr val="lt1"/>
+          </a:fontRef>
+        </p:style>
+        <p:txBody>
+          <a:bodyPr rtlCol="0" anchor="ctr"/>
+          <a:lstStyle/>
+          <a:p>
+            <a:pPr algn="ctr"/>
+            <a:endParaRPr lang="en-US"/>
+          </a:p>
+        </p:txBody>
+      </p:sp>
+      <p:sp>
+        <p:nvSpPr>
+          <p:cNvPr id="74" name="Rounded Rectangle 73">
+            <a:extLst>
+              <a:ext uri="{FF2B5EF4-FFF2-40B4-BE49-F238E27FC236}">
+                <a16:creationId xmlns:a16="http://schemas.microsoft.com/office/drawing/2014/main" id="{AAE78EAB-DB78-72BA-FB9B-908F97554FFD}"/>
+              </a:ext>
+            </a:extLst>
+          </p:cNvPr>
+          <p:cNvSpPr/>
+          <p:nvPr/>
+        </p:nvSpPr>
+        <p:spPr>
+          <a:xfrm>
+            <a:off x="4053221" y="1488440"/>
+            <a:ext cx="3282299" cy="2169160"/>
+          </a:xfrm>
+          <a:prstGeom prst="roundRect">
+            <a:avLst/>
+          </a:prstGeom>
+          <a:noFill/>
+          <a:ln>
+            <a:prstDash val="dash"/>
+          </a:ln>
+        </p:spPr>
+        <p:style>
+          <a:lnRef idx="2">
+            <a:schemeClr val="accent1">
+              <a:shade val="15000"/>
+            </a:schemeClr>
+          </a:lnRef>
+          <a:fillRef idx="1">
+            <a:schemeClr val="accent1"/>
+          </a:fillRef>
+          <a:effectRef idx="0">
+            <a:schemeClr val="accent1"/>
+          </a:effectRef>
+          <a:fontRef idx="minor">
+            <a:schemeClr val="lt1"/>
+          </a:fontRef>
+        </p:style>
+        <p:txBody>
+          <a:bodyPr rtlCol="0" anchor="ctr"/>
+          <a:lstStyle/>
+          <a:p>
+            <a:pPr algn="ctr"/>
+            <a:endParaRPr lang="en-US"/>
+          </a:p>
+        </p:txBody>
+      </p:sp>
+      <p:sp>
+        <p:nvSpPr>
+          <p:cNvPr id="75" name="TextBox 74">
+            <a:extLst>
+              <a:ext uri="{FF2B5EF4-FFF2-40B4-BE49-F238E27FC236}">
+                <a16:creationId xmlns:a16="http://schemas.microsoft.com/office/drawing/2014/main" id="{6A99586E-BEF2-1F0A-5D27-E73FC9B20066}"/>
+              </a:ext>
+            </a:extLst>
+          </p:cNvPr>
+          <p:cNvSpPr txBox="1"/>
+          <p:nvPr/>
+        </p:nvSpPr>
+        <p:spPr>
+          <a:xfrm>
+            <a:off x="1983036" y="856025"/>
+            <a:ext cx="1204664" cy="366892"/>
+          </a:xfrm>
+          <a:prstGeom prst="rect">
+            <a:avLst/>
+          </a:prstGeom>
+          <a:noFill/>
+        </p:spPr>
+        <p:txBody>
+          <a:bodyPr wrap="square" rtlCol="0">
+            <a:spAutoFit/>
+          </a:bodyPr>
+          <a:lstStyle/>
+          <a:p>
+            <a:r>
+              <a:rPr lang="en-US" dirty="0"/>
+              <a:t>retrieval</a:t>
+            </a:r>
+          </a:p>
+        </p:txBody>
+      </p:sp>
+      <p:sp>
+        <p:nvSpPr>
+          <p:cNvPr id="77" name="TextBox 76">
+            <a:extLst>
+              <a:ext uri="{FF2B5EF4-FFF2-40B4-BE49-F238E27FC236}">
+                <a16:creationId xmlns:a16="http://schemas.microsoft.com/office/drawing/2014/main" id="{DF55D0B8-F204-150D-9F8C-8E361BE17E6B}"/>
+              </a:ext>
+            </a:extLst>
+          </p:cNvPr>
+          <p:cNvSpPr txBox="1"/>
+          <p:nvPr/>
+        </p:nvSpPr>
+        <p:spPr>
+          <a:xfrm>
+            <a:off x="5118712" y="1103252"/>
+            <a:ext cx="1619480" cy="369332"/>
+          </a:xfrm>
+          <a:prstGeom prst="rect">
+            <a:avLst/>
+          </a:prstGeom>
+          <a:noFill/>
+        </p:spPr>
+        <p:txBody>
+          <a:bodyPr wrap="square" rtlCol="0">
+            <a:spAutoFit/>
+          </a:bodyPr>
+          <a:lstStyle/>
+          <a:p>
+            <a:r>
+              <a:rPr lang="en-US" dirty="0"/>
+              <a:t>generation</a:t>
+            </a:r>
+          </a:p>
+        </p:txBody>
+      </p:sp>
+      <p:sp>
+        <p:nvSpPr>
+          <p:cNvPr id="78" name="TextBox 77">
+            <a:extLst>
+              <a:ext uri="{FF2B5EF4-FFF2-40B4-BE49-F238E27FC236}">
+                <a16:creationId xmlns:a16="http://schemas.microsoft.com/office/drawing/2014/main" id="{DB74C740-FB8E-E88C-D381-27ACB3E3CB69}"/>
+              </a:ext>
+            </a:extLst>
+          </p:cNvPr>
+          <p:cNvSpPr txBox="1"/>
+          <p:nvPr/>
+        </p:nvSpPr>
+        <p:spPr>
+          <a:xfrm>
+            <a:off x="3681316" y="486234"/>
+            <a:ext cx="1204664" cy="366892"/>
+          </a:xfrm>
+          <a:prstGeom prst="rect">
+            <a:avLst/>
+          </a:prstGeom>
+          <a:noFill/>
+        </p:spPr>
+        <p:txBody>
+          <a:bodyPr wrap="square" rtlCol="0">
+            <a:spAutoFit/>
+          </a:bodyPr>
+          <a:lstStyle/>
+          <a:p>
+            <a:r>
+              <a:rPr lang="en-US" dirty="0"/>
+              <a:t>RAG</a:t>
+            </a:r>
+          </a:p>
+        </p:txBody>
+      </p:sp>
+    </p:spTree>
+    <p:extLst>
+      <p:ext uri="{BB962C8B-B14F-4D97-AF65-F5344CB8AC3E}">
+        <p14:creationId xmlns:p14="http://schemas.microsoft.com/office/powerpoint/2010/main" val="806320789"/>
+      </p:ext>
+    </p:extLst>
+  </p:cSld>
+  <p:clrMapOvr>
+    <a:masterClrMapping/>
+  </p:clrMapOvr>
+</p:sld>
+</file>
+
+<file path=ppt/slides/slide11.xml><?xml version="1.0" encoding="utf-8"?>
+<p:sld xmlns:a="http://schemas.openxmlformats.org/drawingml/2006/main" xmlns:r="http://schemas.openxmlformats.org/officeDocument/2006/relationships" xmlns:p="http://schemas.openxmlformats.org/presentationml/2006/main">
+  <p:cSld>
+    <p:spTree>
+      <p:nvGrpSpPr>
+        <p:cNvPr id="1" name=""/>
+        <p:cNvGrpSpPr/>
+        <p:nvPr/>
+      </p:nvGrpSpPr>
+      <p:grpSpPr>
+        <a:xfrm>
+          <a:off x="0" y="0"/>
+          <a:ext cx="0" cy="0"/>
+          <a:chOff x="0" y="0"/>
+          <a:chExt cx="0" cy="0"/>
+        </a:xfrm>
+      </p:grpSpPr>
+      <p:sp>
+        <p:nvSpPr>
+          <p:cNvPr id="4" name="Rectangle 3">
+            <a:extLst>
+              <a:ext uri="{FF2B5EF4-FFF2-40B4-BE49-F238E27FC236}">
+                <a16:creationId xmlns:a16="http://schemas.microsoft.com/office/drawing/2014/main" id="{EE64B214-5D9A-F5AB-46CA-71D5665D5C06}"/>
+              </a:ext>
+            </a:extLst>
+          </p:cNvPr>
+          <p:cNvSpPr/>
+          <p:nvPr/>
+        </p:nvSpPr>
+        <p:spPr>
+          <a:xfrm>
+            <a:off x="1879600" y="1333500"/>
+            <a:ext cx="368300" cy="317500"/>
+          </a:xfrm>
+          <a:prstGeom prst="rect">
+            <a:avLst/>
+          </a:prstGeom>
+        </p:spPr>
+        <p:style>
+          <a:lnRef idx="2">
+            <a:schemeClr val="accent1">
+              <a:shade val="15000"/>
+            </a:schemeClr>
+          </a:lnRef>
+          <a:fillRef idx="1">
+            <a:schemeClr val="accent1"/>
+          </a:fillRef>
+          <a:effectRef idx="0">
+            <a:schemeClr val="accent1"/>
+          </a:effectRef>
+          <a:fontRef idx="minor">
+            <a:schemeClr val="lt1"/>
+          </a:fontRef>
+        </p:style>
+        <p:txBody>
+          <a:bodyPr rtlCol="0" anchor="ctr"/>
+          <a:lstStyle/>
+          <a:p>
+            <a:pPr algn="ctr"/>
+            <a:r>
+              <a:rPr lang="en-US" sz="1200" dirty="0"/>
+              <a:t>S1</a:t>
+            </a:r>
+          </a:p>
+        </p:txBody>
+      </p:sp>
+      <p:sp>
+        <p:nvSpPr>
+          <p:cNvPr id="5" name="Rectangle 4">
+            <a:extLst>
+              <a:ext uri="{FF2B5EF4-FFF2-40B4-BE49-F238E27FC236}">
+                <a16:creationId xmlns:a16="http://schemas.microsoft.com/office/drawing/2014/main" id="{BA88BB49-DC65-B1E5-B48A-F4E16E4A4258}"/>
+              </a:ext>
+            </a:extLst>
+          </p:cNvPr>
+          <p:cNvSpPr/>
+          <p:nvPr/>
+        </p:nvSpPr>
+        <p:spPr>
+          <a:xfrm>
+            <a:off x="2374900" y="1333500"/>
+            <a:ext cx="368300" cy="317500"/>
+          </a:xfrm>
+          <a:prstGeom prst="rect">
+            <a:avLst/>
+          </a:prstGeom>
+        </p:spPr>
+        <p:style>
+          <a:lnRef idx="2">
+            <a:schemeClr val="accent1">
+              <a:shade val="15000"/>
+            </a:schemeClr>
+          </a:lnRef>
+          <a:fillRef idx="1">
+            <a:schemeClr val="accent1"/>
+          </a:fillRef>
+          <a:effectRef idx="0">
+            <a:schemeClr val="accent1"/>
+          </a:effectRef>
+          <a:fontRef idx="minor">
+            <a:schemeClr val="lt1"/>
+          </a:fontRef>
+        </p:style>
+        <p:txBody>
+          <a:bodyPr rtlCol="0" anchor="ctr"/>
+          <a:lstStyle/>
+          <a:p>
+            <a:pPr algn="ctr"/>
+            <a:r>
+              <a:rPr lang="en-US" sz="1200" dirty="0"/>
+              <a:t>S2</a:t>
+            </a:r>
+          </a:p>
+        </p:txBody>
+      </p:sp>
+      <p:sp>
+        <p:nvSpPr>
+          <p:cNvPr id="6" name="Rectangle 5">
+            <a:extLst>
+              <a:ext uri="{FF2B5EF4-FFF2-40B4-BE49-F238E27FC236}">
+                <a16:creationId xmlns:a16="http://schemas.microsoft.com/office/drawing/2014/main" id="{6AFB7DA1-2924-555D-6B7D-B06B4AC1CABE}"/>
+              </a:ext>
+            </a:extLst>
+          </p:cNvPr>
+          <p:cNvSpPr/>
+          <p:nvPr/>
+        </p:nvSpPr>
+        <p:spPr>
+          <a:xfrm>
+            <a:off x="2870200" y="1333500"/>
+            <a:ext cx="368300" cy="317500"/>
+          </a:xfrm>
+          <a:prstGeom prst="rect">
+            <a:avLst/>
+          </a:prstGeom>
+        </p:spPr>
+        <p:style>
+          <a:lnRef idx="2">
+            <a:schemeClr val="accent1">
+              <a:shade val="15000"/>
+            </a:schemeClr>
+          </a:lnRef>
+          <a:fillRef idx="1">
+            <a:schemeClr val="accent1"/>
+          </a:fillRef>
+          <a:effectRef idx="0">
+            <a:schemeClr val="accent1"/>
+          </a:effectRef>
+          <a:fontRef idx="minor">
+            <a:schemeClr val="lt1"/>
+          </a:fontRef>
+        </p:style>
+        <p:txBody>
+          <a:bodyPr rtlCol="0" anchor="ctr"/>
+          <a:lstStyle/>
+          <a:p>
+            <a:pPr algn="ctr"/>
+            <a:r>
+              <a:rPr lang="en-US" sz="1200" dirty="0"/>
+              <a:t>S3</a:t>
+            </a:r>
+          </a:p>
+        </p:txBody>
+      </p:sp>
+      <p:sp>
+        <p:nvSpPr>
+          <p:cNvPr id="7" name="Rectangle 6">
+            <a:extLst>
+              <a:ext uri="{FF2B5EF4-FFF2-40B4-BE49-F238E27FC236}">
+                <a16:creationId xmlns:a16="http://schemas.microsoft.com/office/drawing/2014/main" id="{957584C2-5AFD-763B-1769-CECA6D54DFCD}"/>
+              </a:ext>
+            </a:extLst>
+          </p:cNvPr>
+          <p:cNvSpPr/>
+          <p:nvPr/>
+        </p:nvSpPr>
+        <p:spPr>
+          <a:xfrm>
+            <a:off x="3371850" y="1333500"/>
+            <a:ext cx="368300" cy="317500"/>
+          </a:xfrm>
+          <a:prstGeom prst="rect">
+            <a:avLst/>
+          </a:prstGeom>
+        </p:spPr>
+        <p:style>
+          <a:lnRef idx="2">
+            <a:schemeClr val="accent1">
+              <a:shade val="15000"/>
+            </a:schemeClr>
+          </a:lnRef>
+          <a:fillRef idx="1">
+            <a:schemeClr val="accent1"/>
+          </a:fillRef>
+          <a:effectRef idx="0">
+            <a:schemeClr val="accent1"/>
+          </a:effectRef>
+          <a:fontRef idx="minor">
+            <a:schemeClr val="lt1"/>
+          </a:fontRef>
+        </p:style>
+        <p:txBody>
+          <a:bodyPr rtlCol="0" anchor="ctr"/>
+          <a:lstStyle/>
+          <a:p>
+            <a:pPr algn="ctr"/>
+            <a:r>
+              <a:rPr lang="en-US" sz="1200" dirty="0"/>
+              <a:t>S4</a:t>
+            </a:r>
+          </a:p>
+        </p:txBody>
+      </p:sp>
+      <p:sp>
+        <p:nvSpPr>
+          <p:cNvPr id="8" name="Rectangle 7">
+            <a:extLst>
+              <a:ext uri="{FF2B5EF4-FFF2-40B4-BE49-F238E27FC236}">
+                <a16:creationId xmlns:a16="http://schemas.microsoft.com/office/drawing/2014/main" id="{998B4490-492E-3184-62B7-F72D263B34E6}"/>
+              </a:ext>
+            </a:extLst>
+          </p:cNvPr>
+          <p:cNvSpPr/>
+          <p:nvPr/>
+        </p:nvSpPr>
+        <p:spPr>
+          <a:xfrm>
+            <a:off x="3873500" y="1333500"/>
+            <a:ext cx="368300" cy="317500"/>
+          </a:xfrm>
+          <a:prstGeom prst="rect">
+            <a:avLst/>
+          </a:prstGeom>
+        </p:spPr>
+        <p:style>
+          <a:lnRef idx="2">
+            <a:schemeClr val="accent1">
+              <a:shade val="15000"/>
+            </a:schemeClr>
+          </a:lnRef>
+          <a:fillRef idx="1">
+            <a:schemeClr val="accent1"/>
+          </a:fillRef>
+          <a:effectRef idx="0">
+            <a:schemeClr val="accent1"/>
+          </a:effectRef>
+          <a:fontRef idx="minor">
+            <a:schemeClr val="lt1"/>
+          </a:fontRef>
+        </p:style>
+        <p:txBody>
+          <a:bodyPr rtlCol="0" anchor="ctr"/>
+          <a:lstStyle/>
+          <a:p>
+            <a:pPr algn="ctr"/>
+            <a:r>
+              <a:rPr lang="en-US" sz="1200" dirty="0"/>
+              <a:t>S5</a:t>
+            </a:r>
+          </a:p>
+        </p:txBody>
+      </p:sp>
+      <p:sp>
+        <p:nvSpPr>
+          <p:cNvPr id="10" name="Rectangle 9">
+            <a:extLst>
+              <a:ext uri="{FF2B5EF4-FFF2-40B4-BE49-F238E27FC236}">
+                <a16:creationId xmlns:a16="http://schemas.microsoft.com/office/drawing/2014/main" id="{8C556D88-7513-1376-44C8-23FAA442400C}"/>
+              </a:ext>
+            </a:extLst>
+          </p:cNvPr>
+          <p:cNvSpPr/>
+          <p:nvPr/>
+        </p:nvSpPr>
+        <p:spPr>
+          <a:xfrm>
+            <a:off x="5086350" y="1333500"/>
+            <a:ext cx="368300" cy="317500"/>
+          </a:xfrm>
+          <a:prstGeom prst="rect">
+            <a:avLst/>
+          </a:prstGeom>
+        </p:spPr>
+        <p:style>
+          <a:lnRef idx="2">
+            <a:schemeClr val="accent1">
+              <a:shade val="15000"/>
+            </a:schemeClr>
+          </a:lnRef>
+          <a:fillRef idx="1">
+            <a:schemeClr val="accent1"/>
+          </a:fillRef>
+          <a:effectRef idx="0">
+            <a:schemeClr val="accent1"/>
+          </a:effectRef>
+          <a:fontRef idx="minor">
+            <a:schemeClr val="lt1"/>
+          </a:fontRef>
+        </p:style>
+        <p:txBody>
+          <a:bodyPr rtlCol="0" anchor="ctr"/>
+          <a:lstStyle/>
+          <a:p>
+            <a:pPr algn="ctr"/>
+            <a:r>
+              <a:rPr lang="en-US" sz="1200" dirty="0"/>
+              <a:t>Sn</a:t>
+            </a:r>
+          </a:p>
+        </p:txBody>
+      </p:sp>
+      <p:sp>
+        <p:nvSpPr>
+          <p:cNvPr id="11" name="Left Bracket 10">
+            <a:extLst>
+              <a:ext uri="{FF2B5EF4-FFF2-40B4-BE49-F238E27FC236}">
+                <a16:creationId xmlns:a16="http://schemas.microsoft.com/office/drawing/2014/main" id="{A204199E-7735-2588-3ECB-F163B0CB4BA4}"/>
+              </a:ext>
+            </a:extLst>
+          </p:cNvPr>
+          <p:cNvSpPr/>
+          <p:nvPr/>
+        </p:nvSpPr>
+        <p:spPr>
+          <a:xfrm>
+            <a:off x="1638300" y="1104900"/>
+            <a:ext cx="241300" cy="787400"/>
+          </a:xfrm>
+          <a:prstGeom prst="leftBracket">
+            <a:avLst/>
+          </a:prstGeom>
+        </p:spPr>
+        <p:style>
+          <a:lnRef idx="2">
+            <a:schemeClr val="accent1"/>
+          </a:lnRef>
+          <a:fillRef idx="0">
+            <a:schemeClr val="accent1"/>
+          </a:fillRef>
+          <a:effectRef idx="1">
+            <a:schemeClr val="accent1"/>
+          </a:effectRef>
+          <a:fontRef idx="minor">
+            <a:schemeClr val="tx1"/>
+          </a:fontRef>
+        </p:style>
+        <p:txBody>
+          <a:bodyPr rtlCol="0" anchor="ctr"/>
+          <a:lstStyle/>
+          <a:p>
+            <a:pPr algn="ctr"/>
+            <a:endParaRPr lang="en-US"/>
+          </a:p>
+        </p:txBody>
+      </p:sp>
+      <p:sp>
+        <p:nvSpPr>
+          <p:cNvPr id="12" name="Right Bracket 11">
+            <a:extLst>
+              <a:ext uri="{FF2B5EF4-FFF2-40B4-BE49-F238E27FC236}">
+                <a16:creationId xmlns:a16="http://schemas.microsoft.com/office/drawing/2014/main" id="{6D90B8B5-2AD9-90F8-6ACD-C1847424B3B3}"/>
+              </a:ext>
+            </a:extLst>
+          </p:cNvPr>
+          <p:cNvSpPr/>
+          <p:nvPr/>
+        </p:nvSpPr>
+        <p:spPr>
+          <a:xfrm>
+            <a:off x="5454650" y="1104900"/>
+            <a:ext cx="241300" cy="787400"/>
+          </a:xfrm>
+          <a:prstGeom prst="rightBracket">
+            <a:avLst/>
+          </a:prstGeom>
+        </p:spPr>
+        <p:style>
+          <a:lnRef idx="2">
+            <a:schemeClr val="accent1"/>
+          </a:lnRef>
+          <a:fillRef idx="0">
+            <a:schemeClr val="accent1"/>
+          </a:fillRef>
+          <a:effectRef idx="1">
+            <a:schemeClr val="accent1"/>
+          </a:effectRef>
+          <a:fontRef idx="minor">
+            <a:schemeClr val="tx1"/>
+          </a:fontRef>
+        </p:style>
+        <p:txBody>
+          <a:bodyPr rtlCol="0" anchor="ctr"/>
+          <a:lstStyle/>
+          <a:p>
+            <a:pPr algn="ctr"/>
+            <a:endParaRPr lang="en-US"/>
+          </a:p>
+        </p:txBody>
+      </p:sp>
+      <p:sp>
+        <p:nvSpPr>
+          <p:cNvPr id="13" name="TextBox 12">
+            <a:extLst>
+              <a:ext uri="{FF2B5EF4-FFF2-40B4-BE49-F238E27FC236}">
+                <a16:creationId xmlns:a16="http://schemas.microsoft.com/office/drawing/2014/main" id="{B7B6FCFA-637B-F68A-6AEB-2EF7B2BAE272}"/>
+              </a:ext>
+            </a:extLst>
+          </p:cNvPr>
+          <p:cNvSpPr txBox="1"/>
+          <p:nvPr/>
+        </p:nvSpPr>
+        <p:spPr>
+          <a:xfrm>
+            <a:off x="4466807" y="1281668"/>
+            <a:ext cx="381836" cy="369332"/>
+          </a:xfrm>
+          <a:prstGeom prst="rect">
+            <a:avLst/>
+          </a:prstGeom>
+          <a:noFill/>
+        </p:spPr>
+        <p:txBody>
+          <a:bodyPr wrap="none" rtlCol="0">
+            <a:spAutoFit/>
+          </a:bodyPr>
+          <a:lstStyle/>
+          <a:p>
+            <a:r>
+              <a:rPr lang="en-US" dirty="0"/>
+              <a:t>…</a:t>
+            </a:r>
+          </a:p>
+        </p:txBody>
+      </p:sp>
+      <p:sp>
+        <p:nvSpPr>
+          <p:cNvPr id="14" name="TextBox 13">
+            <a:extLst>
+              <a:ext uri="{FF2B5EF4-FFF2-40B4-BE49-F238E27FC236}">
+                <a16:creationId xmlns:a16="http://schemas.microsoft.com/office/drawing/2014/main" id="{647A444C-F8BD-0648-3F77-4156D29B9CAD}"/>
+              </a:ext>
+            </a:extLst>
+          </p:cNvPr>
+          <p:cNvSpPr txBox="1"/>
+          <p:nvPr/>
+        </p:nvSpPr>
+        <p:spPr>
+          <a:xfrm>
+            <a:off x="8166100" y="1220053"/>
+            <a:ext cx="3459537" cy="369332"/>
+          </a:xfrm>
+          <a:prstGeom prst="rect">
+            <a:avLst/>
+          </a:prstGeom>
+          <a:noFill/>
+        </p:spPr>
+        <p:txBody>
+          <a:bodyPr wrap="none" rtlCol="0">
+            <a:spAutoFit/>
+          </a:bodyPr>
+          <a:lstStyle/>
+          <a:p>
+            <a:r>
+              <a:rPr lang="en-US" dirty="0"/>
+              <a:t>1. try to remove all the sentences</a:t>
+            </a:r>
+          </a:p>
+        </p:txBody>
+      </p:sp>
+      <p:sp>
+        <p:nvSpPr>
+          <p:cNvPr id="15" name="Rectangle 14">
+            <a:extLst>
+              <a:ext uri="{FF2B5EF4-FFF2-40B4-BE49-F238E27FC236}">
+                <a16:creationId xmlns:a16="http://schemas.microsoft.com/office/drawing/2014/main" id="{EB78C2BE-5C08-7965-F402-440ADEE072A4}"/>
+              </a:ext>
+            </a:extLst>
+          </p:cNvPr>
+          <p:cNvSpPr/>
+          <p:nvPr/>
+        </p:nvSpPr>
+        <p:spPr>
+          <a:xfrm>
+            <a:off x="1152943" y="2590800"/>
+            <a:ext cx="368300" cy="317500"/>
+          </a:xfrm>
+          <a:prstGeom prst="rect">
+            <a:avLst/>
+          </a:prstGeom>
+        </p:spPr>
+        <p:style>
+          <a:lnRef idx="2">
+            <a:schemeClr val="accent1">
+              <a:shade val="15000"/>
+            </a:schemeClr>
+          </a:lnRef>
+          <a:fillRef idx="1">
+            <a:schemeClr val="accent1"/>
+          </a:fillRef>
+          <a:effectRef idx="0">
+            <a:schemeClr val="accent1"/>
+          </a:effectRef>
+          <a:fontRef idx="minor">
+            <a:schemeClr val="lt1"/>
+          </a:fontRef>
+        </p:style>
+        <p:txBody>
+          <a:bodyPr rtlCol="0" anchor="ctr"/>
+          <a:lstStyle/>
+          <a:p>
+            <a:pPr algn="ctr"/>
+            <a:r>
+              <a:rPr lang="en-US" sz="1200" dirty="0"/>
+              <a:t>1</a:t>
+            </a:r>
+          </a:p>
+        </p:txBody>
+      </p:sp>
+      <p:sp>
+        <p:nvSpPr>
+          <p:cNvPr id="16" name="Rectangle 15">
+            <a:extLst>
+              <a:ext uri="{FF2B5EF4-FFF2-40B4-BE49-F238E27FC236}">
+                <a16:creationId xmlns:a16="http://schemas.microsoft.com/office/drawing/2014/main" id="{1502F38C-5BDD-CFB5-AABF-8FBB24B2C6B7}"/>
+              </a:ext>
+            </a:extLst>
+          </p:cNvPr>
+          <p:cNvSpPr/>
+          <p:nvPr/>
+        </p:nvSpPr>
+        <p:spPr>
+          <a:xfrm>
+            <a:off x="1648243" y="2590800"/>
+            <a:ext cx="368300" cy="317500"/>
+          </a:xfrm>
+          <a:prstGeom prst="rect">
+            <a:avLst/>
+          </a:prstGeom>
+        </p:spPr>
+        <p:style>
+          <a:lnRef idx="2">
+            <a:schemeClr val="accent1">
+              <a:shade val="15000"/>
+            </a:schemeClr>
+          </a:lnRef>
+          <a:fillRef idx="1">
+            <a:schemeClr val="accent1"/>
+          </a:fillRef>
+          <a:effectRef idx="0">
+            <a:schemeClr val="accent1"/>
+          </a:effectRef>
+          <a:fontRef idx="minor">
+            <a:schemeClr val="lt1"/>
+          </a:fontRef>
+        </p:style>
+        <p:txBody>
+          <a:bodyPr rtlCol="0" anchor="ctr"/>
+          <a:lstStyle/>
+          <a:p>
+            <a:pPr algn="ctr"/>
+            <a:r>
+              <a:rPr lang="en-US" sz="1200" dirty="0"/>
+              <a:t>2</a:t>
+            </a:r>
+          </a:p>
+        </p:txBody>
+      </p:sp>
+      <p:sp>
+        <p:nvSpPr>
+          <p:cNvPr id="17" name="Rectangle 16">
+            <a:extLst>
+              <a:ext uri="{FF2B5EF4-FFF2-40B4-BE49-F238E27FC236}">
+                <a16:creationId xmlns:a16="http://schemas.microsoft.com/office/drawing/2014/main" id="{AE36B342-C629-7107-F4DF-3C0862D622F5}"/>
+              </a:ext>
+            </a:extLst>
+          </p:cNvPr>
+          <p:cNvSpPr/>
+          <p:nvPr/>
+        </p:nvSpPr>
+        <p:spPr>
+          <a:xfrm>
+            <a:off x="2742782" y="2590800"/>
+            <a:ext cx="368300" cy="317500"/>
+          </a:xfrm>
+          <a:prstGeom prst="rect">
+            <a:avLst/>
+          </a:prstGeom>
+        </p:spPr>
+        <p:style>
+          <a:lnRef idx="2">
+            <a:schemeClr val="accent1">
+              <a:shade val="15000"/>
+            </a:schemeClr>
+          </a:lnRef>
+          <a:fillRef idx="1">
+            <a:schemeClr val="accent1"/>
+          </a:fillRef>
+          <a:effectRef idx="0">
+            <a:schemeClr val="accent1"/>
+          </a:effectRef>
+          <a:fontRef idx="minor">
+            <a:schemeClr val="lt1"/>
+          </a:fontRef>
+        </p:style>
+        <p:txBody>
+          <a:bodyPr rtlCol="0" anchor="ctr"/>
+          <a:lstStyle/>
+          <a:p>
+            <a:pPr algn="ctr"/>
+            <a:r>
+              <a:rPr lang="en-US" sz="700" dirty="0"/>
+              <a:t>[n/2]</a:t>
+            </a:r>
+          </a:p>
+        </p:txBody>
+      </p:sp>
+      <p:sp>
+        <p:nvSpPr>
+          <p:cNvPr id="20" name="Rectangle 19">
+            <a:extLst>
+              <a:ext uri="{FF2B5EF4-FFF2-40B4-BE49-F238E27FC236}">
+                <a16:creationId xmlns:a16="http://schemas.microsoft.com/office/drawing/2014/main" id="{4CA1CFBE-5301-7652-B865-39FF438982EF}"/>
+              </a:ext>
+            </a:extLst>
+          </p:cNvPr>
+          <p:cNvSpPr/>
+          <p:nvPr/>
+        </p:nvSpPr>
+        <p:spPr>
+          <a:xfrm>
+            <a:off x="6181307" y="2590800"/>
+            <a:ext cx="368300" cy="317500"/>
+          </a:xfrm>
+          <a:prstGeom prst="rect">
+            <a:avLst/>
+          </a:prstGeom>
+        </p:spPr>
+        <p:style>
+          <a:lnRef idx="2">
+            <a:schemeClr val="accent1">
+              <a:shade val="15000"/>
+            </a:schemeClr>
+          </a:lnRef>
+          <a:fillRef idx="1">
+            <a:schemeClr val="accent1"/>
+          </a:fillRef>
+          <a:effectRef idx="0">
+            <a:schemeClr val="accent1"/>
+          </a:effectRef>
+          <a:fontRef idx="minor">
+            <a:schemeClr val="lt1"/>
+          </a:fontRef>
+        </p:style>
+        <p:txBody>
+          <a:bodyPr rtlCol="0" anchor="ctr"/>
+          <a:lstStyle/>
+          <a:p>
+            <a:pPr algn="ctr"/>
+            <a:r>
+              <a:rPr lang="en-US" sz="1200" dirty="0"/>
+              <a:t>n</a:t>
+            </a:r>
+          </a:p>
+        </p:txBody>
+      </p:sp>
+      <p:sp>
+        <p:nvSpPr>
+          <p:cNvPr id="21" name="Left Bracket 20">
+            <a:extLst>
+              <a:ext uri="{FF2B5EF4-FFF2-40B4-BE49-F238E27FC236}">
+                <a16:creationId xmlns:a16="http://schemas.microsoft.com/office/drawing/2014/main" id="{93244DA7-F740-5EC9-A12F-807C848778C3}"/>
+              </a:ext>
+            </a:extLst>
+          </p:cNvPr>
+          <p:cNvSpPr/>
+          <p:nvPr/>
+        </p:nvSpPr>
+        <p:spPr>
+          <a:xfrm>
+            <a:off x="911643" y="2362200"/>
+            <a:ext cx="241300" cy="787400"/>
+          </a:xfrm>
+          <a:prstGeom prst="leftBracket">
+            <a:avLst/>
+          </a:prstGeom>
+        </p:spPr>
+        <p:style>
+          <a:lnRef idx="2">
+            <a:schemeClr val="accent1"/>
+          </a:lnRef>
+          <a:fillRef idx="0">
+            <a:schemeClr val="accent1"/>
+          </a:fillRef>
+          <a:effectRef idx="1">
+            <a:schemeClr val="accent1"/>
+          </a:effectRef>
+          <a:fontRef idx="minor">
+            <a:schemeClr val="tx1"/>
+          </a:fontRef>
+        </p:style>
+        <p:txBody>
+          <a:bodyPr rtlCol="0" anchor="ctr"/>
+          <a:lstStyle/>
+          <a:p>
+            <a:pPr algn="ctr"/>
+            <a:endParaRPr lang="en-US"/>
+          </a:p>
+        </p:txBody>
+      </p:sp>
+      <p:sp>
+        <p:nvSpPr>
+          <p:cNvPr id="22" name="Right Bracket 21">
+            <a:extLst>
+              <a:ext uri="{FF2B5EF4-FFF2-40B4-BE49-F238E27FC236}">
+                <a16:creationId xmlns:a16="http://schemas.microsoft.com/office/drawing/2014/main" id="{7F8C53F0-AF15-5A67-2AF6-C2F3E0E8A490}"/>
+              </a:ext>
+            </a:extLst>
+          </p:cNvPr>
+          <p:cNvSpPr/>
+          <p:nvPr/>
+        </p:nvSpPr>
+        <p:spPr>
+          <a:xfrm>
+            <a:off x="6549607" y="2362200"/>
+            <a:ext cx="241300" cy="787400"/>
+          </a:xfrm>
+          <a:prstGeom prst="rightBracket">
+            <a:avLst/>
+          </a:prstGeom>
+        </p:spPr>
+        <p:style>
+          <a:lnRef idx="2">
+            <a:schemeClr val="accent1"/>
+          </a:lnRef>
+          <a:fillRef idx="0">
+            <a:schemeClr val="accent1"/>
+          </a:fillRef>
+          <a:effectRef idx="1">
+            <a:schemeClr val="accent1"/>
+          </a:effectRef>
+          <a:fontRef idx="minor">
+            <a:schemeClr val="tx1"/>
+          </a:fontRef>
+        </p:style>
+        <p:txBody>
+          <a:bodyPr rtlCol="0" anchor="ctr"/>
+          <a:lstStyle/>
+          <a:p>
+            <a:pPr algn="ctr"/>
+            <a:endParaRPr lang="en-US"/>
+          </a:p>
+        </p:txBody>
+      </p:sp>
+      <p:sp>
+        <p:nvSpPr>
+          <p:cNvPr id="23" name="TextBox 22">
+            <a:extLst>
+              <a:ext uri="{FF2B5EF4-FFF2-40B4-BE49-F238E27FC236}">
+                <a16:creationId xmlns:a16="http://schemas.microsoft.com/office/drawing/2014/main" id="{80E975BE-6EC4-F3DB-803B-D7184A87A718}"/>
+              </a:ext>
+            </a:extLst>
+          </p:cNvPr>
+          <p:cNvSpPr txBox="1"/>
+          <p:nvPr/>
+        </p:nvSpPr>
+        <p:spPr>
+          <a:xfrm>
+            <a:off x="5561764" y="2538968"/>
+            <a:ext cx="381836" cy="369332"/>
+          </a:xfrm>
+          <a:prstGeom prst="rect">
+            <a:avLst/>
+          </a:prstGeom>
+          <a:noFill/>
+        </p:spPr>
+        <p:txBody>
+          <a:bodyPr wrap="none" rtlCol="0">
+            <a:spAutoFit/>
+          </a:bodyPr>
+          <a:lstStyle/>
+          <a:p>
+            <a:r>
+              <a:rPr lang="en-US" dirty="0"/>
+              <a:t>…</a:t>
+            </a:r>
+          </a:p>
+        </p:txBody>
+      </p:sp>
+      <p:sp>
+        <p:nvSpPr>
+          <p:cNvPr id="24" name="TextBox 23">
+            <a:extLst>
+              <a:ext uri="{FF2B5EF4-FFF2-40B4-BE49-F238E27FC236}">
+                <a16:creationId xmlns:a16="http://schemas.microsoft.com/office/drawing/2014/main" id="{DED58730-C1A3-9908-D253-C505EB659560}"/>
+              </a:ext>
+            </a:extLst>
+          </p:cNvPr>
+          <p:cNvSpPr txBox="1"/>
+          <p:nvPr/>
+        </p:nvSpPr>
+        <p:spPr>
+          <a:xfrm>
+            <a:off x="2183982" y="2538968"/>
+            <a:ext cx="381836" cy="369332"/>
+          </a:xfrm>
+          <a:prstGeom prst="rect">
+            <a:avLst/>
+          </a:prstGeom>
+          <a:noFill/>
+        </p:spPr>
+        <p:txBody>
+          <a:bodyPr wrap="none" rtlCol="0">
+            <a:spAutoFit/>
+          </a:bodyPr>
+          <a:lstStyle/>
+          <a:p>
+            <a:r>
+              <a:rPr lang="en-US" dirty="0"/>
+              <a:t>…</a:t>
+            </a:r>
+          </a:p>
+        </p:txBody>
+      </p:sp>
+      <p:sp>
+        <p:nvSpPr>
+          <p:cNvPr id="25" name="Right Bracket 24">
+            <a:extLst>
+              <a:ext uri="{FF2B5EF4-FFF2-40B4-BE49-F238E27FC236}">
+                <a16:creationId xmlns:a16="http://schemas.microsoft.com/office/drawing/2014/main" id="{AA657AAA-4F46-9D69-7E1B-CB445FE8EE6C}"/>
+              </a:ext>
+            </a:extLst>
+          </p:cNvPr>
+          <p:cNvSpPr/>
+          <p:nvPr/>
+        </p:nvSpPr>
+        <p:spPr>
+          <a:xfrm>
+            <a:off x="3163415" y="2329934"/>
+            <a:ext cx="241300" cy="787400"/>
+          </a:xfrm>
+          <a:prstGeom prst="rightBracket">
+            <a:avLst/>
+          </a:prstGeom>
+        </p:spPr>
+        <p:style>
+          <a:lnRef idx="2">
+            <a:schemeClr val="accent1"/>
+          </a:lnRef>
+          <a:fillRef idx="0">
+            <a:schemeClr val="accent1"/>
+          </a:fillRef>
+          <a:effectRef idx="1">
+            <a:schemeClr val="accent1"/>
+          </a:effectRef>
+          <a:fontRef idx="minor">
+            <a:schemeClr val="tx1"/>
+          </a:fontRef>
+        </p:style>
+        <p:txBody>
+          <a:bodyPr rtlCol="0" anchor="ctr"/>
+          <a:lstStyle/>
+          <a:p>
+            <a:pPr algn="ctr"/>
+            <a:endParaRPr lang="en-US"/>
+          </a:p>
+        </p:txBody>
+      </p:sp>
+      <p:sp>
+        <p:nvSpPr>
+          <p:cNvPr id="26" name="Left Bracket 25">
+            <a:extLst>
+              <a:ext uri="{FF2B5EF4-FFF2-40B4-BE49-F238E27FC236}">
+                <a16:creationId xmlns:a16="http://schemas.microsoft.com/office/drawing/2014/main" id="{A1BDE5BE-691E-3FE8-39C4-0B08889A9D9B}"/>
+              </a:ext>
+            </a:extLst>
+          </p:cNvPr>
+          <p:cNvSpPr/>
+          <p:nvPr/>
+        </p:nvSpPr>
+        <p:spPr>
+          <a:xfrm>
+            <a:off x="4225507" y="2329934"/>
+            <a:ext cx="241300" cy="787400"/>
+          </a:xfrm>
+          <a:prstGeom prst="leftBracket">
+            <a:avLst/>
+          </a:prstGeom>
+        </p:spPr>
+        <p:style>
+          <a:lnRef idx="2">
+            <a:schemeClr val="accent1"/>
+          </a:lnRef>
+          <a:fillRef idx="0">
+            <a:schemeClr val="accent1"/>
+          </a:fillRef>
+          <a:effectRef idx="1">
+            <a:schemeClr val="accent1"/>
+          </a:effectRef>
+          <a:fontRef idx="minor">
+            <a:schemeClr val="tx1"/>
+          </a:fontRef>
+        </p:style>
+        <p:txBody>
+          <a:bodyPr rtlCol="0" anchor="ctr"/>
+          <a:lstStyle/>
+          <a:p>
+            <a:pPr algn="ctr"/>
+            <a:endParaRPr lang="en-US"/>
+          </a:p>
+        </p:txBody>
+      </p:sp>
+      <p:sp>
+        <p:nvSpPr>
+          <p:cNvPr id="27" name="Rectangle 26">
+            <a:extLst>
+              <a:ext uri="{FF2B5EF4-FFF2-40B4-BE49-F238E27FC236}">
+                <a16:creationId xmlns:a16="http://schemas.microsoft.com/office/drawing/2014/main" id="{70D87A6A-58E0-0E08-895C-D109214BA1FC}"/>
+              </a:ext>
+            </a:extLst>
+          </p:cNvPr>
+          <p:cNvSpPr/>
+          <p:nvPr/>
+        </p:nvSpPr>
+        <p:spPr>
+          <a:xfrm>
+            <a:off x="4461835" y="2590800"/>
+            <a:ext cx="368300" cy="317500"/>
+          </a:xfrm>
+          <a:prstGeom prst="rect">
+            <a:avLst/>
+          </a:prstGeom>
+        </p:spPr>
+        <p:style>
+          <a:lnRef idx="2">
+            <a:schemeClr val="accent1">
+              <a:shade val="15000"/>
+            </a:schemeClr>
+          </a:lnRef>
+          <a:fillRef idx="1">
+            <a:schemeClr val="accent1"/>
+          </a:fillRef>
+          <a:effectRef idx="0">
+            <a:schemeClr val="accent1"/>
+          </a:effectRef>
+          <a:fontRef idx="minor">
+            <a:schemeClr val="lt1"/>
+          </a:fontRef>
+        </p:style>
+        <p:txBody>
+          <a:bodyPr rtlCol="0" anchor="ctr"/>
+          <a:lstStyle/>
+          <a:p>
+            <a:pPr algn="ctr"/>
+            <a:r>
+              <a:rPr lang="en-US" sz="700" dirty="0"/>
+              <a:t>[n/2]+1</a:t>
+            </a:r>
+          </a:p>
+        </p:txBody>
+      </p:sp>
+      <p:sp>
+        <p:nvSpPr>
+          <p:cNvPr id="28" name="Rectangle 27">
+            <a:extLst>
+              <a:ext uri="{FF2B5EF4-FFF2-40B4-BE49-F238E27FC236}">
+                <a16:creationId xmlns:a16="http://schemas.microsoft.com/office/drawing/2014/main" id="{3E1F1095-5D15-0BD4-459F-99D5E3A18219}"/>
+              </a:ext>
+            </a:extLst>
+          </p:cNvPr>
+          <p:cNvSpPr/>
+          <p:nvPr/>
+        </p:nvSpPr>
+        <p:spPr>
+          <a:xfrm>
+            <a:off x="5011799" y="2590800"/>
+            <a:ext cx="368300" cy="317500"/>
+          </a:xfrm>
+          <a:prstGeom prst="rect">
+            <a:avLst/>
+          </a:prstGeom>
+        </p:spPr>
+        <p:style>
+          <a:lnRef idx="2">
+            <a:schemeClr val="accent1">
+              <a:shade val="15000"/>
+            </a:schemeClr>
+          </a:lnRef>
+          <a:fillRef idx="1">
+            <a:schemeClr val="accent1"/>
+          </a:fillRef>
+          <a:effectRef idx="0">
+            <a:schemeClr val="accent1"/>
+          </a:effectRef>
+          <a:fontRef idx="minor">
+            <a:schemeClr val="lt1"/>
+          </a:fontRef>
+        </p:style>
+        <p:txBody>
+          <a:bodyPr rtlCol="0" anchor="ctr"/>
+          <a:lstStyle/>
+          <a:p>
+            <a:pPr algn="ctr"/>
+            <a:r>
+              <a:rPr lang="en-US" sz="700" dirty="0"/>
+              <a:t>[n/2]+2</a:t>
+            </a:r>
+          </a:p>
+        </p:txBody>
+      </p:sp>
+      <p:sp>
+        <p:nvSpPr>
+          <p:cNvPr id="29" name="TextBox 28">
+            <a:extLst>
+              <a:ext uri="{FF2B5EF4-FFF2-40B4-BE49-F238E27FC236}">
+                <a16:creationId xmlns:a16="http://schemas.microsoft.com/office/drawing/2014/main" id="{A5D6CA2D-5004-C6B0-B197-2F234F5639B0}"/>
+              </a:ext>
+            </a:extLst>
+          </p:cNvPr>
+          <p:cNvSpPr txBox="1"/>
+          <p:nvPr/>
+        </p:nvSpPr>
+        <p:spPr>
+          <a:xfrm>
+            <a:off x="8166100" y="2194004"/>
+            <a:ext cx="4193073" cy="923330"/>
+          </a:xfrm>
+          <a:prstGeom prst="rect">
+            <a:avLst/>
+          </a:prstGeom>
+          <a:noFill/>
+        </p:spPr>
+        <p:txBody>
+          <a:bodyPr wrap="square" rtlCol="0">
+            <a:spAutoFit/>
+          </a:bodyPr>
+          <a:lstStyle/>
+          <a:p>
+            <a:r>
+              <a:rPr lang="en-US" dirty="0"/>
+              <a:t>2. Based on previous result, partition the remaining intervals, try to remove first half and second half of the sentences</a:t>
+            </a:r>
+          </a:p>
+        </p:txBody>
+      </p:sp>
+      <p:sp>
+        <p:nvSpPr>
+          <p:cNvPr id="30" name="Rectangle 29">
+            <a:extLst>
+              <a:ext uri="{FF2B5EF4-FFF2-40B4-BE49-F238E27FC236}">
+                <a16:creationId xmlns:a16="http://schemas.microsoft.com/office/drawing/2014/main" id="{1C943099-B298-A76E-D5BC-911531A7BBE5}"/>
+              </a:ext>
+            </a:extLst>
+          </p:cNvPr>
+          <p:cNvSpPr/>
+          <p:nvPr/>
+        </p:nvSpPr>
+        <p:spPr>
+          <a:xfrm>
+            <a:off x="404219" y="3783724"/>
+            <a:ext cx="368300" cy="317500"/>
+          </a:xfrm>
+          <a:prstGeom prst="rect">
+            <a:avLst/>
+          </a:prstGeom>
+        </p:spPr>
+        <p:style>
+          <a:lnRef idx="2">
+            <a:schemeClr val="accent1">
+              <a:shade val="15000"/>
+            </a:schemeClr>
+          </a:lnRef>
+          <a:fillRef idx="1">
+            <a:schemeClr val="accent1"/>
+          </a:fillRef>
+          <a:effectRef idx="0">
+            <a:schemeClr val="accent1"/>
+          </a:effectRef>
+          <a:fontRef idx="minor">
+            <a:schemeClr val="lt1"/>
+          </a:fontRef>
+        </p:style>
+        <p:txBody>
+          <a:bodyPr rtlCol="0" anchor="ctr"/>
+          <a:lstStyle/>
+          <a:p>
+            <a:pPr algn="ctr"/>
+            <a:endParaRPr lang="en-US" sz="1200" dirty="0"/>
+          </a:p>
+        </p:txBody>
+      </p:sp>
+      <p:sp>
+        <p:nvSpPr>
+          <p:cNvPr id="32" name="Rectangle 31">
+            <a:extLst>
+              <a:ext uri="{FF2B5EF4-FFF2-40B4-BE49-F238E27FC236}">
+                <a16:creationId xmlns:a16="http://schemas.microsoft.com/office/drawing/2014/main" id="{5F3FF70A-B212-265A-0048-6FCCC824FCAC}"/>
+              </a:ext>
+            </a:extLst>
+          </p:cNvPr>
+          <p:cNvSpPr/>
+          <p:nvPr/>
+        </p:nvSpPr>
+        <p:spPr>
+          <a:xfrm>
+            <a:off x="1256080" y="3783724"/>
+            <a:ext cx="368300" cy="317500"/>
+          </a:xfrm>
+          <a:prstGeom prst="rect">
+            <a:avLst/>
+          </a:prstGeom>
+        </p:spPr>
+        <p:style>
+          <a:lnRef idx="2">
+            <a:schemeClr val="accent1">
+              <a:shade val="15000"/>
+            </a:schemeClr>
+          </a:lnRef>
+          <a:fillRef idx="1">
+            <a:schemeClr val="accent1"/>
+          </a:fillRef>
+          <a:effectRef idx="0">
+            <a:schemeClr val="accent1"/>
+          </a:effectRef>
+          <a:fontRef idx="minor">
+            <a:schemeClr val="lt1"/>
+          </a:fontRef>
+        </p:style>
+        <p:txBody>
+          <a:bodyPr rtlCol="0" anchor="ctr"/>
+          <a:lstStyle/>
+          <a:p>
+            <a:pPr algn="ctr"/>
+            <a:endParaRPr lang="en-US" sz="700" dirty="0"/>
+          </a:p>
+        </p:txBody>
+      </p:sp>
+      <p:sp>
+        <p:nvSpPr>
+          <p:cNvPr id="34" name="Left Bracket 33">
+            <a:extLst>
+              <a:ext uri="{FF2B5EF4-FFF2-40B4-BE49-F238E27FC236}">
+                <a16:creationId xmlns:a16="http://schemas.microsoft.com/office/drawing/2014/main" id="{3E0F0EDF-AE40-AC4A-A216-179CCB66F3FA}"/>
+              </a:ext>
+            </a:extLst>
+          </p:cNvPr>
+          <p:cNvSpPr/>
+          <p:nvPr/>
+        </p:nvSpPr>
+        <p:spPr>
+          <a:xfrm>
+            <a:off x="162919" y="3555124"/>
+            <a:ext cx="241300" cy="787400"/>
+          </a:xfrm>
+          <a:prstGeom prst="leftBracket">
+            <a:avLst/>
+          </a:prstGeom>
+        </p:spPr>
+        <p:style>
+          <a:lnRef idx="2">
+            <a:schemeClr val="accent1"/>
+          </a:lnRef>
+          <a:fillRef idx="0">
+            <a:schemeClr val="accent1"/>
+          </a:fillRef>
+          <a:effectRef idx="1">
+            <a:schemeClr val="accent1"/>
+          </a:effectRef>
+          <a:fontRef idx="minor">
+            <a:schemeClr val="tx1"/>
+          </a:fontRef>
+        </p:style>
+        <p:txBody>
+          <a:bodyPr rtlCol="0" anchor="ctr"/>
+          <a:lstStyle/>
+          <a:p>
+            <a:pPr algn="ctr"/>
+            <a:endParaRPr lang="en-US"/>
+          </a:p>
+        </p:txBody>
+      </p:sp>
+      <p:sp>
+        <p:nvSpPr>
+          <p:cNvPr id="37" name="TextBox 36">
+            <a:extLst>
+              <a:ext uri="{FF2B5EF4-FFF2-40B4-BE49-F238E27FC236}">
+                <a16:creationId xmlns:a16="http://schemas.microsoft.com/office/drawing/2014/main" id="{72E5680E-A4E7-2C88-1FBA-48F781CBBF97}"/>
+              </a:ext>
+            </a:extLst>
+          </p:cNvPr>
+          <p:cNvSpPr txBox="1"/>
+          <p:nvPr/>
+        </p:nvSpPr>
+        <p:spPr>
+          <a:xfrm>
+            <a:off x="842633" y="3764158"/>
+            <a:ext cx="381836" cy="369332"/>
+          </a:xfrm>
+          <a:prstGeom prst="rect">
+            <a:avLst/>
+          </a:prstGeom>
+          <a:noFill/>
+        </p:spPr>
+        <p:txBody>
+          <a:bodyPr wrap="none" rtlCol="0">
+            <a:spAutoFit/>
+          </a:bodyPr>
+          <a:lstStyle/>
+          <a:p>
+            <a:r>
+              <a:rPr lang="en-US" dirty="0"/>
+              <a:t>…</a:t>
+            </a:r>
+          </a:p>
+        </p:txBody>
+      </p:sp>
+      <p:sp>
+        <p:nvSpPr>
+          <p:cNvPr id="38" name="Right Bracket 37">
+            <a:extLst>
+              <a:ext uri="{FF2B5EF4-FFF2-40B4-BE49-F238E27FC236}">
+                <a16:creationId xmlns:a16="http://schemas.microsoft.com/office/drawing/2014/main" id="{D7B3F022-9C27-A778-FAB9-1A1FD6D0BA0D}"/>
+              </a:ext>
+            </a:extLst>
+          </p:cNvPr>
+          <p:cNvSpPr/>
+          <p:nvPr/>
+        </p:nvSpPr>
+        <p:spPr>
+          <a:xfrm>
+            <a:off x="1631148" y="3555124"/>
+            <a:ext cx="241300" cy="787400"/>
+          </a:xfrm>
+          <a:prstGeom prst="rightBracket">
+            <a:avLst/>
+          </a:prstGeom>
+        </p:spPr>
+        <p:style>
+          <a:lnRef idx="2">
+            <a:schemeClr val="accent1"/>
+          </a:lnRef>
+          <a:fillRef idx="0">
+            <a:schemeClr val="accent1"/>
+          </a:fillRef>
+          <a:effectRef idx="1">
+            <a:schemeClr val="accent1"/>
+          </a:effectRef>
+          <a:fontRef idx="minor">
+            <a:schemeClr val="tx1"/>
+          </a:fontRef>
+        </p:style>
+        <p:txBody>
+          <a:bodyPr rtlCol="0" anchor="ctr"/>
+          <a:lstStyle/>
+          <a:p>
+            <a:pPr algn="ctr"/>
+            <a:endParaRPr lang="en-US"/>
+          </a:p>
+        </p:txBody>
+      </p:sp>
+      <p:sp>
+        <p:nvSpPr>
+          <p:cNvPr id="42" name="Rectangle 41">
+            <a:extLst>
+              <a:ext uri="{FF2B5EF4-FFF2-40B4-BE49-F238E27FC236}">
+                <a16:creationId xmlns:a16="http://schemas.microsoft.com/office/drawing/2014/main" id="{3055466A-15CC-783F-4377-06C232634FEC}"/>
+              </a:ext>
+            </a:extLst>
+          </p:cNvPr>
+          <p:cNvSpPr/>
+          <p:nvPr/>
+        </p:nvSpPr>
+        <p:spPr>
+          <a:xfrm>
+            <a:off x="2271921" y="3783724"/>
+            <a:ext cx="368300" cy="317500"/>
+          </a:xfrm>
+          <a:prstGeom prst="rect">
+            <a:avLst/>
+          </a:prstGeom>
+        </p:spPr>
+        <p:style>
+          <a:lnRef idx="2">
+            <a:schemeClr val="accent1">
+              <a:shade val="15000"/>
+            </a:schemeClr>
+          </a:lnRef>
+          <a:fillRef idx="1">
+            <a:schemeClr val="accent1"/>
+          </a:fillRef>
+          <a:effectRef idx="0">
+            <a:schemeClr val="accent1"/>
+          </a:effectRef>
+          <a:fontRef idx="minor">
+            <a:schemeClr val="lt1"/>
+          </a:fontRef>
+        </p:style>
+        <p:txBody>
+          <a:bodyPr rtlCol="0" anchor="ctr"/>
+          <a:lstStyle/>
+          <a:p>
+            <a:pPr algn="ctr"/>
+            <a:endParaRPr lang="en-US" sz="1200" dirty="0"/>
+          </a:p>
+        </p:txBody>
+      </p:sp>
+      <p:sp>
+        <p:nvSpPr>
+          <p:cNvPr id="43" name="Rectangle 42">
+            <a:extLst>
+              <a:ext uri="{FF2B5EF4-FFF2-40B4-BE49-F238E27FC236}">
+                <a16:creationId xmlns:a16="http://schemas.microsoft.com/office/drawing/2014/main" id="{D6594A26-00A3-EDA2-87F0-261660E9ADF6}"/>
+              </a:ext>
+            </a:extLst>
+          </p:cNvPr>
+          <p:cNvSpPr/>
+          <p:nvPr/>
+        </p:nvSpPr>
+        <p:spPr>
+          <a:xfrm>
+            <a:off x="3123782" y="3783724"/>
+            <a:ext cx="368300" cy="317500"/>
+          </a:xfrm>
+          <a:prstGeom prst="rect">
+            <a:avLst/>
+          </a:prstGeom>
+        </p:spPr>
+        <p:style>
+          <a:lnRef idx="2">
+            <a:schemeClr val="accent1">
+              <a:shade val="15000"/>
+            </a:schemeClr>
+          </a:lnRef>
+          <a:fillRef idx="1">
+            <a:schemeClr val="accent1"/>
+          </a:fillRef>
+          <a:effectRef idx="0">
+            <a:schemeClr val="accent1"/>
+          </a:effectRef>
+          <a:fontRef idx="minor">
+            <a:schemeClr val="lt1"/>
+          </a:fontRef>
+        </p:style>
+        <p:txBody>
+          <a:bodyPr rtlCol="0" anchor="ctr"/>
+          <a:lstStyle/>
+          <a:p>
+            <a:pPr algn="ctr"/>
+            <a:endParaRPr lang="en-US" sz="700" dirty="0"/>
+          </a:p>
+        </p:txBody>
+      </p:sp>
+      <p:sp>
+        <p:nvSpPr>
+          <p:cNvPr id="44" name="Left Bracket 43">
+            <a:extLst>
+              <a:ext uri="{FF2B5EF4-FFF2-40B4-BE49-F238E27FC236}">
+                <a16:creationId xmlns:a16="http://schemas.microsoft.com/office/drawing/2014/main" id="{2D71F656-ED65-70BC-91D5-664C5C76E2D7}"/>
+              </a:ext>
+            </a:extLst>
+          </p:cNvPr>
+          <p:cNvSpPr/>
+          <p:nvPr/>
+        </p:nvSpPr>
+        <p:spPr>
+          <a:xfrm>
+            <a:off x="2030621" y="3555124"/>
+            <a:ext cx="241300" cy="787400"/>
+          </a:xfrm>
+          <a:prstGeom prst="leftBracket">
+            <a:avLst/>
+          </a:prstGeom>
+        </p:spPr>
+        <p:style>
+          <a:lnRef idx="2">
+            <a:schemeClr val="accent1"/>
+          </a:lnRef>
+          <a:fillRef idx="0">
+            <a:schemeClr val="accent1"/>
+          </a:fillRef>
+          <a:effectRef idx="1">
+            <a:schemeClr val="accent1"/>
+          </a:effectRef>
+          <a:fontRef idx="minor">
+            <a:schemeClr val="tx1"/>
+          </a:fontRef>
+        </p:style>
+        <p:txBody>
+          <a:bodyPr rtlCol="0" anchor="ctr"/>
+          <a:lstStyle/>
+          <a:p>
+            <a:pPr algn="ctr"/>
+            <a:endParaRPr lang="en-US"/>
+          </a:p>
+        </p:txBody>
+      </p:sp>
+      <p:sp>
+        <p:nvSpPr>
+          <p:cNvPr id="45" name="TextBox 44">
+            <a:extLst>
+              <a:ext uri="{FF2B5EF4-FFF2-40B4-BE49-F238E27FC236}">
+                <a16:creationId xmlns:a16="http://schemas.microsoft.com/office/drawing/2014/main" id="{8B19A13F-9163-586F-FE44-6941C6603785}"/>
+              </a:ext>
+            </a:extLst>
+          </p:cNvPr>
+          <p:cNvSpPr txBox="1"/>
+          <p:nvPr/>
+        </p:nvSpPr>
+        <p:spPr>
+          <a:xfrm>
+            <a:off x="2710335" y="3764158"/>
+            <a:ext cx="381836" cy="369332"/>
+          </a:xfrm>
+          <a:prstGeom prst="rect">
+            <a:avLst/>
+          </a:prstGeom>
+          <a:noFill/>
+        </p:spPr>
+        <p:txBody>
+          <a:bodyPr wrap="none" rtlCol="0">
+            <a:spAutoFit/>
+          </a:bodyPr>
+          <a:lstStyle/>
+          <a:p>
+            <a:r>
+              <a:rPr lang="en-US" dirty="0"/>
+              <a:t>…</a:t>
+            </a:r>
+          </a:p>
+        </p:txBody>
+      </p:sp>
+      <p:sp>
+        <p:nvSpPr>
+          <p:cNvPr id="46" name="Right Bracket 45">
+            <a:extLst>
+              <a:ext uri="{FF2B5EF4-FFF2-40B4-BE49-F238E27FC236}">
+                <a16:creationId xmlns:a16="http://schemas.microsoft.com/office/drawing/2014/main" id="{691CA601-37BB-A1D7-B8C1-913EB1C37513}"/>
+              </a:ext>
+            </a:extLst>
+          </p:cNvPr>
+          <p:cNvSpPr/>
+          <p:nvPr/>
+        </p:nvSpPr>
+        <p:spPr>
+          <a:xfrm>
+            <a:off x="3498850" y="3555124"/>
+            <a:ext cx="241300" cy="787400"/>
+          </a:xfrm>
+          <a:prstGeom prst="rightBracket">
+            <a:avLst/>
+          </a:prstGeom>
+        </p:spPr>
+        <p:style>
+          <a:lnRef idx="2">
+            <a:schemeClr val="accent1"/>
+          </a:lnRef>
+          <a:fillRef idx="0">
+            <a:schemeClr val="accent1"/>
+          </a:fillRef>
+          <a:effectRef idx="1">
+            <a:schemeClr val="accent1"/>
+          </a:effectRef>
+          <a:fontRef idx="minor">
+            <a:schemeClr val="tx1"/>
+          </a:fontRef>
+        </p:style>
+        <p:txBody>
+          <a:bodyPr rtlCol="0" anchor="ctr"/>
+          <a:lstStyle/>
+          <a:p>
+            <a:pPr algn="ctr"/>
+            <a:endParaRPr lang="en-US"/>
+          </a:p>
+        </p:txBody>
+      </p:sp>
+      <p:sp>
+        <p:nvSpPr>
+          <p:cNvPr id="47" name="Rectangle 46">
+            <a:extLst>
+              <a:ext uri="{FF2B5EF4-FFF2-40B4-BE49-F238E27FC236}">
+                <a16:creationId xmlns:a16="http://schemas.microsoft.com/office/drawing/2014/main" id="{8993CA73-71E6-AC2C-9E06-5195E98F606C}"/>
+              </a:ext>
+            </a:extLst>
+          </p:cNvPr>
+          <p:cNvSpPr/>
+          <p:nvPr/>
+        </p:nvSpPr>
+        <p:spPr>
+          <a:xfrm>
+            <a:off x="4227721" y="3783568"/>
+            <a:ext cx="368300" cy="317500"/>
+          </a:xfrm>
+          <a:prstGeom prst="rect">
+            <a:avLst/>
+          </a:prstGeom>
+        </p:spPr>
+        <p:style>
+          <a:lnRef idx="2">
+            <a:schemeClr val="accent1">
+              <a:shade val="15000"/>
+            </a:schemeClr>
+          </a:lnRef>
+          <a:fillRef idx="1">
+            <a:schemeClr val="accent1"/>
+          </a:fillRef>
+          <a:effectRef idx="0">
+            <a:schemeClr val="accent1"/>
+          </a:effectRef>
+          <a:fontRef idx="minor">
+            <a:schemeClr val="lt1"/>
+          </a:fontRef>
+        </p:style>
+        <p:txBody>
+          <a:bodyPr rtlCol="0" anchor="ctr"/>
+          <a:lstStyle/>
+          <a:p>
+            <a:pPr algn="ctr"/>
+            <a:endParaRPr lang="en-US" sz="1200" dirty="0"/>
+          </a:p>
+        </p:txBody>
+      </p:sp>
+      <p:sp>
+        <p:nvSpPr>
+          <p:cNvPr id="48" name="Rectangle 47">
+            <a:extLst>
+              <a:ext uri="{FF2B5EF4-FFF2-40B4-BE49-F238E27FC236}">
+                <a16:creationId xmlns:a16="http://schemas.microsoft.com/office/drawing/2014/main" id="{6728EB8A-04E7-14B4-9C8A-B3ACE3EAE4F4}"/>
+              </a:ext>
+            </a:extLst>
+          </p:cNvPr>
+          <p:cNvSpPr/>
+          <p:nvPr/>
+        </p:nvSpPr>
+        <p:spPr>
+          <a:xfrm>
+            <a:off x="5079582" y="3783568"/>
+            <a:ext cx="368300" cy="317500"/>
+          </a:xfrm>
+          <a:prstGeom prst="rect">
+            <a:avLst/>
+          </a:prstGeom>
+        </p:spPr>
+        <p:style>
+          <a:lnRef idx="2">
+            <a:schemeClr val="accent1">
+              <a:shade val="15000"/>
+            </a:schemeClr>
+          </a:lnRef>
+          <a:fillRef idx="1">
+            <a:schemeClr val="accent1"/>
+          </a:fillRef>
+          <a:effectRef idx="0">
+            <a:schemeClr val="accent1"/>
+          </a:effectRef>
+          <a:fontRef idx="minor">
+            <a:schemeClr val="lt1"/>
+          </a:fontRef>
+        </p:style>
+        <p:txBody>
+          <a:bodyPr rtlCol="0" anchor="ctr"/>
+          <a:lstStyle/>
+          <a:p>
+            <a:pPr algn="ctr"/>
+            <a:endParaRPr lang="en-US" sz="700" dirty="0"/>
+          </a:p>
+        </p:txBody>
+      </p:sp>
+      <p:sp>
+        <p:nvSpPr>
+          <p:cNvPr id="49" name="Left Bracket 48">
+            <a:extLst>
+              <a:ext uri="{FF2B5EF4-FFF2-40B4-BE49-F238E27FC236}">
+                <a16:creationId xmlns:a16="http://schemas.microsoft.com/office/drawing/2014/main" id="{548083D9-23EB-AEF0-1296-58F548AEF9C1}"/>
+              </a:ext>
+            </a:extLst>
+          </p:cNvPr>
+          <p:cNvSpPr/>
+          <p:nvPr/>
+        </p:nvSpPr>
+        <p:spPr>
+          <a:xfrm>
+            <a:off x="3986421" y="3554968"/>
+            <a:ext cx="241300" cy="787400"/>
+          </a:xfrm>
+          <a:prstGeom prst="leftBracket">
+            <a:avLst/>
+          </a:prstGeom>
+        </p:spPr>
+        <p:style>
+          <a:lnRef idx="2">
+            <a:schemeClr val="accent1"/>
+          </a:lnRef>
+          <a:fillRef idx="0">
+            <a:schemeClr val="accent1"/>
+          </a:fillRef>
+          <a:effectRef idx="1">
+            <a:schemeClr val="accent1"/>
+          </a:effectRef>
+          <a:fontRef idx="minor">
+            <a:schemeClr val="tx1"/>
+          </a:fontRef>
+        </p:style>
+        <p:txBody>
+          <a:bodyPr rtlCol="0" anchor="ctr"/>
+          <a:lstStyle/>
+          <a:p>
+            <a:pPr algn="ctr"/>
+            <a:endParaRPr lang="en-US"/>
+          </a:p>
+        </p:txBody>
+      </p:sp>
+      <p:sp>
+        <p:nvSpPr>
+          <p:cNvPr id="50" name="TextBox 49">
+            <a:extLst>
+              <a:ext uri="{FF2B5EF4-FFF2-40B4-BE49-F238E27FC236}">
+                <a16:creationId xmlns:a16="http://schemas.microsoft.com/office/drawing/2014/main" id="{0A773C09-09F1-E421-A461-C91FF36FC543}"/>
+              </a:ext>
+            </a:extLst>
+          </p:cNvPr>
+          <p:cNvSpPr txBox="1"/>
+          <p:nvPr/>
+        </p:nvSpPr>
+        <p:spPr>
+          <a:xfrm>
+            <a:off x="4666135" y="3764002"/>
+            <a:ext cx="381836" cy="369332"/>
+          </a:xfrm>
+          <a:prstGeom prst="rect">
+            <a:avLst/>
+          </a:prstGeom>
+          <a:noFill/>
+        </p:spPr>
+        <p:txBody>
+          <a:bodyPr wrap="none" rtlCol="0">
+            <a:spAutoFit/>
+          </a:bodyPr>
+          <a:lstStyle/>
+          <a:p>
+            <a:r>
+              <a:rPr lang="en-US" dirty="0"/>
+              <a:t>…</a:t>
+            </a:r>
+          </a:p>
+        </p:txBody>
+      </p:sp>
+      <p:sp>
+        <p:nvSpPr>
+          <p:cNvPr id="51" name="Right Bracket 50">
+            <a:extLst>
+              <a:ext uri="{FF2B5EF4-FFF2-40B4-BE49-F238E27FC236}">
+                <a16:creationId xmlns:a16="http://schemas.microsoft.com/office/drawing/2014/main" id="{D7A9145E-4DD4-C8D3-813C-C0C080260EBC}"/>
+              </a:ext>
+            </a:extLst>
+          </p:cNvPr>
+          <p:cNvSpPr/>
+          <p:nvPr/>
+        </p:nvSpPr>
+        <p:spPr>
+          <a:xfrm>
+            <a:off x="5454650" y="3554968"/>
+            <a:ext cx="241300" cy="787400"/>
+          </a:xfrm>
+          <a:prstGeom prst="rightBracket">
+            <a:avLst/>
+          </a:prstGeom>
+        </p:spPr>
+        <p:style>
+          <a:lnRef idx="2">
+            <a:schemeClr val="accent1"/>
+          </a:lnRef>
+          <a:fillRef idx="0">
+            <a:schemeClr val="accent1"/>
+          </a:fillRef>
+          <a:effectRef idx="1">
+            <a:schemeClr val="accent1"/>
+          </a:effectRef>
+          <a:fontRef idx="minor">
+            <a:schemeClr val="tx1"/>
+          </a:fontRef>
+        </p:style>
+        <p:txBody>
+          <a:bodyPr rtlCol="0" anchor="ctr"/>
+          <a:lstStyle/>
+          <a:p>
+            <a:pPr algn="ctr"/>
+            <a:endParaRPr lang="en-US"/>
+          </a:p>
+        </p:txBody>
+      </p:sp>
+      <p:sp>
+        <p:nvSpPr>
+          <p:cNvPr id="52" name="Rectangle 51">
+            <a:extLst>
+              <a:ext uri="{FF2B5EF4-FFF2-40B4-BE49-F238E27FC236}">
+                <a16:creationId xmlns:a16="http://schemas.microsoft.com/office/drawing/2014/main" id="{BC56A25D-9027-ECFE-FD16-CAAA08EC7791}"/>
+              </a:ext>
+            </a:extLst>
+          </p:cNvPr>
+          <p:cNvSpPr/>
+          <p:nvPr/>
+        </p:nvSpPr>
+        <p:spPr>
+          <a:xfrm>
+            <a:off x="6199724" y="3783568"/>
+            <a:ext cx="368300" cy="317500"/>
+          </a:xfrm>
+          <a:prstGeom prst="rect">
+            <a:avLst/>
+          </a:prstGeom>
+        </p:spPr>
+        <p:style>
+          <a:lnRef idx="2">
+            <a:schemeClr val="accent1">
+              <a:shade val="15000"/>
+            </a:schemeClr>
+          </a:lnRef>
+          <a:fillRef idx="1">
+            <a:schemeClr val="accent1"/>
+          </a:fillRef>
+          <a:effectRef idx="0">
+            <a:schemeClr val="accent1"/>
+          </a:effectRef>
+          <a:fontRef idx="minor">
+            <a:schemeClr val="lt1"/>
+          </a:fontRef>
+        </p:style>
+        <p:txBody>
+          <a:bodyPr rtlCol="0" anchor="ctr"/>
+          <a:lstStyle/>
+          <a:p>
+            <a:pPr algn="ctr"/>
+            <a:endParaRPr lang="en-US" sz="1200" dirty="0"/>
+          </a:p>
+        </p:txBody>
+      </p:sp>
+      <p:sp>
+        <p:nvSpPr>
+          <p:cNvPr id="53" name="Rectangle 52">
+            <a:extLst>
+              <a:ext uri="{FF2B5EF4-FFF2-40B4-BE49-F238E27FC236}">
+                <a16:creationId xmlns:a16="http://schemas.microsoft.com/office/drawing/2014/main" id="{C1456A40-B9EC-6D1E-C524-A521D265AEC2}"/>
+              </a:ext>
+            </a:extLst>
+          </p:cNvPr>
+          <p:cNvSpPr/>
+          <p:nvPr/>
+        </p:nvSpPr>
+        <p:spPr>
+          <a:xfrm>
+            <a:off x="7051585" y="3783568"/>
+            <a:ext cx="368300" cy="317500"/>
+          </a:xfrm>
+          <a:prstGeom prst="rect">
+            <a:avLst/>
+          </a:prstGeom>
+        </p:spPr>
+        <p:style>
+          <a:lnRef idx="2">
+            <a:schemeClr val="accent1">
+              <a:shade val="15000"/>
+            </a:schemeClr>
+          </a:lnRef>
+          <a:fillRef idx="1">
+            <a:schemeClr val="accent1"/>
+          </a:fillRef>
+          <a:effectRef idx="0">
+            <a:schemeClr val="accent1"/>
+          </a:effectRef>
+          <a:fontRef idx="minor">
+            <a:schemeClr val="lt1"/>
+          </a:fontRef>
+        </p:style>
+        <p:txBody>
+          <a:bodyPr rtlCol="0" anchor="ctr"/>
+          <a:lstStyle/>
+          <a:p>
+            <a:pPr algn="ctr"/>
+            <a:endParaRPr lang="en-US" sz="700" dirty="0"/>
+          </a:p>
+        </p:txBody>
+      </p:sp>
+      <p:sp>
+        <p:nvSpPr>
+          <p:cNvPr id="54" name="Left Bracket 53">
+            <a:extLst>
+              <a:ext uri="{FF2B5EF4-FFF2-40B4-BE49-F238E27FC236}">
+                <a16:creationId xmlns:a16="http://schemas.microsoft.com/office/drawing/2014/main" id="{E4CCD08E-3353-AFBF-D9BE-197895ECEF64}"/>
+              </a:ext>
+            </a:extLst>
+          </p:cNvPr>
+          <p:cNvSpPr/>
+          <p:nvPr/>
+        </p:nvSpPr>
+        <p:spPr>
+          <a:xfrm>
+            <a:off x="5958424" y="3554968"/>
+            <a:ext cx="241300" cy="787400"/>
+          </a:xfrm>
+          <a:prstGeom prst="leftBracket">
+            <a:avLst/>
+          </a:prstGeom>
+        </p:spPr>
+        <p:style>
+          <a:lnRef idx="2">
+            <a:schemeClr val="accent1"/>
+          </a:lnRef>
+          <a:fillRef idx="0">
+            <a:schemeClr val="accent1"/>
+          </a:fillRef>
+          <a:effectRef idx="1">
+            <a:schemeClr val="accent1"/>
+          </a:effectRef>
+          <a:fontRef idx="minor">
+            <a:schemeClr val="tx1"/>
+          </a:fontRef>
+        </p:style>
+        <p:txBody>
+          <a:bodyPr rtlCol="0" anchor="ctr"/>
+          <a:lstStyle/>
+          <a:p>
+            <a:pPr algn="ctr"/>
+            <a:endParaRPr lang="en-US"/>
+          </a:p>
+        </p:txBody>
+      </p:sp>
+      <p:sp>
+        <p:nvSpPr>
+          <p:cNvPr id="55" name="TextBox 54">
+            <a:extLst>
+              <a:ext uri="{FF2B5EF4-FFF2-40B4-BE49-F238E27FC236}">
+                <a16:creationId xmlns:a16="http://schemas.microsoft.com/office/drawing/2014/main" id="{FD23960C-9732-6534-F3CF-9C822A2B9A8B}"/>
+              </a:ext>
+            </a:extLst>
+          </p:cNvPr>
+          <p:cNvSpPr txBox="1"/>
+          <p:nvPr/>
+        </p:nvSpPr>
+        <p:spPr>
+          <a:xfrm>
+            <a:off x="6638138" y="3764002"/>
+            <a:ext cx="381836" cy="369332"/>
+          </a:xfrm>
+          <a:prstGeom prst="rect">
+            <a:avLst/>
+          </a:prstGeom>
+          <a:noFill/>
+        </p:spPr>
+        <p:txBody>
+          <a:bodyPr wrap="none" rtlCol="0">
+            <a:spAutoFit/>
+          </a:bodyPr>
+          <a:lstStyle/>
+          <a:p>
+            <a:r>
+              <a:rPr lang="en-US" dirty="0"/>
+              <a:t>…</a:t>
+            </a:r>
+          </a:p>
+        </p:txBody>
+      </p:sp>
+      <p:sp>
+        <p:nvSpPr>
+          <p:cNvPr id="56" name="Right Bracket 55">
+            <a:extLst>
+              <a:ext uri="{FF2B5EF4-FFF2-40B4-BE49-F238E27FC236}">
+                <a16:creationId xmlns:a16="http://schemas.microsoft.com/office/drawing/2014/main" id="{A9BABBAB-1BC9-20DE-97BF-F0FA0B611CA5}"/>
+              </a:ext>
+            </a:extLst>
+          </p:cNvPr>
+          <p:cNvSpPr/>
+          <p:nvPr/>
+        </p:nvSpPr>
+        <p:spPr>
+          <a:xfrm>
+            <a:off x="7426653" y="3554968"/>
+            <a:ext cx="241300" cy="787400"/>
+          </a:xfrm>
+          <a:prstGeom prst="rightBracket">
+            <a:avLst/>
+          </a:prstGeom>
+        </p:spPr>
+        <p:style>
+          <a:lnRef idx="2">
+            <a:schemeClr val="accent1"/>
+          </a:lnRef>
+          <a:fillRef idx="0">
+            <a:schemeClr val="accent1"/>
+          </a:fillRef>
+          <a:effectRef idx="1">
+            <a:schemeClr val="accent1"/>
+          </a:effectRef>
+          <a:fontRef idx="minor">
+            <a:schemeClr val="tx1"/>
+          </a:fontRef>
+        </p:style>
+        <p:txBody>
+          <a:bodyPr rtlCol="0" anchor="ctr"/>
+          <a:lstStyle/>
+          <a:p>
+            <a:pPr algn="ctr"/>
+            <a:endParaRPr lang="en-US"/>
+          </a:p>
+        </p:txBody>
+      </p:sp>
+      <p:sp>
+        <p:nvSpPr>
+          <p:cNvPr id="57" name="TextBox 56">
+            <a:extLst>
+              <a:ext uri="{FF2B5EF4-FFF2-40B4-BE49-F238E27FC236}">
+                <a16:creationId xmlns:a16="http://schemas.microsoft.com/office/drawing/2014/main" id="{6ECE8569-ECFD-FFF3-BC19-8DF26D71F35E}"/>
+              </a:ext>
+            </a:extLst>
+          </p:cNvPr>
+          <p:cNvSpPr txBox="1"/>
+          <p:nvPr/>
+        </p:nvSpPr>
+        <p:spPr>
+          <a:xfrm>
+            <a:off x="8166099" y="3487003"/>
+            <a:ext cx="4193073" cy="923330"/>
+          </a:xfrm>
+          <a:prstGeom prst="rect">
+            <a:avLst/>
+          </a:prstGeom>
+          <a:noFill/>
+        </p:spPr>
+        <p:txBody>
+          <a:bodyPr wrap="square" rtlCol="0">
+            <a:spAutoFit/>
+          </a:bodyPr>
+          <a:lstStyle/>
+          <a:p>
+            <a:r>
+              <a:rPr lang="en-US" dirty="0"/>
+              <a:t>3. Based on previous result, continue to partition remaining intervals, try to remove each of them</a:t>
+            </a:r>
+          </a:p>
+        </p:txBody>
+      </p:sp>
+      <p:sp>
+        <p:nvSpPr>
+          <p:cNvPr id="58" name="Rectangle 57">
+            <a:extLst>
+              <a:ext uri="{FF2B5EF4-FFF2-40B4-BE49-F238E27FC236}">
+                <a16:creationId xmlns:a16="http://schemas.microsoft.com/office/drawing/2014/main" id="{31CDCBE6-D826-E7CE-4B66-B4529DAAFCFB}"/>
+              </a:ext>
+            </a:extLst>
+          </p:cNvPr>
+          <p:cNvSpPr/>
+          <p:nvPr/>
+        </p:nvSpPr>
+        <p:spPr>
+          <a:xfrm>
+            <a:off x="372305" y="5052573"/>
+            <a:ext cx="368300" cy="317500"/>
+          </a:xfrm>
+          <a:prstGeom prst="rect">
+            <a:avLst/>
+          </a:prstGeom>
+        </p:spPr>
+        <p:style>
+          <a:lnRef idx="2">
+            <a:schemeClr val="accent1">
+              <a:shade val="15000"/>
+            </a:schemeClr>
+          </a:lnRef>
+          <a:fillRef idx="1">
+            <a:schemeClr val="accent1"/>
+          </a:fillRef>
+          <a:effectRef idx="0">
+            <a:schemeClr val="accent1"/>
+          </a:effectRef>
+          <a:fontRef idx="minor">
+            <a:schemeClr val="lt1"/>
+          </a:fontRef>
+        </p:style>
+        <p:txBody>
+          <a:bodyPr rtlCol="0" anchor="ctr"/>
+          <a:lstStyle/>
+          <a:p>
+            <a:pPr algn="ctr"/>
+            <a:r>
+              <a:rPr lang="en-US" sz="1200" dirty="0"/>
+              <a:t>S1</a:t>
+            </a:r>
+          </a:p>
+        </p:txBody>
+      </p:sp>
+      <p:sp>
+        <p:nvSpPr>
+          <p:cNvPr id="59" name="Rectangle 58">
+            <a:extLst>
+              <a:ext uri="{FF2B5EF4-FFF2-40B4-BE49-F238E27FC236}">
+                <a16:creationId xmlns:a16="http://schemas.microsoft.com/office/drawing/2014/main" id="{CB676A67-BC58-9E4E-AF0C-6519262CE61B}"/>
+              </a:ext>
+            </a:extLst>
+          </p:cNvPr>
+          <p:cNvSpPr/>
+          <p:nvPr/>
+        </p:nvSpPr>
+        <p:spPr>
+          <a:xfrm>
+            <a:off x="1490229" y="5052573"/>
+            <a:ext cx="368300" cy="317500"/>
+          </a:xfrm>
+          <a:prstGeom prst="rect">
+            <a:avLst/>
+          </a:prstGeom>
+        </p:spPr>
+        <p:style>
+          <a:lnRef idx="2">
+            <a:schemeClr val="accent1">
+              <a:shade val="15000"/>
+            </a:schemeClr>
+          </a:lnRef>
+          <a:fillRef idx="1">
+            <a:schemeClr val="accent1"/>
+          </a:fillRef>
+          <a:effectRef idx="0">
+            <a:schemeClr val="accent1"/>
+          </a:effectRef>
+          <a:fontRef idx="minor">
+            <a:schemeClr val="lt1"/>
+          </a:fontRef>
+        </p:style>
+        <p:txBody>
+          <a:bodyPr rtlCol="0" anchor="ctr"/>
+          <a:lstStyle/>
+          <a:p>
+            <a:pPr algn="ctr"/>
+            <a:r>
+              <a:rPr lang="en-US" sz="1200" dirty="0"/>
+              <a:t>S2</a:t>
+            </a:r>
+          </a:p>
+        </p:txBody>
+      </p:sp>
+      <p:sp>
+        <p:nvSpPr>
+          <p:cNvPr id="60" name="Rectangle 59">
+            <a:extLst>
+              <a:ext uri="{FF2B5EF4-FFF2-40B4-BE49-F238E27FC236}">
+                <a16:creationId xmlns:a16="http://schemas.microsoft.com/office/drawing/2014/main" id="{79061535-817A-15E5-3783-0F8B83CFA333}"/>
+              </a:ext>
+            </a:extLst>
+          </p:cNvPr>
+          <p:cNvSpPr/>
+          <p:nvPr/>
+        </p:nvSpPr>
+        <p:spPr>
+          <a:xfrm>
+            <a:off x="2628517" y="5052573"/>
+            <a:ext cx="368300" cy="317500"/>
+          </a:xfrm>
+          <a:prstGeom prst="rect">
+            <a:avLst/>
+          </a:prstGeom>
+        </p:spPr>
+        <p:style>
+          <a:lnRef idx="2">
+            <a:schemeClr val="accent1">
+              <a:shade val="15000"/>
+            </a:schemeClr>
+          </a:lnRef>
+          <a:fillRef idx="1">
+            <a:schemeClr val="accent1"/>
+          </a:fillRef>
+          <a:effectRef idx="0">
+            <a:schemeClr val="accent1"/>
+          </a:effectRef>
+          <a:fontRef idx="minor">
+            <a:schemeClr val="lt1"/>
+          </a:fontRef>
+        </p:style>
+        <p:txBody>
+          <a:bodyPr rtlCol="0" anchor="ctr"/>
+          <a:lstStyle/>
+          <a:p>
+            <a:pPr algn="ctr"/>
+            <a:r>
+              <a:rPr lang="en-US" sz="1200" dirty="0"/>
+              <a:t>S3</a:t>
+            </a:r>
+          </a:p>
+        </p:txBody>
+      </p:sp>
+      <p:sp>
+        <p:nvSpPr>
+          <p:cNvPr id="61" name="Rectangle 60">
+            <a:extLst>
+              <a:ext uri="{FF2B5EF4-FFF2-40B4-BE49-F238E27FC236}">
+                <a16:creationId xmlns:a16="http://schemas.microsoft.com/office/drawing/2014/main" id="{380871CC-2BD3-E1A3-BD60-F4BACBD27832}"/>
+              </a:ext>
+            </a:extLst>
+          </p:cNvPr>
+          <p:cNvSpPr/>
+          <p:nvPr/>
+        </p:nvSpPr>
+        <p:spPr>
+          <a:xfrm>
+            <a:off x="3746535" y="5052573"/>
+            <a:ext cx="368300" cy="317500"/>
+          </a:xfrm>
+          <a:prstGeom prst="rect">
+            <a:avLst/>
+          </a:prstGeom>
+        </p:spPr>
+        <p:style>
+          <a:lnRef idx="2">
+            <a:schemeClr val="accent1">
+              <a:shade val="15000"/>
+            </a:schemeClr>
+          </a:lnRef>
+          <a:fillRef idx="1">
+            <a:schemeClr val="accent1"/>
+          </a:fillRef>
+          <a:effectRef idx="0">
+            <a:schemeClr val="accent1"/>
+          </a:effectRef>
+          <a:fontRef idx="minor">
+            <a:schemeClr val="lt1"/>
+          </a:fontRef>
+        </p:style>
+        <p:txBody>
+          <a:bodyPr rtlCol="0" anchor="ctr"/>
+          <a:lstStyle/>
+          <a:p>
+            <a:pPr algn="ctr"/>
+            <a:r>
+              <a:rPr lang="en-US" sz="1200" dirty="0"/>
+              <a:t>S4</a:t>
+            </a:r>
+          </a:p>
+        </p:txBody>
+      </p:sp>
+      <p:sp>
+        <p:nvSpPr>
+          <p:cNvPr id="62" name="Rectangle 61">
+            <a:extLst>
+              <a:ext uri="{FF2B5EF4-FFF2-40B4-BE49-F238E27FC236}">
+                <a16:creationId xmlns:a16="http://schemas.microsoft.com/office/drawing/2014/main" id="{60D507DE-5A34-D39B-40A6-FD5F2BEFBB68}"/>
+              </a:ext>
+            </a:extLst>
+          </p:cNvPr>
+          <p:cNvSpPr/>
+          <p:nvPr/>
+        </p:nvSpPr>
+        <p:spPr>
+          <a:xfrm>
+            <a:off x="4865608" y="5052573"/>
+            <a:ext cx="368300" cy="317500"/>
+          </a:xfrm>
+          <a:prstGeom prst="rect">
+            <a:avLst/>
+          </a:prstGeom>
+        </p:spPr>
+        <p:style>
+          <a:lnRef idx="2">
+            <a:schemeClr val="accent1">
+              <a:shade val="15000"/>
+            </a:schemeClr>
+          </a:lnRef>
+          <a:fillRef idx="1">
+            <a:schemeClr val="accent1"/>
+          </a:fillRef>
+          <a:effectRef idx="0">
+            <a:schemeClr val="accent1"/>
+          </a:effectRef>
+          <a:fontRef idx="minor">
+            <a:schemeClr val="lt1"/>
+          </a:fontRef>
+        </p:style>
+        <p:txBody>
+          <a:bodyPr rtlCol="0" anchor="ctr"/>
+          <a:lstStyle/>
+          <a:p>
+            <a:pPr algn="ctr"/>
+            <a:r>
+              <a:rPr lang="en-US" sz="1200" dirty="0"/>
+              <a:t>S5</a:t>
+            </a:r>
+          </a:p>
+        </p:txBody>
+      </p:sp>
+      <p:sp>
+        <p:nvSpPr>
+          <p:cNvPr id="63" name="Rectangle 62">
+            <a:extLst>
+              <a:ext uri="{FF2B5EF4-FFF2-40B4-BE49-F238E27FC236}">
+                <a16:creationId xmlns:a16="http://schemas.microsoft.com/office/drawing/2014/main" id="{5BBB3E9D-6134-6548-D88E-BAD25338D12D}"/>
+              </a:ext>
+            </a:extLst>
+          </p:cNvPr>
+          <p:cNvSpPr/>
+          <p:nvPr/>
+        </p:nvSpPr>
+        <p:spPr>
+          <a:xfrm>
+            <a:off x="7110660" y="5052573"/>
+            <a:ext cx="368300" cy="317500"/>
+          </a:xfrm>
+          <a:prstGeom prst="rect">
+            <a:avLst/>
+          </a:prstGeom>
+        </p:spPr>
+        <p:style>
+          <a:lnRef idx="2">
+            <a:schemeClr val="accent1">
+              <a:shade val="15000"/>
+            </a:schemeClr>
+          </a:lnRef>
+          <a:fillRef idx="1">
+            <a:schemeClr val="accent1"/>
+          </a:fillRef>
+          <a:effectRef idx="0">
+            <a:schemeClr val="accent1"/>
+          </a:effectRef>
+          <a:fontRef idx="minor">
+            <a:schemeClr val="lt1"/>
+          </a:fontRef>
+        </p:style>
+        <p:txBody>
+          <a:bodyPr rtlCol="0" anchor="ctr"/>
+          <a:lstStyle/>
+          <a:p>
+            <a:pPr algn="ctr"/>
+            <a:r>
+              <a:rPr lang="en-US" sz="1200" dirty="0"/>
+              <a:t>Sn</a:t>
+            </a:r>
+          </a:p>
+        </p:txBody>
+      </p:sp>
+      <p:sp>
+        <p:nvSpPr>
+          <p:cNvPr id="64" name="TextBox 63">
+            <a:extLst>
+              <a:ext uri="{FF2B5EF4-FFF2-40B4-BE49-F238E27FC236}">
+                <a16:creationId xmlns:a16="http://schemas.microsoft.com/office/drawing/2014/main" id="{FC9C1063-B930-AC66-D89A-632646CC2164}"/>
+              </a:ext>
+            </a:extLst>
+          </p:cNvPr>
+          <p:cNvSpPr txBox="1"/>
+          <p:nvPr/>
+        </p:nvSpPr>
+        <p:spPr>
+          <a:xfrm>
+            <a:off x="5981366" y="5000741"/>
+            <a:ext cx="381836" cy="369332"/>
+          </a:xfrm>
+          <a:prstGeom prst="rect">
+            <a:avLst/>
+          </a:prstGeom>
+          <a:noFill/>
+        </p:spPr>
+        <p:txBody>
+          <a:bodyPr wrap="none" rtlCol="0">
+            <a:spAutoFit/>
+          </a:bodyPr>
+          <a:lstStyle/>
+          <a:p>
+            <a:r>
+              <a:rPr lang="en-US" dirty="0"/>
+              <a:t>…</a:t>
+            </a:r>
+          </a:p>
+        </p:txBody>
+      </p:sp>
+      <p:sp>
+        <p:nvSpPr>
+          <p:cNvPr id="65" name="Left Bracket 64">
+            <a:extLst>
+              <a:ext uri="{FF2B5EF4-FFF2-40B4-BE49-F238E27FC236}">
+                <a16:creationId xmlns:a16="http://schemas.microsoft.com/office/drawing/2014/main" id="{58557AC3-15A2-A0EB-3735-A3C66D6A161E}"/>
+              </a:ext>
+            </a:extLst>
+          </p:cNvPr>
+          <p:cNvSpPr/>
+          <p:nvPr/>
+        </p:nvSpPr>
+        <p:spPr>
+          <a:xfrm>
+            <a:off x="163879" y="4791707"/>
+            <a:ext cx="241300" cy="787400"/>
+          </a:xfrm>
+          <a:prstGeom prst="leftBracket">
+            <a:avLst/>
+          </a:prstGeom>
+        </p:spPr>
+        <p:style>
+          <a:lnRef idx="2">
+            <a:schemeClr val="accent1"/>
+          </a:lnRef>
+          <a:fillRef idx="0">
+            <a:schemeClr val="accent1"/>
+          </a:fillRef>
+          <a:effectRef idx="1">
+            <a:schemeClr val="accent1"/>
+          </a:effectRef>
+          <a:fontRef idx="minor">
+            <a:schemeClr val="tx1"/>
+          </a:fontRef>
+        </p:style>
+        <p:txBody>
+          <a:bodyPr rtlCol="0" anchor="ctr"/>
+          <a:lstStyle/>
+          <a:p>
+            <a:pPr algn="ctr"/>
+            <a:endParaRPr lang="en-US"/>
+          </a:p>
+        </p:txBody>
+      </p:sp>
+      <p:sp>
+        <p:nvSpPr>
+          <p:cNvPr id="66" name="Right Bracket 65">
+            <a:extLst>
+              <a:ext uri="{FF2B5EF4-FFF2-40B4-BE49-F238E27FC236}">
+                <a16:creationId xmlns:a16="http://schemas.microsoft.com/office/drawing/2014/main" id="{E558A6C8-542A-9244-E00A-79EA10DCCB2B}"/>
+              </a:ext>
+            </a:extLst>
+          </p:cNvPr>
+          <p:cNvSpPr/>
+          <p:nvPr/>
+        </p:nvSpPr>
+        <p:spPr>
+          <a:xfrm>
+            <a:off x="774293" y="4791707"/>
+            <a:ext cx="241300" cy="787400"/>
+          </a:xfrm>
+          <a:prstGeom prst="rightBracket">
+            <a:avLst/>
+          </a:prstGeom>
+        </p:spPr>
+        <p:style>
+          <a:lnRef idx="2">
+            <a:schemeClr val="accent1"/>
+          </a:lnRef>
+          <a:fillRef idx="0">
+            <a:schemeClr val="accent1"/>
+          </a:fillRef>
+          <a:effectRef idx="1">
+            <a:schemeClr val="accent1"/>
+          </a:effectRef>
+          <a:fontRef idx="minor">
+            <a:schemeClr val="tx1"/>
+          </a:fontRef>
+        </p:style>
+        <p:txBody>
+          <a:bodyPr rtlCol="0" anchor="ctr"/>
+          <a:lstStyle/>
+          <a:p>
+            <a:pPr algn="ctr"/>
+            <a:endParaRPr lang="en-US"/>
+          </a:p>
+        </p:txBody>
+      </p:sp>
+      <p:sp>
+        <p:nvSpPr>
+          <p:cNvPr id="67" name="Left Bracket 66">
+            <a:extLst>
+              <a:ext uri="{FF2B5EF4-FFF2-40B4-BE49-F238E27FC236}">
+                <a16:creationId xmlns:a16="http://schemas.microsoft.com/office/drawing/2014/main" id="{C1B68D7F-44E3-14EC-E5AC-EFB6D09B8CAD}"/>
+              </a:ext>
+            </a:extLst>
+          </p:cNvPr>
+          <p:cNvSpPr/>
+          <p:nvPr/>
+        </p:nvSpPr>
+        <p:spPr>
+          <a:xfrm>
+            <a:off x="1245307" y="4791707"/>
+            <a:ext cx="241300" cy="787400"/>
+          </a:xfrm>
+          <a:prstGeom prst="leftBracket">
+            <a:avLst/>
+          </a:prstGeom>
+        </p:spPr>
+        <p:style>
+          <a:lnRef idx="2">
+            <a:schemeClr val="accent1"/>
+          </a:lnRef>
+          <a:fillRef idx="0">
+            <a:schemeClr val="accent1"/>
+          </a:fillRef>
+          <a:effectRef idx="1">
+            <a:schemeClr val="accent1"/>
+          </a:effectRef>
+          <a:fontRef idx="minor">
+            <a:schemeClr val="tx1"/>
+          </a:fontRef>
+        </p:style>
+        <p:txBody>
+          <a:bodyPr rtlCol="0" anchor="ctr"/>
+          <a:lstStyle/>
+          <a:p>
+            <a:pPr algn="ctr"/>
+            <a:endParaRPr lang="en-US"/>
+          </a:p>
+        </p:txBody>
+      </p:sp>
+      <p:sp>
+        <p:nvSpPr>
+          <p:cNvPr id="68" name="Right Bracket 67">
+            <a:extLst>
+              <a:ext uri="{FF2B5EF4-FFF2-40B4-BE49-F238E27FC236}">
+                <a16:creationId xmlns:a16="http://schemas.microsoft.com/office/drawing/2014/main" id="{86CA4BF3-9054-D9A2-4628-DCD74125BBA2}"/>
+              </a:ext>
+            </a:extLst>
+          </p:cNvPr>
+          <p:cNvSpPr/>
+          <p:nvPr/>
+        </p:nvSpPr>
+        <p:spPr>
+          <a:xfrm>
+            <a:off x="1858529" y="4785606"/>
+            <a:ext cx="241300" cy="787400"/>
+          </a:xfrm>
+          <a:prstGeom prst="rightBracket">
+            <a:avLst/>
+          </a:prstGeom>
+        </p:spPr>
+        <p:style>
+          <a:lnRef idx="2">
+            <a:schemeClr val="accent1"/>
+          </a:lnRef>
+          <a:fillRef idx="0">
+            <a:schemeClr val="accent1"/>
+          </a:fillRef>
+          <a:effectRef idx="1">
+            <a:schemeClr val="accent1"/>
+          </a:effectRef>
+          <a:fontRef idx="minor">
+            <a:schemeClr val="tx1"/>
+          </a:fontRef>
+        </p:style>
+        <p:txBody>
+          <a:bodyPr rtlCol="0" anchor="ctr"/>
+          <a:lstStyle/>
+          <a:p>
+            <a:pPr algn="ctr"/>
+            <a:endParaRPr lang="en-US"/>
+          </a:p>
+        </p:txBody>
+      </p:sp>
+      <p:sp>
+        <p:nvSpPr>
+          <p:cNvPr id="69" name="Left Bracket 68">
+            <a:extLst>
+              <a:ext uri="{FF2B5EF4-FFF2-40B4-BE49-F238E27FC236}">
+                <a16:creationId xmlns:a16="http://schemas.microsoft.com/office/drawing/2014/main" id="{F0D784FD-581E-766D-CCD3-C9CE7D3CB956}"/>
+              </a:ext>
+            </a:extLst>
+          </p:cNvPr>
+          <p:cNvSpPr/>
+          <p:nvPr/>
+        </p:nvSpPr>
+        <p:spPr>
+          <a:xfrm>
+            <a:off x="2393985" y="4785606"/>
+            <a:ext cx="241300" cy="787400"/>
+          </a:xfrm>
+          <a:prstGeom prst="leftBracket">
+            <a:avLst/>
+          </a:prstGeom>
+        </p:spPr>
+        <p:style>
+          <a:lnRef idx="2">
+            <a:schemeClr val="accent1"/>
+          </a:lnRef>
+          <a:fillRef idx="0">
+            <a:schemeClr val="accent1"/>
+          </a:fillRef>
+          <a:effectRef idx="1">
+            <a:schemeClr val="accent1"/>
+          </a:effectRef>
+          <a:fontRef idx="minor">
+            <a:schemeClr val="tx1"/>
+          </a:fontRef>
+        </p:style>
+        <p:txBody>
+          <a:bodyPr rtlCol="0" anchor="ctr"/>
+          <a:lstStyle/>
+          <a:p>
+            <a:pPr algn="ctr"/>
+            <a:endParaRPr lang="en-US"/>
+          </a:p>
+        </p:txBody>
+      </p:sp>
+      <p:sp>
+        <p:nvSpPr>
+          <p:cNvPr id="70" name="Right Bracket 69">
+            <a:extLst>
+              <a:ext uri="{FF2B5EF4-FFF2-40B4-BE49-F238E27FC236}">
+                <a16:creationId xmlns:a16="http://schemas.microsoft.com/office/drawing/2014/main" id="{BC9B174C-F132-39A4-26C0-A63DC8ACDD0B}"/>
+              </a:ext>
+            </a:extLst>
+          </p:cNvPr>
+          <p:cNvSpPr/>
+          <p:nvPr/>
+        </p:nvSpPr>
+        <p:spPr>
+          <a:xfrm>
+            <a:off x="3027798" y="4785606"/>
+            <a:ext cx="241300" cy="787400"/>
+          </a:xfrm>
+          <a:prstGeom prst="rightBracket">
+            <a:avLst/>
+          </a:prstGeom>
+        </p:spPr>
+        <p:style>
+          <a:lnRef idx="2">
+            <a:schemeClr val="accent1"/>
+          </a:lnRef>
+          <a:fillRef idx="0">
+            <a:schemeClr val="accent1"/>
+          </a:fillRef>
+          <a:effectRef idx="1">
+            <a:schemeClr val="accent1"/>
+          </a:effectRef>
+          <a:fontRef idx="minor">
+            <a:schemeClr val="tx1"/>
+          </a:fontRef>
+        </p:style>
+        <p:txBody>
+          <a:bodyPr rtlCol="0" anchor="ctr"/>
+          <a:lstStyle/>
+          <a:p>
+            <a:pPr algn="ctr"/>
+            <a:endParaRPr lang="en-US"/>
+          </a:p>
+        </p:txBody>
+      </p:sp>
+      <p:sp>
+        <p:nvSpPr>
+          <p:cNvPr id="71" name="Left Bracket 70">
+            <a:extLst>
+              <a:ext uri="{FF2B5EF4-FFF2-40B4-BE49-F238E27FC236}">
+                <a16:creationId xmlns:a16="http://schemas.microsoft.com/office/drawing/2014/main" id="{BE115F6A-47CC-9175-58B2-2FDE5FDA3BDB}"/>
+              </a:ext>
+            </a:extLst>
+          </p:cNvPr>
+          <p:cNvSpPr/>
+          <p:nvPr/>
+        </p:nvSpPr>
+        <p:spPr>
+          <a:xfrm>
+            <a:off x="3472940" y="4785606"/>
+            <a:ext cx="241300" cy="787400"/>
+          </a:xfrm>
+          <a:prstGeom prst="leftBracket">
+            <a:avLst/>
+          </a:prstGeom>
+        </p:spPr>
+        <p:style>
+          <a:lnRef idx="2">
+            <a:schemeClr val="accent1"/>
+          </a:lnRef>
+          <a:fillRef idx="0">
+            <a:schemeClr val="accent1"/>
+          </a:fillRef>
+          <a:effectRef idx="1">
+            <a:schemeClr val="accent1"/>
+          </a:effectRef>
+          <a:fontRef idx="minor">
+            <a:schemeClr val="tx1"/>
+          </a:fontRef>
+        </p:style>
+        <p:txBody>
+          <a:bodyPr rtlCol="0" anchor="ctr"/>
+          <a:lstStyle/>
+          <a:p>
+            <a:pPr algn="ctr"/>
+            <a:endParaRPr lang="en-US"/>
+          </a:p>
+        </p:txBody>
+      </p:sp>
+      <p:sp>
+        <p:nvSpPr>
+          <p:cNvPr id="72" name="Left Bracket 71">
+            <a:extLst>
+              <a:ext uri="{FF2B5EF4-FFF2-40B4-BE49-F238E27FC236}">
+                <a16:creationId xmlns:a16="http://schemas.microsoft.com/office/drawing/2014/main" id="{259AD41A-2310-930F-B614-4FA3426330E3}"/>
+              </a:ext>
+            </a:extLst>
+          </p:cNvPr>
+          <p:cNvSpPr/>
+          <p:nvPr/>
+        </p:nvSpPr>
+        <p:spPr>
+          <a:xfrm>
+            <a:off x="4611511" y="4785606"/>
+            <a:ext cx="241300" cy="787400"/>
+          </a:xfrm>
+          <a:prstGeom prst="leftBracket">
+            <a:avLst/>
+          </a:prstGeom>
+        </p:spPr>
+        <p:style>
+          <a:lnRef idx="2">
+            <a:schemeClr val="accent1"/>
+          </a:lnRef>
+          <a:fillRef idx="0">
+            <a:schemeClr val="accent1"/>
+          </a:fillRef>
+          <a:effectRef idx="1">
+            <a:schemeClr val="accent1"/>
+          </a:effectRef>
+          <a:fontRef idx="minor">
+            <a:schemeClr val="tx1"/>
+          </a:fontRef>
+        </p:style>
+        <p:txBody>
+          <a:bodyPr rtlCol="0" anchor="ctr"/>
+          <a:lstStyle/>
+          <a:p>
+            <a:pPr algn="ctr"/>
+            <a:endParaRPr lang="en-US"/>
+          </a:p>
+        </p:txBody>
+      </p:sp>
+      <p:sp>
+        <p:nvSpPr>
+          <p:cNvPr id="73" name="Left Bracket 72">
+            <a:extLst>
+              <a:ext uri="{FF2B5EF4-FFF2-40B4-BE49-F238E27FC236}">
+                <a16:creationId xmlns:a16="http://schemas.microsoft.com/office/drawing/2014/main" id="{DAAD70EE-5ACF-1239-109E-B4A750AD7F48}"/>
+              </a:ext>
+            </a:extLst>
+          </p:cNvPr>
+          <p:cNvSpPr/>
+          <p:nvPr/>
+        </p:nvSpPr>
+        <p:spPr>
+          <a:xfrm>
+            <a:off x="6868556" y="4785606"/>
+            <a:ext cx="241300" cy="787400"/>
+          </a:xfrm>
+          <a:prstGeom prst="leftBracket">
+            <a:avLst/>
+          </a:prstGeom>
+        </p:spPr>
+        <p:style>
+          <a:lnRef idx="2">
+            <a:schemeClr val="accent1"/>
+          </a:lnRef>
+          <a:fillRef idx="0">
+            <a:schemeClr val="accent1"/>
+          </a:fillRef>
+          <a:effectRef idx="1">
+            <a:schemeClr val="accent1"/>
+          </a:effectRef>
+          <a:fontRef idx="minor">
+            <a:schemeClr val="tx1"/>
+          </a:fontRef>
+        </p:style>
+        <p:txBody>
+          <a:bodyPr rtlCol="0" anchor="ctr"/>
+          <a:lstStyle/>
+          <a:p>
+            <a:pPr algn="ctr"/>
+            <a:endParaRPr lang="en-US"/>
+          </a:p>
+        </p:txBody>
+      </p:sp>
+      <p:sp>
+        <p:nvSpPr>
+          <p:cNvPr id="74" name="Right Bracket 73">
+            <a:extLst>
+              <a:ext uri="{FF2B5EF4-FFF2-40B4-BE49-F238E27FC236}">
+                <a16:creationId xmlns:a16="http://schemas.microsoft.com/office/drawing/2014/main" id="{D12431C6-CF46-0DED-CE23-D637AE69D299}"/>
+              </a:ext>
+            </a:extLst>
+          </p:cNvPr>
+          <p:cNvSpPr/>
+          <p:nvPr/>
+        </p:nvSpPr>
+        <p:spPr>
+          <a:xfrm>
+            <a:off x="4126614" y="4785606"/>
+            <a:ext cx="241300" cy="787400"/>
+          </a:xfrm>
+          <a:prstGeom prst="rightBracket">
+            <a:avLst/>
+          </a:prstGeom>
+        </p:spPr>
+        <p:style>
+          <a:lnRef idx="2">
+            <a:schemeClr val="accent1"/>
+          </a:lnRef>
+          <a:fillRef idx="0">
+            <a:schemeClr val="accent1"/>
+          </a:fillRef>
+          <a:effectRef idx="1">
+            <a:schemeClr val="accent1"/>
+          </a:effectRef>
+          <a:fontRef idx="minor">
+            <a:schemeClr val="tx1"/>
+          </a:fontRef>
+        </p:style>
+        <p:txBody>
+          <a:bodyPr rtlCol="0" anchor="ctr"/>
+          <a:lstStyle/>
+          <a:p>
+            <a:pPr algn="ctr"/>
+            <a:endParaRPr lang="en-US"/>
+          </a:p>
+        </p:txBody>
+      </p:sp>
+      <p:sp>
+        <p:nvSpPr>
+          <p:cNvPr id="75" name="Right Bracket 74">
+            <a:extLst>
+              <a:ext uri="{FF2B5EF4-FFF2-40B4-BE49-F238E27FC236}">
+                <a16:creationId xmlns:a16="http://schemas.microsoft.com/office/drawing/2014/main" id="{FBE75EAA-112B-EB0D-3096-F843D3B2477E}"/>
+              </a:ext>
+            </a:extLst>
+          </p:cNvPr>
+          <p:cNvSpPr/>
+          <p:nvPr/>
+        </p:nvSpPr>
+        <p:spPr>
+          <a:xfrm>
+            <a:off x="5237515" y="4785606"/>
+            <a:ext cx="241300" cy="787400"/>
+          </a:xfrm>
+          <a:prstGeom prst="rightBracket">
+            <a:avLst/>
+          </a:prstGeom>
+        </p:spPr>
+        <p:style>
+          <a:lnRef idx="2">
+            <a:schemeClr val="accent1"/>
+          </a:lnRef>
+          <a:fillRef idx="0">
+            <a:schemeClr val="accent1"/>
+          </a:fillRef>
+          <a:effectRef idx="1">
+            <a:schemeClr val="accent1"/>
+          </a:effectRef>
+          <a:fontRef idx="minor">
+            <a:schemeClr val="tx1"/>
+          </a:fontRef>
+        </p:style>
+        <p:txBody>
+          <a:bodyPr rtlCol="0" anchor="ctr"/>
+          <a:lstStyle/>
+          <a:p>
+            <a:pPr algn="ctr"/>
+            <a:endParaRPr lang="en-US"/>
+          </a:p>
+        </p:txBody>
+      </p:sp>
+      <p:sp>
+        <p:nvSpPr>
+          <p:cNvPr id="76" name="Right Bracket 75">
+            <a:extLst>
+              <a:ext uri="{FF2B5EF4-FFF2-40B4-BE49-F238E27FC236}">
+                <a16:creationId xmlns:a16="http://schemas.microsoft.com/office/drawing/2014/main" id="{CEE00519-991E-DE0F-8B78-EE3725D9B299}"/>
+              </a:ext>
+            </a:extLst>
+          </p:cNvPr>
+          <p:cNvSpPr/>
+          <p:nvPr/>
+        </p:nvSpPr>
+        <p:spPr>
+          <a:xfrm>
+            <a:off x="7494560" y="4785606"/>
+            <a:ext cx="241300" cy="787400"/>
+          </a:xfrm>
+          <a:prstGeom prst="rightBracket">
+            <a:avLst/>
+          </a:prstGeom>
+        </p:spPr>
+        <p:style>
+          <a:lnRef idx="2">
+            <a:schemeClr val="accent1"/>
+          </a:lnRef>
+          <a:fillRef idx="0">
+            <a:schemeClr val="accent1"/>
+          </a:fillRef>
+          <a:effectRef idx="1">
+            <a:schemeClr val="accent1"/>
+          </a:effectRef>
+          <a:fontRef idx="minor">
+            <a:schemeClr val="tx1"/>
+          </a:fontRef>
+        </p:style>
+        <p:txBody>
+          <a:bodyPr rtlCol="0" anchor="ctr"/>
+          <a:lstStyle/>
+          <a:p>
+            <a:pPr algn="ctr"/>
+            <a:endParaRPr lang="en-US"/>
+          </a:p>
+        </p:txBody>
+      </p:sp>
+      <p:sp>
+        <p:nvSpPr>
+          <p:cNvPr id="77" name="TextBox 76">
+            <a:extLst>
+              <a:ext uri="{FF2B5EF4-FFF2-40B4-BE49-F238E27FC236}">
+                <a16:creationId xmlns:a16="http://schemas.microsoft.com/office/drawing/2014/main" id="{7C215E60-1660-4D20-E10B-E3F40A122B02}"/>
+              </a:ext>
+            </a:extLst>
+          </p:cNvPr>
+          <p:cNvSpPr txBox="1"/>
+          <p:nvPr/>
+        </p:nvSpPr>
+        <p:spPr>
+          <a:xfrm>
+            <a:off x="8167058" y="4717641"/>
+            <a:ext cx="4193073" cy="646331"/>
+          </a:xfrm>
+          <a:prstGeom prst="rect">
+            <a:avLst/>
+          </a:prstGeom>
+          <a:noFill/>
+        </p:spPr>
+        <p:txBody>
+          <a:bodyPr wrap="square" rtlCol="0">
+            <a:spAutoFit/>
+          </a:bodyPr>
+          <a:lstStyle/>
+          <a:p>
+            <a:r>
+              <a:rPr lang="en-US" dirty="0"/>
+              <a:t>... In the final layer, interval degrades to sentence, try each sentence one by one</a:t>
+            </a:r>
+          </a:p>
+        </p:txBody>
+      </p:sp>
+      <p:sp>
+        <p:nvSpPr>
+          <p:cNvPr id="78" name="Down Arrow 77">
+            <a:extLst>
+              <a:ext uri="{FF2B5EF4-FFF2-40B4-BE49-F238E27FC236}">
+                <a16:creationId xmlns:a16="http://schemas.microsoft.com/office/drawing/2014/main" id="{C1317B1F-F56F-366B-4CBB-03372EDECB15}"/>
+              </a:ext>
+            </a:extLst>
+          </p:cNvPr>
+          <p:cNvSpPr/>
+          <p:nvPr/>
+        </p:nvSpPr>
+        <p:spPr>
+          <a:xfrm>
+            <a:off x="7861643" y="1498600"/>
+            <a:ext cx="219127" cy="4210566"/>
+          </a:xfrm>
+          <a:prstGeom prst="downArrow">
+            <a:avLst/>
+          </a:prstGeom>
+        </p:spPr>
+        <p:style>
+          <a:lnRef idx="2">
+            <a:schemeClr val="accent1">
+              <a:shade val="15000"/>
+            </a:schemeClr>
+          </a:lnRef>
+          <a:fillRef idx="1">
+            <a:schemeClr val="accent1"/>
+          </a:fillRef>
+          <a:effectRef idx="0">
+            <a:schemeClr val="accent1"/>
+          </a:effectRef>
+          <a:fontRef idx="minor">
+            <a:schemeClr val="lt1"/>
+          </a:fontRef>
+        </p:style>
+        <p:txBody>
+          <a:bodyPr rtlCol="0" anchor="ctr"/>
+          <a:lstStyle/>
+          <a:p>
+            <a:pPr algn="ctr"/>
+            <a:endParaRPr lang="en-US"/>
+          </a:p>
+        </p:txBody>
+      </p:sp>
+      <p:sp>
+        <p:nvSpPr>
+          <p:cNvPr id="79" name="Rounded Rectangle 78">
+            <a:extLst>
+              <a:ext uri="{FF2B5EF4-FFF2-40B4-BE49-F238E27FC236}">
+                <a16:creationId xmlns:a16="http://schemas.microsoft.com/office/drawing/2014/main" id="{3AAC7F0A-2D85-4638-D002-4254234863E4}"/>
+              </a:ext>
+            </a:extLst>
+          </p:cNvPr>
+          <p:cNvSpPr/>
+          <p:nvPr/>
+        </p:nvSpPr>
+        <p:spPr>
+          <a:xfrm>
+            <a:off x="1449119" y="980955"/>
+            <a:ext cx="4415688" cy="983302"/>
+          </a:xfrm>
+          <a:prstGeom prst="roundRect">
+            <a:avLst/>
+          </a:prstGeom>
+          <a:noFill/>
+        </p:spPr>
+        <p:style>
+          <a:lnRef idx="2">
+            <a:schemeClr val="accent1">
+              <a:shade val="15000"/>
+            </a:schemeClr>
+          </a:lnRef>
+          <a:fillRef idx="1">
+            <a:schemeClr val="accent1"/>
+          </a:fillRef>
+          <a:effectRef idx="0">
+            <a:schemeClr val="accent1"/>
+          </a:effectRef>
+          <a:fontRef idx="minor">
+            <a:schemeClr val="lt1"/>
+          </a:fontRef>
+        </p:style>
+        <p:txBody>
+          <a:bodyPr rtlCol="0" anchor="ctr"/>
+          <a:lstStyle/>
+          <a:p>
+            <a:pPr algn="ctr"/>
+            <a:endParaRPr lang="en-US"/>
+          </a:p>
+        </p:txBody>
+      </p:sp>
+      <p:sp>
+        <p:nvSpPr>
+          <p:cNvPr id="80" name="Rounded Rectangle 79">
+            <a:extLst>
+              <a:ext uri="{FF2B5EF4-FFF2-40B4-BE49-F238E27FC236}">
+                <a16:creationId xmlns:a16="http://schemas.microsoft.com/office/drawing/2014/main" id="{1B5ACE36-1597-5546-B1C3-E498AC23EEDE}"/>
+              </a:ext>
+            </a:extLst>
+          </p:cNvPr>
+          <p:cNvSpPr/>
+          <p:nvPr/>
+        </p:nvSpPr>
+        <p:spPr>
+          <a:xfrm>
+            <a:off x="772518" y="2248254"/>
+            <a:ext cx="6247455" cy="983302"/>
+          </a:xfrm>
+          <a:prstGeom prst="roundRect">
+            <a:avLst/>
+          </a:prstGeom>
+          <a:noFill/>
+        </p:spPr>
+        <p:style>
+          <a:lnRef idx="2">
+            <a:schemeClr val="accent1">
+              <a:shade val="15000"/>
+            </a:schemeClr>
+          </a:lnRef>
+          <a:fillRef idx="1">
+            <a:schemeClr val="accent1"/>
+          </a:fillRef>
+          <a:effectRef idx="0">
+            <a:schemeClr val="accent1"/>
+          </a:effectRef>
+          <a:fontRef idx="minor">
+            <a:schemeClr val="lt1"/>
+          </a:fontRef>
+        </p:style>
+        <p:txBody>
+          <a:bodyPr rtlCol="0" anchor="ctr"/>
+          <a:lstStyle/>
+          <a:p>
+            <a:pPr algn="ctr"/>
+            <a:endParaRPr lang="en-US"/>
+          </a:p>
+        </p:txBody>
+      </p:sp>
+      <p:sp>
+        <p:nvSpPr>
+          <p:cNvPr id="81" name="Rounded Rectangle 80">
+            <a:extLst>
+              <a:ext uri="{FF2B5EF4-FFF2-40B4-BE49-F238E27FC236}">
+                <a16:creationId xmlns:a16="http://schemas.microsoft.com/office/drawing/2014/main" id="{8DCCD334-AF3F-C674-2380-A41BA02D533F}"/>
+              </a:ext>
+            </a:extLst>
+          </p:cNvPr>
+          <p:cNvSpPr/>
+          <p:nvPr/>
+        </p:nvSpPr>
+        <p:spPr>
+          <a:xfrm>
+            <a:off x="47107" y="3446225"/>
+            <a:ext cx="7729205" cy="983302"/>
+          </a:xfrm>
+          <a:prstGeom prst="roundRect">
+            <a:avLst/>
+          </a:prstGeom>
+          <a:noFill/>
+        </p:spPr>
+        <p:style>
+          <a:lnRef idx="2">
+            <a:schemeClr val="accent1">
+              <a:shade val="15000"/>
+            </a:schemeClr>
+          </a:lnRef>
+          <a:fillRef idx="1">
+            <a:schemeClr val="accent1"/>
+          </a:fillRef>
+          <a:effectRef idx="0">
+            <a:schemeClr val="accent1"/>
+          </a:effectRef>
+          <a:fontRef idx="minor">
+            <a:schemeClr val="lt1"/>
+          </a:fontRef>
+        </p:style>
+        <p:txBody>
+          <a:bodyPr rtlCol="0" anchor="ctr"/>
+          <a:lstStyle/>
+          <a:p>
+            <a:pPr algn="ctr"/>
+            <a:endParaRPr lang="en-US"/>
+          </a:p>
+        </p:txBody>
+      </p:sp>
+      <p:sp>
+        <p:nvSpPr>
+          <p:cNvPr id="82" name="Rounded Rectangle 81">
+            <a:extLst>
+              <a:ext uri="{FF2B5EF4-FFF2-40B4-BE49-F238E27FC236}">
+                <a16:creationId xmlns:a16="http://schemas.microsoft.com/office/drawing/2014/main" id="{8834D82F-EEF9-95BE-8103-AA37B6599292}"/>
+              </a:ext>
+            </a:extLst>
+          </p:cNvPr>
+          <p:cNvSpPr/>
+          <p:nvPr/>
+        </p:nvSpPr>
+        <p:spPr>
+          <a:xfrm>
+            <a:off x="47107" y="4696602"/>
+            <a:ext cx="7815496" cy="983302"/>
+          </a:xfrm>
+          <a:prstGeom prst="roundRect">
+            <a:avLst/>
+          </a:prstGeom>
+          <a:noFill/>
+        </p:spPr>
+        <p:style>
+          <a:lnRef idx="2">
+            <a:schemeClr val="accent1">
+              <a:shade val="15000"/>
+            </a:schemeClr>
+          </a:lnRef>
+          <a:fillRef idx="1">
+            <a:schemeClr val="accent1"/>
+          </a:fillRef>
+          <a:effectRef idx="0">
+            <a:schemeClr val="accent1"/>
+          </a:effectRef>
+          <a:fontRef idx="minor">
+            <a:schemeClr val="lt1"/>
+          </a:fontRef>
+        </p:style>
+        <p:txBody>
+          <a:bodyPr rtlCol="0" anchor="ctr"/>
+          <a:lstStyle/>
+          <a:p>
+            <a:pPr algn="ctr"/>
+            <a:endParaRPr lang="en-US"/>
+          </a:p>
+        </p:txBody>
+      </p:sp>
+    </p:spTree>
+    <p:extLst>
+      <p:ext uri="{BB962C8B-B14F-4D97-AF65-F5344CB8AC3E}">
+        <p14:creationId xmlns:p14="http://schemas.microsoft.com/office/powerpoint/2010/main" val="820998478"/>
+      </p:ext>
+    </p:extLst>
+  </p:cSld>
+  <p:clrMapOvr>
+    <a:masterClrMapping/>
+  </p:clrMapOvr>
+</p:sld>
+</file>
+
+<file path=ppt/slides/slide12.xml><?xml version="1.0" encoding="utf-8"?>
+<p:sld xmlns:a="http://schemas.openxmlformats.org/drawingml/2006/main" xmlns:r="http://schemas.openxmlformats.org/officeDocument/2006/relationships" xmlns:p="http://schemas.openxmlformats.org/presentationml/2006/main">
+  <p:cSld>
+    <p:spTree>
+      <p:nvGrpSpPr>
+        <p:cNvPr id="1" name=""/>
+        <p:cNvGrpSpPr/>
+        <p:nvPr/>
+      </p:nvGrpSpPr>
+      <p:grpSpPr>
+        <a:xfrm>
+          <a:off x="0" y="0"/>
+          <a:ext cx="0" cy="0"/>
+          <a:chOff x="0" y="0"/>
+          <a:chExt cx="0" cy="0"/>
+        </a:xfrm>
+      </p:grpSpPr>
+      <mc:AlternateContent xmlns:mc="http://schemas.openxmlformats.org/markup-compatibility/2006" xmlns:a14="http://schemas.microsoft.com/office/drawing/2010/main">
+        <mc:Choice Requires="a14">
+          <p:sp>
+            <p:nvSpPr>
+              <p:cNvPr id="5" name="TextBox 4">
+                <a:extLst>
+                  <a:ext uri="{FF2B5EF4-FFF2-40B4-BE49-F238E27FC236}">
+                    <a16:creationId xmlns:a16="http://schemas.microsoft.com/office/drawing/2014/main" id="{59918C3E-2C39-3A02-AEA2-8C8CFEB67D72}"/>
+                  </a:ext>
+                </a:extLst>
+              </p:cNvPr>
+              <p:cNvSpPr txBox="1"/>
+              <p:nvPr/>
+            </p:nvSpPr>
+            <p:spPr>
+              <a:xfrm>
+                <a:off x="5638800" y="2971800"/>
+                <a:ext cx="3943580" cy="853760"/>
+              </a:xfrm>
+              <a:prstGeom prst="rect">
+                <a:avLst/>
+              </a:prstGeom>
+              <a:noFill/>
+            </p:spPr>
+            <p:txBody>
+              <a:bodyPr wrap="none" lIns="0" tIns="0" rIns="0" bIns="0" rtlCol="0">
+                <a:spAutoFit/>
+              </a:bodyPr>
+              <a:lstStyle/>
+              <a:p>
+                <a:pPr/>
+                <a14:m>
+                  <m:oMathPara xmlns:m="http://schemas.openxmlformats.org/officeDocument/2006/math">
+                    <m:oMathParaPr>
+                      <m:jc m:val="centerGroup"/>
+                    </m:oMathParaPr>
+                    <m:oMath xmlns:m="http://schemas.openxmlformats.org/officeDocument/2006/math">
+                      <m:r>
+                        <a:rPr lang="en-US" b="0" i="1" smtClean="0">
+                          <a:latin typeface="Cambria Math" panose="02040503050406030204" pitchFamily="18" charset="0"/>
+                        </a:rPr>
+                        <m:t>𝑐𝑜𝑚𝑝𝑟𝑒𝑠𝑠𝑖𝑜𝑛</m:t>
+                      </m:r>
+                      <m:r>
+                        <a:rPr lang="en-US" b="0" i="1" smtClean="0">
+                          <a:latin typeface="Cambria Math" panose="02040503050406030204" pitchFamily="18" charset="0"/>
+                        </a:rPr>
+                        <m:t> </m:t>
+                      </m:r>
+                      <m:r>
+                        <a:rPr lang="en-US" b="0" i="1" smtClean="0">
+                          <a:latin typeface="Cambria Math" panose="02040503050406030204" pitchFamily="18" charset="0"/>
+                        </a:rPr>
+                        <m:t>𝑟𝑎𝑡𝑒</m:t>
+                      </m:r>
+                      <m:r>
+                        <a:rPr lang="en-US" b="0" i="1" smtClean="0">
+                          <a:latin typeface="Cambria Math" panose="02040503050406030204" pitchFamily="18" charset="0"/>
+                        </a:rPr>
+                        <m:t>=</m:t>
+                      </m:r>
+                      <m:f>
+                        <m:fPr>
+                          <m:ctrlPr>
+                            <a:rPr lang="en-US" i="1">
+                              <a:latin typeface="Cambria Math" panose="02040503050406030204" pitchFamily="18" charset="0"/>
+                            </a:rPr>
+                          </m:ctrlPr>
+                        </m:fPr>
+                        <m:num>
+                          <m:r>
+                            <a:rPr lang="en-US" i="1">
+                              <a:latin typeface="Cambria Math" panose="02040503050406030204" pitchFamily="18" charset="0"/>
+                            </a:rPr>
+                            <m:t>𝑡𝑜𝑘𝑒𝑛</m:t>
+                          </m:r>
+                          <m:r>
+                            <a:rPr lang="en-US" i="1">
+                              <a:latin typeface="Cambria Math" panose="02040503050406030204" pitchFamily="18" charset="0"/>
+                            </a:rPr>
+                            <m:t>_</m:t>
+                          </m:r>
+                          <m:r>
+                            <a:rPr lang="en-US" i="1">
+                              <a:latin typeface="Cambria Math" panose="02040503050406030204" pitchFamily="18" charset="0"/>
+                            </a:rPr>
+                            <m:t>𝑛𝑢𝑚</m:t>
+                          </m:r>
+                          <m:r>
+                            <a:rPr lang="en-US" i="1">
+                              <a:latin typeface="Cambria Math" panose="02040503050406030204" pitchFamily="18" charset="0"/>
+                            </a:rPr>
+                            <m:t>(</m:t>
+                          </m:r>
+                          <m:r>
+                            <a:rPr lang="en-US" i="1">
+                              <a:latin typeface="Cambria Math" panose="02040503050406030204" pitchFamily="18" charset="0"/>
+                            </a:rPr>
+                            <m:t>𝑃</m:t>
+                          </m:r>
+                          <m:r>
+                            <a:rPr lang="en-US" b="0" i="1" smtClean="0">
+                              <a:latin typeface="Cambria Math" panose="02040503050406030204" pitchFamily="18" charset="0"/>
+                            </a:rPr>
+                            <m:t>∗</m:t>
+                          </m:r>
+                          <m:r>
+                            <a:rPr lang="en-US" i="1">
+                              <a:latin typeface="Cambria Math" panose="02040503050406030204" pitchFamily="18" charset="0"/>
+                            </a:rPr>
+                            <m:t>)</m:t>
+                          </m:r>
+                        </m:num>
+                        <m:den>
+                          <m:r>
+                            <a:rPr lang="en-US" i="1">
+                              <a:latin typeface="Cambria Math" panose="02040503050406030204" pitchFamily="18" charset="0"/>
+                            </a:rPr>
+                            <m:t>𝑡𝑜𝑘𝑒𝑛</m:t>
+                          </m:r>
+                          <m:r>
+                            <a:rPr lang="en-US" i="1">
+                              <a:latin typeface="Cambria Math" panose="02040503050406030204" pitchFamily="18" charset="0"/>
+                            </a:rPr>
+                            <m:t>_</m:t>
+                          </m:r>
+                          <m:r>
+                            <a:rPr lang="en-US" i="1">
+                              <a:latin typeface="Cambria Math" panose="02040503050406030204" pitchFamily="18" charset="0"/>
+                            </a:rPr>
+                            <m:t>𝑛𝑢𝑚</m:t>
+                          </m:r>
+                          <m:r>
+                            <a:rPr lang="en-US" i="1">
+                              <a:latin typeface="Cambria Math" panose="02040503050406030204" pitchFamily="18" charset="0"/>
+                            </a:rPr>
+                            <m:t>(</m:t>
+                          </m:r>
+                          <m:r>
+                            <a:rPr lang="en-US" i="1">
+                              <a:latin typeface="Cambria Math" panose="02040503050406030204" pitchFamily="18" charset="0"/>
+                            </a:rPr>
+                            <m:t>𝑃</m:t>
+                          </m:r>
+                          <m:r>
+                            <a:rPr lang="en-US" i="1">
+                              <a:latin typeface="Cambria Math" panose="02040503050406030204" pitchFamily="18" charset="0"/>
+                            </a:rPr>
+                            <m:t>)</m:t>
+                          </m:r>
+                        </m:den>
+                      </m:f>
+                    </m:oMath>
+                  </m:oMathPara>
+                </a14:m>
+                <a:endParaRPr lang="en-US" dirty="0"/>
+              </a:p>
+              <a:p>
+                <a:endParaRPr lang="en-US" dirty="0"/>
+              </a:p>
+            </p:txBody>
+          </p:sp>
+        </mc:Choice>
+        <mc:Fallback xmlns="">
+          <p:sp>
+            <p:nvSpPr>
+              <p:cNvPr id="5" name="TextBox 4">
+                <a:extLst>
+                  <a:ext uri="{FF2B5EF4-FFF2-40B4-BE49-F238E27FC236}">
+                    <a16:creationId xmlns:a16="http://schemas.microsoft.com/office/drawing/2014/main" id="{59918C3E-2C39-3A02-AEA2-8C8CFEB67D72}"/>
+                  </a:ext>
+                </a:extLst>
+              </p:cNvPr>
+              <p:cNvSpPr txBox="1">
+                <a:spLocks noRot="1" noChangeAspect="1" noMove="1" noResize="1" noEditPoints="1" noAdjustHandles="1" noChangeArrowheads="1" noChangeShapeType="1" noTextEdit="1"/>
+              </p:cNvSpPr>
+              <p:nvPr/>
+            </p:nvSpPr>
+            <p:spPr>
+              <a:xfrm>
+                <a:off x="5638800" y="2971800"/>
+                <a:ext cx="3943580" cy="853760"/>
+              </a:xfrm>
+              <a:prstGeom prst="rect">
+                <a:avLst/>
+              </a:prstGeom>
+              <a:blipFill>
+                <a:blip r:embed="rId2"/>
+                <a:stretch>
+                  <a:fillRect t="-4412" r="-322"/>
+                </a:stretch>
+              </a:blipFill>
+            </p:spPr>
+            <p:txBody>
+              <a:bodyPr/>
+              <a:lstStyle/>
+              <a:p>
+                <a:r>
+                  <a:rPr lang="en-US">
+                    <a:noFill/>
+                  </a:rPr>
+                  <a:t> </a:t>
+                </a:r>
+              </a:p>
+            </p:txBody>
+          </p:sp>
+        </mc:Fallback>
+      </mc:AlternateContent>
+      <mc:AlternateContent xmlns:mc="http://schemas.openxmlformats.org/markup-compatibility/2006">
+        <mc:Choice xmlns:a14="http://schemas.microsoft.com/office/drawing/2010/main" Requires="a14">
+          <p:sp>
+            <p:nvSpPr>
+              <p:cNvPr id="6" name="TextBox 5">
+                <a:extLst>
+                  <a:ext uri="{FF2B5EF4-FFF2-40B4-BE49-F238E27FC236}">
+                    <a16:creationId xmlns:a16="http://schemas.microsoft.com/office/drawing/2014/main" id="{7DF38B40-1DD7-A294-2585-936F1BE6FBB4}"/>
+                  </a:ext>
+                </a:extLst>
+              </p:cNvPr>
+              <p:cNvSpPr txBox="1"/>
+              <p:nvPr/>
+            </p:nvSpPr>
+            <p:spPr>
+              <a:xfrm>
+                <a:off x="936103" y="3969357"/>
+                <a:ext cx="2307683" cy="583108"/>
+              </a:xfrm>
+              <a:prstGeom prst="rect">
+                <a:avLst/>
+              </a:prstGeom>
+              <a:noFill/>
+            </p:spPr>
+            <p:txBody>
+              <a:bodyPr wrap="none" lIns="0" tIns="0" rIns="0" bIns="0" rtlCol="0">
+                <a:spAutoFit/>
+              </a:bodyPr>
+              <a:lstStyle/>
+              <a:p>
+                <a:pPr/>
+                <a14:m>
+                  <m:oMathPara xmlns:m="http://schemas.openxmlformats.org/officeDocument/2006/math">
+                    <m:oMathParaPr>
+                      <m:jc m:val="centerGroup"/>
+                    </m:oMathParaPr>
+                    <m:oMath xmlns:m="http://schemas.openxmlformats.org/officeDocument/2006/math">
+                      <m:r>
+                        <a:rPr lang="en-US" b="0" i="1" smtClean="0">
+                          <a:latin typeface="Cambria Math" panose="02040503050406030204" pitchFamily="18" charset="0"/>
+                        </a:rPr>
+                        <m:t>𝑝𝑟𝑒𝑐𝑖𝑠𝑖𝑜𝑛</m:t>
+                      </m:r>
+                      <m:r>
+                        <a:rPr lang="en-US" b="0" i="1" smtClean="0">
+                          <a:latin typeface="Cambria Math" panose="02040503050406030204" pitchFamily="18" charset="0"/>
+                        </a:rPr>
+                        <m:t>= </m:t>
+                      </m:r>
+                      <m:f>
+                        <m:fPr>
+                          <m:ctrlPr>
+                            <a:rPr lang="en-US" i="1" smtClean="0">
+                              <a:latin typeface="Cambria Math" panose="02040503050406030204" pitchFamily="18" charset="0"/>
+                            </a:rPr>
+                          </m:ctrlPr>
+                        </m:fPr>
+                        <m:num>
+                          <m:d>
+                            <m:dPr>
+                              <m:begChr m:val="|"/>
+                              <m:endChr m:val="|"/>
+                              <m:ctrlPr>
+                                <a:rPr lang="en-US" i="1" smtClean="0">
+                                  <a:latin typeface="Cambria Math" panose="02040503050406030204" pitchFamily="18" charset="0"/>
+                                </a:rPr>
+                              </m:ctrlPr>
+                            </m:dPr>
+                            <m:e>
+                              <m:sSup>
+                                <m:sSupPr>
+                                  <m:ctrlPr>
+                                    <a:rPr lang="en-US" i="1">
+                                      <a:latin typeface="Cambria Math" panose="02040503050406030204" pitchFamily="18" charset="0"/>
+                                    </a:rPr>
+                                  </m:ctrlPr>
+                                </m:sSupPr>
+                                <m:e>
+                                  <m:r>
+                                    <a:rPr lang="en-US" i="1">
+                                      <a:latin typeface="Cambria Math" panose="02040503050406030204" pitchFamily="18" charset="0"/>
+                                    </a:rPr>
+                                    <m:t>𝑃</m:t>
+                                  </m:r>
+                                </m:e>
+                                <m:sup>
+                                  <m:r>
+                                    <a:rPr lang="en-US" i="1">
+                                      <a:latin typeface="Cambria Math" panose="02040503050406030204" pitchFamily="18" charset="0"/>
+                                    </a:rPr>
+                                    <m:t>′</m:t>
+                                  </m:r>
+                                </m:sup>
+                              </m:sSup>
+                              <m:r>
+                                <a:rPr lang="en-US" i="1">
+                                  <a:latin typeface="Cambria Math" panose="02040503050406030204" pitchFamily="18" charset="0"/>
+                                  <a:ea typeface="Cambria Math" panose="02040503050406030204" pitchFamily="18" charset="0"/>
+                                </a:rPr>
+                                <m:t>∩</m:t>
+                              </m:r>
+                              <m:r>
+                                <a:rPr lang="en-US" i="1">
+                                  <a:latin typeface="Cambria Math" panose="02040503050406030204" pitchFamily="18" charset="0"/>
+                                  <a:ea typeface="Cambria Math" panose="02040503050406030204" pitchFamily="18" charset="0"/>
+                                </a:rPr>
+                                <m:t>𝑃</m:t>
+                              </m:r>
+                              <m:r>
+                                <a:rPr lang="en-US" i="1">
+                                  <a:latin typeface="Cambria Math" panose="02040503050406030204" pitchFamily="18" charset="0"/>
+                                  <a:ea typeface="Cambria Math" panose="02040503050406030204" pitchFamily="18" charset="0"/>
+                                </a:rPr>
+                                <m:t>∗</m:t>
+                              </m:r>
+                            </m:e>
+                          </m:d>
+                        </m:num>
+                        <m:den>
+                          <m:d>
+                            <m:dPr>
+                              <m:begChr m:val="|"/>
+                              <m:endChr m:val="|"/>
+                              <m:ctrlPr>
+                                <a:rPr lang="en-US" b="0" i="1" smtClean="0">
+                                  <a:latin typeface="Cambria Math" panose="02040503050406030204" pitchFamily="18" charset="0"/>
+                                  <a:ea typeface="Cambria Math" panose="02040503050406030204" pitchFamily="18" charset="0"/>
+                                </a:rPr>
+                              </m:ctrlPr>
+                            </m:dPr>
+                            <m:e>
+                              <m:r>
+                                <a:rPr lang="en-US" i="1">
+                                  <a:latin typeface="Cambria Math" panose="02040503050406030204" pitchFamily="18" charset="0"/>
+                                </a:rPr>
+                                <m:t>𝑃</m:t>
+                              </m:r>
+                              <m:r>
+                                <a:rPr lang="en-US" i="1">
+                                  <a:latin typeface="Cambria Math" panose="02040503050406030204" pitchFamily="18" charset="0"/>
+                                </a:rPr>
+                                <m:t>′</m:t>
+                              </m:r>
+                            </m:e>
+                          </m:d>
+                        </m:den>
+                      </m:f>
+                    </m:oMath>
+                  </m:oMathPara>
+                </a14:m>
+                <a:endParaRPr lang="en-US" dirty="0"/>
+              </a:p>
+            </p:txBody>
+          </p:sp>
+        </mc:Choice>
+        <mc:Fallback>
+          <p:sp>
+            <p:nvSpPr>
+              <p:cNvPr id="6" name="TextBox 5">
+                <a:extLst>
+                  <a:ext uri="{FF2B5EF4-FFF2-40B4-BE49-F238E27FC236}">
+                    <a16:creationId xmlns:a16="http://schemas.microsoft.com/office/drawing/2014/main" id="{7DF38B40-1DD7-A294-2585-936F1BE6FBB4}"/>
+                  </a:ext>
+                </a:extLst>
+              </p:cNvPr>
+              <p:cNvSpPr txBox="1">
+                <a:spLocks noRot="1" noChangeAspect="1" noMove="1" noResize="1" noEditPoints="1" noAdjustHandles="1" noChangeArrowheads="1" noChangeShapeType="1" noTextEdit="1"/>
+              </p:cNvSpPr>
+              <p:nvPr/>
+            </p:nvSpPr>
+            <p:spPr>
+              <a:xfrm>
+                <a:off x="936103" y="3969357"/>
+                <a:ext cx="2307683" cy="583108"/>
+              </a:xfrm>
+              <a:prstGeom prst="rect">
+                <a:avLst/>
+              </a:prstGeom>
+              <a:blipFill>
+                <a:blip r:embed="rId3"/>
+                <a:stretch>
+                  <a:fillRect l="-2732" b="-6383"/>
+                </a:stretch>
+              </a:blipFill>
+            </p:spPr>
+            <p:txBody>
+              <a:bodyPr/>
+              <a:lstStyle/>
+              <a:p>
+                <a:r>
+                  <a:rPr lang="en-US">
+                    <a:noFill/>
+                  </a:rPr>
+                  <a:t> </a:t>
+                </a:r>
+              </a:p>
+            </p:txBody>
+          </p:sp>
+        </mc:Fallback>
+      </mc:AlternateContent>
+      <mc:AlternateContent xmlns:mc="http://schemas.openxmlformats.org/markup-compatibility/2006" xmlns:a14="http://schemas.microsoft.com/office/drawing/2010/main">
+        <mc:Choice Requires="a14">
+          <p:sp>
+            <p:nvSpPr>
+              <p:cNvPr id="8" name="TextBox 7">
+                <a:extLst>
+                  <a:ext uri="{FF2B5EF4-FFF2-40B4-BE49-F238E27FC236}">
+                    <a16:creationId xmlns:a16="http://schemas.microsoft.com/office/drawing/2014/main" id="{5C7B386E-7F76-C8DA-75A1-94F594352006}"/>
+                  </a:ext>
+                </a:extLst>
+              </p:cNvPr>
+              <p:cNvSpPr txBox="1"/>
+              <p:nvPr/>
+            </p:nvSpPr>
+            <p:spPr>
+              <a:xfrm>
+                <a:off x="5849815" y="4683369"/>
+                <a:ext cx="2023054" cy="572593"/>
+              </a:xfrm>
+              <a:prstGeom prst="rect">
+                <a:avLst/>
+              </a:prstGeom>
+              <a:noFill/>
+            </p:spPr>
+            <p:txBody>
+              <a:bodyPr wrap="none" lIns="0" tIns="0" rIns="0" bIns="0" rtlCol="0">
+                <a:spAutoFit/>
+              </a:bodyPr>
+              <a:lstStyle/>
+              <a:p>
+                <a:pPr/>
+                <a14:m>
+                  <m:oMathPara xmlns:m="http://schemas.openxmlformats.org/officeDocument/2006/math">
+                    <m:oMathParaPr>
+                      <m:jc m:val="centerGroup"/>
+                    </m:oMathParaPr>
+                    <m:oMath xmlns:m="http://schemas.openxmlformats.org/officeDocument/2006/math">
+                      <m:f>
+                        <m:fPr>
+                          <m:ctrlPr>
+                            <a:rPr lang="en-US" i="1" smtClean="0">
+                              <a:latin typeface="Cambria Math" panose="02040503050406030204" pitchFamily="18" charset="0"/>
+                            </a:rPr>
+                          </m:ctrlPr>
+                        </m:fPr>
+                        <m:num>
+                          <m:r>
+                            <a:rPr lang="en-US" b="0" i="1" smtClean="0">
+                              <a:latin typeface="Cambria Math" panose="02040503050406030204" pitchFamily="18" charset="0"/>
+                            </a:rPr>
+                            <m:t>2 </m:t>
+                          </m:r>
+                          <m:r>
+                            <a:rPr lang="en-US" b="0" i="1" smtClean="0">
+                              <a:latin typeface="Cambria Math" panose="02040503050406030204" pitchFamily="18" charset="0"/>
+                            </a:rPr>
+                            <m:t>𝑝𝑟𝑒𝑐𝑖𝑠𝑖𝑜𝑛</m:t>
+                          </m:r>
+                          <m:r>
+                            <a:rPr lang="en-US" b="0" i="1" smtClean="0">
+                              <a:latin typeface="Cambria Math" panose="02040503050406030204" pitchFamily="18" charset="0"/>
+                            </a:rPr>
+                            <m:t>∗</m:t>
+                          </m:r>
+                          <m:r>
+                            <a:rPr lang="en-US" b="0" i="1" smtClean="0">
+                              <a:latin typeface="Cambria Math" panose="02040503050406030204" pitchFamily="18" charset="0"/>
+                            </a:rPr>
+                            <m:t>𝑟𝑒𝑐𝑎𝑙𝑙</m:t>
+                          </m:r>
+                        </m:num>
+                        <m:den>
+                          <m:r>
+                            <a:rPr lang="en-US" b="0" i="1" smtClean="0">
+                              <a:latin typeface="Cambria Math" panose="02040503050406030204" pitchFamily="18" charset="0"/>
+                            </a:rPr>
+                            <m:t>𝑝𝑟𝑒𝑐𝑖𝑠𝑖𝑜𝑛</m:t>
+                          </m:r>
+                          <m:r>
+                            <a:rPr lang="en-US" b="0" i="1" smtClean="0">
+                              <a:latin typeface="Cambria Math" panose="02040503050406030204" pitchFamily="18" charset="0"/>
+                            </a:rPr>
+                            <m:t>+</m:t>
+                          </m:r>
+                          <m:r>
+                            <a:rPr lang="en-US" b="0" i="1" smtClean="0">
+                              <a:latin typeface="Cambria Math" panose="02040503050406030204" pitchFamily="18" charset="0"/>
+                            </a:rPr>
+                            <m:t>𝑟𝑒𝑐𝑎𝑙𝑙</m:t>
+                          </m:r>
+                        </m:den>
+                      </m:f>
+                    </m:oMath>
+                  </m:oMathPara>
+                </a14:m>
+                <a:endParaRPr lang="en-US" dirty="0"/>
+              </a:p>
+            </p:txBody>
+          </p:sp>
+        </mc:Choice>
+        <mc:Fallback xmlns="">
+          <p:sp>
+            <p:nvSpPr>
+              <p:cNvPr id="8" name="TextBox 7">
+                <a:extLst>
+                  <a:ext uri="{FF2B5EF4-FFF2-40B4-BE49-F238E27FC236}">
+                    <a16:creationId xmlns:a16="http://schemas.microsoft.com/office/drawing/2014/main" id="{5C7B386E-7F76-C8DA-75A1-94F594352006}"/>
+                  </a:ext>
+                </a:extLst>
+              </p:cNvPr>
+              <p:cNvSpPr txBox="1">
+                <a:spLocks noRot="1" noChangeAspect="1" noMove="1" noResize="1" noEditPoints="1" noAdjustHandles="1" noChangeArrowheads="1" noChangeShapeType="1" noTextEdit="1"/>
+              </p:cNvSpPr>
+              <p:nvPr/>
+            </p:nvSpPr>
+            <p:spPr>
+              <a:xfrm>
+                <a:off x="5849815" y="4683369"/>
+                <a:ext cx="2023054" cy="572593"/>
+              </a:xfrm>
+              <a:prstGeom prst="rect">
+                <a:avLst/>
+              </a:prstGeom>
+              <a:blipFill>
+                <a:blip r:embed="rId5"/>
+                <a:stretch>
+                  <a:fillRect l="-2500" t="-6522" r="-2500" b="-17391"/>
+                </a:stretch>
+              </a:blipFill>
+            </p:spPr>
+            <p:txBody>
+              <a:bodyPr/>
+              <a:lstStyle/>
+              <a:p>
+                <a:r>
+                  <a:rPr lang="en-US">
+                    <a:noFill/>
+                  </a:rPr>
+                  <a:t> </a:t>
+                </a:r>
+              </a:p>
+            </p:txBody>
+          </p:sp>
+        </mc:Fallback>
+      </mc:AlternateContent>
+      <mc:AlternateContent xmlns:mc="http://schemas.openxmlformats.org/markup-compatibility/2006">
+        <mc:Choice xmlns:a14="http://schemas.microsoft.com/office/drawing/2010/main" Requires="a14">
+          <p:sp>
+            <p:nvSpPr>
+              <p:cNvPr id="2" name="TextBox 1">
+                <a:extLst>
+                  <a:ext uri="{FF2B5EF4-FFF2-40B4-BE49-F238E27FC236}">
+                    <a16:creationId xmlns:a16="http://schemas.microsoft.com/office/drawing/2014/main" id="{9BF7B2B5-7E92-DEF0-B810-74E21A21230D}"/>
+                  </a:ext>
+                </a:extLst>
+              </p:cNvPr>
+              <p:cNvSpPr txBox="1"/>
+              <p:nvPr/>
+            </p:nvSpPr>
+            <p:spPr>
+              <a:xfrm>
+                <a:off x="936102" y="4677342"/>
+                <a:ext cx="1809213" cy="578620"/>
+              </a:xfrm>
+              <a:prstGeom prst="rect">
+                <a:avLst/>
+              </a:prstGeom>
+              <a:noFill/>
+            </p:spPr>
+            <p:txBody>
+              <a:bodyPr wrap="none" lIns="0" tIns="0" rIns="0" bIns="0" rtlCol="0">
+                <a:spAutoFit/>
+              </a:bodyPr>
+              <a:lstStyle/>
+              <a:p>
+                <a:pPr/>
+                <a14:m>
+                  <m:oMathPara xmlns:m="http://schemas.openxmlformats.org/officeDocument/2006/math">
+                    <m:oMathParaPr>
+                      <m:jc m:val="centerGroup"/>
+                    </m:oMathParaPr>
+                    <m:oMath xmlns:m="http://schemas.openxmlformats.org/officeDocument/2006/math">
+                      <m:r>
+                        <m:rPr>
+                          <m:sty m:val="p"/>
+                        </m:rPr>
+                        <a:rPr lang="en-US" i="1" smtClean="0">
+                          <a:latin typeface="Cambria Math" panose="02040503050406030204" pitchFamily="18" charset="0"/>
+                        </a:rPr>
+                        <m:t>recall</m:t>
+                      </m:r>
+                      <m:r>
+                        <a:rPr lang="en-US" b="0" i="1" smtClean="0">
+                          <a:latin typeface="Cambria Math" panose="02040503050406030204" pitchFamily="18" charset="0"/>
+                        </a:rPr>
+                        <m:t>= </m:t>
+                      </m:r>
+                      <m:f>
+                        <m:fPr>
+                          <m:ctrlPr>
+                            <a:rPr lang="en-US" i="1" smtClean="0">
+                              <a:latin typeface="Cambria Math" panose="02040503050406030204" pitchFamily="18" charset="0"/>
+                            </a:rPr>
+                          </m:ctrlPr>
+                        </m:fPr>
+                        <m:num>
+                          <m:d>
+                            <m:dPr>
+                              <m:begChr m:val="|"/>
+                              <m:endChr m:val="|"/>
+                              <m:ctrlPr>
+                                <a:rPr lang="en-US" i="1" smtClean="0">
+                                  <a:latin typeface="Cambria Math" panose="02040503050406030204" pitchFamily="18" charset="0"/>
+                                </a:rPr>
+                              </m:ctrlPr>
+                            </m:dPr>
+                            <m:e>
+                              <m:r>
+                                <a:rPr lang="en-US" b="0" i="1" smtClean="0">
+                                  <a:latin typeface="Cambria Math" panose="02040503050406030204" pitchFamily="18" charset="0"/>
+                                </a:rPr>
+                                <m:t>𝑃</m:t>
+                              </m:r>
+                              <m:r>
+                                <a:rPr lang="en-US" b="0" i="1" smtClean="0">
+                                  <a:latin typeface="Cambria Math" panose="02040503050406030204" pitchFamily="18" charset="0"/>
+                                </a:rPr>
+                                <m:t>∗∩</m:t>
+                              </m:r>
+                              <m:r>
+                                <a:rPr lang="en-US" i="1">
+                                  <a:latin typeface="Cambria Math" panose="02040503050406030204" pitchFamily="18" charset="0"/>
+                                  <a:ea typeface="Cambria Math" panose="02040503050406030204" pitchFamily="18" charset="0"/>
+                                </a:rPr>
+                                <m:t>𝑃</m:t>
+                              </m:r>
+                              <m:r>
+                                <a:rPr lang="en-US" b="0" i="1" smtClean="0">
+                                  <a:latin typeface="Cambria Math" panose="02040503050406030204" pitchFamily="18" charset="0"/>
+                                  <a:ea typeface="Cambria Math" panose="02040503050406030204" pitchFamily="18" charset="0"/>
+                                </a:rPr>
+                                <m:t>′</m:t>
+                              </m:r>
+                            </m:e>
+                          </m:d>
+                        </m:num>
+                        <m:den>
+                          <m:d>
+                            <m:dPr>
+                              <m:begChr m:val="|"/>
+                              <m:endChr m:val="|"/>
+                              <m:ctrlPr>
+                                <a:rPr lang="en-US" b="0" i="1" smtClean="0">
+                                  <a:latin typeface="Cambria Math" panose="02040503050406030204" pitchFamily="18" charset="0"/>
+                                  <a:ea typeface="Cambria Math" panose="02040503050406030204" pitchFamily="18" charset="0"/>
+                                </a:rPr>
+                              </m:ctrlPr>
+                            </m:dPr>
+                            <m:e>
+                              <m:r>
+                                <a:rPr lang="en-US" i="1">
+                                  <a:latin typeface="Cambria Math" panose="02040503050406030204" pitchFamily="18" charset="0"/>
+                                </a:rPr>
+                                <m:t>𝑃</m:t>
+                              </m:r>
+                              <m:r>
+                                <a:rPr lang="en-US" b="0" i="1" smtClean="0">
+                                  <a:latin typeface="Cambria Math" panose="02040503050406030204" pitchFamily="18" charset="0"/>
+                                </a:rPr>
+                                <m:t>∗</m:t>
+                              </m:r>
+                            </m:e>
+                          </m:d>
+                        </m:den>
+                      </m:f>
+                    </m:oMath>
+                  </m:oMathPara>
+                </a14:m>
+                <a:endParaRPr lang="en-US" dirty="0"/>
+              </a:p>
+            </p:txBody>
+          </p:sp>
+        </mc:Choice>
+        <mc:Fallback>
+          <p:sp>
+            <p:nvSpPr>
+              <p:cNvPr id="2" name="TextBox 1">
+                <a:extLst>
+                  <a:ext uri="{FF2B5EF4-FFF2-40B4-BE49-F238E27FC236}">
+                    <a16:creationId xmlns:a16="http://schemas.microsoft.com/office/drawing/2014/main" id="{9BF7B2B5-7E92-DEF0-B810-74E21A21230D}"/>
+                  </a:ext>
+                </a:extLst>
+              </p:cNvPr>
+              <p:cNvSpPr txBox="1">
+                <a:spLocks noRot="1" noChangeAspect="1" noMove="1" noResize="1" noEditPoints="1" noAdjustHandles="1" noChangeArrowheads="1" noChangeShapeType="1" noTextEdit="1"/>
+              </p:cNvSpPr>
+              <p:nvPr/>
+            </p:nvSpPr>
+            <p:spPr>
+              <a:xfrm>
+                <a:off x="936102" y="4677342"/>
+                <a:ext cx="1809213" cy="578620"/>
+              </a:xfrm>
+              <a:prstGeom prst="rect">
+                <a:avLst/>
+              </a:prstGeom>
+              <a:blipFill>
+                <a:blip r:embed="rId6"/>
+                <a:stretch>
+                  <a:fillRect l="-2778" t="-4348" b="-6522"/>
+                </a:stretch>
+              </a:blipFill>
+            </p:spPr>
+            <p:txBody>
+              <a:bodyPr/>
+              <a:lstStyle/>
+              <a:p>
+                <a:r>
+                  <a:rPr lang="en-US">
+                    <a:noFill/>
+                  </a:rPr>
+                  <a:t> </a:t>
+                </a:r>
+              </a:p>
+            </p:txBody>
+          </p:sp>
+        </mc:Fallback>
+      </mc:AlternateContent>
+      <mc:AlternateContent xmlns:mc="http://schemas.openxmlformats.org/markup-compatibility/2006">
+        <mc:Choice xmlns:a14="http://schemas.microsoft.com/office/drawing/2010/main" Requires="a14">
+          <p:sp>
+            <p:nvSpPr>
+              <p:cNvPr id="3" name="TextBox 2">
+                <a:extLst>
+                  <a:ext uri="{FF2B5EF4-FFF2-40B4-BE49-F238E27FC236}">
+                    <a16:creationId xmlns:a16="http://schemas.microsoft.com/office/drawing/2014/main" id="{47ADC758-CE46-451B-BF70-5C035BB0EB96}"/>
+                  </a:ext>
+                </a:extLst>
+              </p:cNvPr>
+              <p:cNvSpPr txBox="1"/>
+              <p:nvPr/>
+            </p:nvSpPr>
+            <p:spPr>
+              <a:xfrm>
+                <a:off x="936102" y="5380839"/>
+                <a:ext cx="2068195" cy="578620"/>
+              </a:xfrm>
+              <a:prstGeom prst="rect">
+                <a:avLst/>
+              </a:prstGeom>
+              <a:noFill/>
+            </p:spPr>
+            <p:txBody>
+              <a:bodyPr wrap="none" lIns="0" tIns="0" rIns="0" bIns="0" rtlCol="0">
+                <a:spAutoFit/>
+              </a:bodyPr>
+              <a:lstStyle/>
+              <a:p>
+                <a:pPr/>
+                <a14:m>
+                  <m:oMathPara xmlns:m="http://schemas.openxmlformats.org/officeDocument/2006/math">
+                    <m:oMathParaPr>
+                      <m:jc m:val="centerGroup"/>
+                    </m:oMathParaPr>
+                    <m:oMath xmlns:m="http://schemas.openxmlformats.org/officeDocument/2006/math">
+                      <m:r>
+                        <a:rPr lang="en-US" b="0" i="1" smtClean="0">
+                          <a:latin typeface="Cambria Math" panose="02040503050406030204" pitchFamily="18" charset="0"/>
+                        </a:rPr>
+                        <m:t>𝑗𝑎𝑐𝑐𝑎𝑟𝑑</m:t>
+                      </m:r>
+                      <m:r>
+                        <a:rPr lang="en-US" b="0" i="1" smtClean="0">
+                          <a:latin typeface="Cambria Math" panose="02040503050406030204" pitchFamily="18" charset="0"/>
+                        </a:rPr>
+                        <m:t>= </m:t>
+                      </m:r>
+                      <m:f>
+                        <m:fPr>
+                          <m:ctrlPr>
+                            <a:rPr lang="en-US" i="1" smtClean="0">
+                              <a:latin typeface="Cambria Math" panose="02040503050406030204" pitchFamily="18" charset="0"/>
+                            </a:rPr>
+                          </m:ctrlPr>
+                        </m:fPr>
+                        <m:num>
+                          <m:d>
+                            <m:dPr>
+                              <m:begChr m:val="|"/>
+                              <m:endChr m:val="|"/>
+                              <m:ctrlPr>
+                                <a:rPr lang="en-US" i="1" smtClean="0">
+                                  <a:latin typeface="Cambria Math" panose="02040503050406030204" pitchFamily="18" charset="0"/>
+                                </a:rPr>
+                              </m:ctrlPr>
+                            </m:dPr>
+                            <m:e>
+                              <m:r>
+                                <a:rPr lang="en-US" b="0" i="1" smtClean="0">
+                                  <a:latin typeface="Cambria Math" panose="02040503050406030204" pitchFamily="18" charset="0"/>
+                                </a:rPr>
+                                <m:t>𝑃</m:t>
+                              </m:r>
+                              <m:r>
+                                <a:rPr lang="en-US" b="0" i="1" smtClean="0">
+                                  <a:latin typeface="Cambria Math" panose="02040503050406030204" pitchFamily="18" charset="0"/>
+                                </a:rPr>
+                                <m:t>∗∩</m:t>
+                              </m:r>
+                              <m:r>
+                                <a:rPr lang="en-US" i="1">
+                                  <a:latin typeface="Cambria Math" panose="02040503050406030204" pitchFamily="18" charset="0"/>
+                                  <a:ea typeface="Cambria Math" panose="02040503050406030204" pitchFamily="18" charset="0"/>
+                                </a:rPr>
+                                <m:t>𝑃</m:t>
+                              </m:r>
+                              <m:r>
+                                <a:rPr lang="en-US" b="0" i="1" smtClean="0">
+                                  <a:latin typeface="Cambria Math" panose="02040503050406030204" pitchFamily="18" charset="0"/>
+                                  <a:ea typeface="Cambria Math" panose="02040503050406030204" pitchFamily="18" charset="0"/>
+                                </a:rPr>
+                                <m:t>′</m:t>
+                              </m:r>
+                            </m:e>
+                          </m:d>
+                        </m:num>
+                        <m:den>
+                          <m:d>
+                            <m:dPr>
+                              <m:begChr m:val="|"/>
+                              <m:endChr m:val="|"/>
+                              <m:ctrlPr>
+                                <a:rPr lang="en-US" b="0" i="1" smtClean="0">
+                                  <a:latin typeface="Cambria Math" panose="02040503050406030204" pitchFamily="18" charset="0"/>
+                                  <a:ea typeface="Cambria Math" panose="02040503050406030204" pitchFamily="18" charset="0"/>
+                                </a:rPr>
+                              </m:ctrlPr>
+                            </m:dPr>
+                            <m:e>
+                              <m:r>
+                                <a:rPr lang="en-US" i="1">
+                                  <a:latin typeface="Cambria Math" panose="02040503050406030204" pitchFamily="18" charset="0"/>
+                                </a:rPr>
+                                <m:t>𝑃</m:t>
+                              </m:r>
+                              <m:r>
+                                <a:rPr lang="en-US" b="0" i="1" smtClean="0">
+                                  <a:latin typeface="Cambria Math" panose="02040503050406030204" pitchFamily="18" charset="0"/>
+                                </a:rPr>
+                                <m:t>∗</m:t>
+                              </m:r>
+                              <m:r>
+                                <a:rPr lang="en-US" i="1">
+                                  <a:latin typeface="Cambria Math" panose="02040503050406030204" pitchFamily="18" charset="0"/>
+                                  <a:ea typeface="Cambria Math" panose="02040503050406030204" pitchFamily="18" charset="0"/>
+                                </a:rPr>
+                                <m:t>∪</m:t>
+                              </m:r>
+                              <m:r>
+                                <a:rPr lang="en-US" b="0" i="1" smtClean="0">
+                                  <a:latin typeface="Cambria Math" panose="02040503050406030204" pitchFamily="18" charset="0"/>
+                                  <a:ea typeface="Cambria Math" panose="02040503050406030204" pitchFamily="18" charset="0"/>
+                                </a:rPr>
+                                <m:t>𝑃</m:t>
+                              </m:r>
+                              <m:r>
+                                <a:rPr lang="en-US" b="0" i="1" smtClean="0">
+                                  <a:latin typeface="Cambria Math" panose="02040503050406030204" pitchFamily="18" charset="0"/>
+                                  <a:ea typeface="Cambria Math" panose="02040503050406030204" pitchFamily="18" charset="0"/>
+                                </a:rPr>
+                                <m:t>′</m:t>
+                              </m:r>
+                            </m:e>
+                          </m:d>
+                        </m:den>
+                      </m:f>
+                    </m:oMath>
+                  </m:oMathPara>
+                </a14:m>
+                <a:endParaRPr lang="en-US" dirty="0"/>
+              </a:p>
+            </p:txBody>
+          </p:sp>
+        </mc:Choice>
+        <mc:Fallback>
+          <p:sp>
+            <p:nvSpPr>
+              <p:cNvPr id="3" name="TextBox 2">
+                <a:extLst>
+                  <a:ext uri="{FF2B5EF4-FFF2-40B4-BE49-F238E27FC236}">
+                    <a16:creationId xmlns:a16="http://schemas.microsoft.com/office/drawing/2014/main" id="{47ADC758-CE46-451B-BF70-5C035BB0EB96}"/>
+                  </a:ext>
+                </a:extLst>
+              </p:cNvPr>
+              <p:cNvSpPr txBox="1">
+                <a:spLocks noRot="1" noChangeAspect="1" noMove="1" noResize="1" noEditPoints="1" noAdjustHandles="1" noChangeArrowheads="1" noChangeShapeType="1" noTextEdit="1"/>
+              </p:cNvSpPr>
+              <p:nvPr/>
+            </p:nvSpPr>
+            <p:spPr>
+              <a:xfrm>
+                <a:off x="936102" y="5380839"/>
+                <a:ext cx="2068195" cy="578620"/>
+              </a:xfrm>
+              <a:prstGeom prst="rect">
+                <a:avLst/>
+              </a:prstGeom>
+              <a:blipFill>
+                <a:blip r:embed="rId7"/>
+                <a:stretch>
+                  <a:fillRect l="-3659" t="-2128" b="-6383"/>
+                </a:stretch>
+              </a:blipFill>
+            </p:spPr>
+            <p:txBody>
+              <a:bodyPr/>
+              <a:lstStyle/>
+              <a:p>
+                <a:r>
+                  <a:rPr lang="en-US">
+                    <a:noFill/>
+                  </a:rPr>
+                  <a:t> </a:t>
+                </a:r>
+              </a:p>
+            </p:txBody>
+          </p:sp>
+        </mc:Fallback>
+      </mc:AlternateContent>
+    </p:spTree>
+    <p:extLst>
+      <p:ext uri="{BB962C8B-B14F-4D97-AF65-F5344CB8AC3E}">
+        <p14:creationId xmlns:p14="http://schemas.microsoft.com/office/powerpoint/2010/main" val="331183752"/>
+      </p:ext>
+    </p:extLst>
+  </p:cSld>
+  <p:clrMapOvr>
+    <a:masterClrMapping/>
+  </p:clrMapOvr>
+</p:sld>
+</file>
+
 <file path=ppt/slides/slide2.xml><?xml version="1.0" encoding="utf-8"?>
 <p:sld xmlns:a="http://schemas.openxmlformats.org/drawingml/2006/main" xmlns:r="http://schemas.openxmlformats.org/officeDocument/2006/relationships" xmlns:p="http://schemas.openxmlformats.org/presentationml/2006/main">
   <p:cSld>
@@ -3475,8 +8071,8 @@
         </p:nvSpPr>
         <p:spPr>
           <a:xfrm>
-            <a:off x="2248500" y="2280578"/>
-            <a:ext cx="1238492" cy="923330"/>
+            <a:off x="2248499" y="2280578"/>
+            <a:ext cx="1799863" cy="1200329"/>
           </a:xfrm>
           <a:prstGeom prst="rect">
             <a:avLst/>
@@ -3491,7 +8087,7 @@
           <a:p>
             <a:r>
               <a:rPr lang="en-US" dirty="0"/>
-              <a:t>gpt3.5 </a:t>
+              <a:t>gpt3.5, </a:t>
             </a:r>
           </a:p>
           <a:p>
@@ -3503,7 +8099,13 @@
           <a:p>
             <a:r>
               <a:rPr lang="en-US" dirty="0"/>
-              <a:t>or 4o-mini</a:t>
+              <a:t>or 4o-mini,</a:t>
+            </a:r>
+          </a:p>
+          <a:p>
+            <a:r>
+              <a:rPr lang="en-US" dirty="0"/>
+              <a:t>Or gpt4-turbo</a:t>
             </a:r>
           </a:p>
         </p:txBody>
@@ -4199,6 +8801,7 @@
             <a:avLst/>
           </a:prstGeom>
           <a:ln>
+            <a:prstDash val="dash"/>
             <a:tailEnd type="triangle"/>
           </a:ln>
         </p:spPr>
@@ -4240,6 +8843,45 @@
             <a:avLst>
               <a:gd name="adj1" fmla="val -235"/>
             </a:avLst>
+          </a:prstGeom>
+          <a:ln>
+            <a:tailEnd type="triangle"/>
+          </a:ln>
+        </p:spPr>
+        <p:style>
+          <a:lnRef idx="2">
+            <a:schemeClr val="accent1"/>
+          </a:lnRef>
+          <a:fillRef idx="0">
+            <a:schemeClr val="accent1"/>
+          </a:fillRef>
+          <a:effectRef idx="1">
+            <a:schemeClr val="accent1"/>
+          </a:effectRef>
+          <a:fontRef idx="minor">
+            <a:schemeClr val="tx1"/>
+          </a:fontRef>
+        </p:style>
+      </p:cxnSp>
+      <p:cxnSp>
+        <p:nvCxnSpPr>
+          <p:cNvPr id="6" name="Straight Arrow Connector 5">
+            <a:extLst>
+              <a:ext uri="{FF2B5EF4-FFF2-40B4-BE49-F238E27FC236}">
+                <a16:creationId xmlns:a16="http://schemas.microsoft.com/office/drawing/2014/main" id="{6A408F98-3596-2C1B-F3DA-CD34FE57DDCF}"/>
+              </a:ext>
+            </a:extLst>
+          </p:cNvPr>
+          <p:cNvCxnSpPr/>
+          <p:nvPr/>
+        </p:nvCxnSpPr>
+        <p:spPr>
+          <a:xfrm flipV="1">
+            <a:off x="9597955" y="1855532"/>
+            <a:ext cx="0" cy="973012"/>
+          </a:xfrm>
+          <a:prstGeom prst="straightConnector1">
+            <a:avLst/>
           </a:prstGeom>
           <a:ln>
             <a:tailEnd type="triangle"/>
@@ -11036,6 +15678,4284 @@
     <p:extLst>
       <p:ext uri="{BB962C8B-B14F-4D97-AF65-F5344CB8AC3E}">
         <p14:creationId xmlns:p14="http://schemas.microsoft.com/office/powerpoint/2010/main" val="3420287458"/>
+      </p:ext>
+    </p:extLst>
+  </p:cSld>
+  <p:clrMapOvr>
+    <a:masterClrMapping/>
+  </p:clrMapOvr>
+</p:sld>
+</file>
+
+<file path=ppt/slides/slide8.xml><?xml version="1.0" encoding="utf-8"?>
+<p:sld xmlns:a="http://schemas.openxmlformats.org/drawingml/2006/main" xmlns:r="http://schemas.openxmlformats.org/officeDocument/2006/relationships" xmlns:p="http://schemas.openxmlformats.org/presentationml/2006/main">
+  <p:cSld>
+    <p:spTree>
+      <p:nvGrpSpPr>
+        <p:cNvPr id="1" name=""/>
+        <p:cNvGrpSpPr/>
+        <p:nvPr/>
+      </p:nvGrpSpPr>
+      <p:grpSpPr>
+        <a:xfrm>
+          <a:off x="0" y="0"/>
+          <a:ext cx="0" cy="0"/>
+          <a:chOff x="0" y="0"/>
+          <a:chExt cx="0" cy="0"/>
+        </a:xfrm>
+      </p:grpSpPr>
+      <p:sp>
+        <p:nvSpPr>
+          <p:cNvPr id="64" name="Rounded Rectangle 63">
+            <a:extLst>
+              <a:ext uri="{FF2B5EF4-FFF2-40B4-BE49-F238E27FC236}">
+                <a16:creationId xmlns:a16="http://schemas.microsoft.com/office/drawing/2014/main" id="{0EA82D3A-FED3-78E6-7578-233DD5DB7333}"/>
+              </a:ext>
+            </a:extLst>
+          </p:cNvPr>
+          <p:cNvSpPr/>
+          <p:nvPr/>
+        </p:nvSpPr>
+        <p:spPr>
+          <a:xfrm>
+            <a:off x="8492925" y="234590"/>
+            <a:ext cx="1634836" cy="2141560"/>
+          </a:xfrm>
+          <a:prstGeom prst="roundRect">
+            <a:avLst/>
+          </a:prstGeom>
+          <a:solidFill>
+            <a:schemeClr val="accent1">
+              <a:alpha val="0"/>
+            </a:schemeClr>
+          </a:solidFill>
+        </p:spPr>
+        <p:style>
+          <a:lnRef idx="2">
+            <a:schemeClr val="accent1">
+              <a:shade val="15000"/>
+            </a:schemeClr>
+          </a:lnRef>
+          <a:fillRef idx="1">
+            <a:schemeClr val="accent1"/>
+          </a:fillRef>
+          <a:effectRef idx="0">
+            <a:schemeClr val="accent1"/>
+          </a:effectRef>
+          <a:fontRef idx="minor">
+            <a:schemeClr val="lt1"/>
+          </a:fontRef>
+        </p:style>
+        <p:txBody>
+          <a:bodyPr rtlCol="0" anchor="ctr"/>
+          <a:lstStyle/>
+          <a:p>
+            <a:pPr algn="ctr"/>
+            <a:endParaRPr lang="en-US"/>
+          </a:p>
+        </p:txBody>
+      </p:sp>
+      <p:sp>
+        <p:nvSpPr>
+          <p:cNvPr id="63" name="Rounded Rectangle 62">
+            <a:extLst>
+              <a:ext uri="{FF2B5EF4-FFF2-40B4-BE49-F238E27FC236}">
+                <a16:creationId xmlns:a16="http://schemas.microsoft.com/office/drawing/2014/main" id="{B66D2CA5-3EFC-3633-A67D-FFE428F2EB87}"/>
+              </a:ext>
+            </a:extLst>
+          </p:cNvPr>
+          <p:cNvSpPr/>
+          <p:nvPr/>
+        </p:nvSpPr>
+        <p:spPr>
+          <a:xfrm>
+            <a:off x="5194869" y="234590"/>
+            <a:ext cx="1634836" cy="2141560"/>
+          </a:xfrm>
+          <a:prstGeom prst="roundRect">
+            <a:avLst/>
+          </a:prstGeom>
+          <a:solidFill>
+            <a:schemeClr val="accent1">
+              <a:alpha val="0"/>
+            </a:schemeClr>
+          </a:solidFill>
+        </p:spPr>
+        <p:style>
+          <a:lnRef idx="2">
+            <a:schemeClr val="accent1">
+              <a:shade val="15000"/>
+            </a:schemeClr>
+          </a:lnRef>
+          <a:fillRef idx="1">
+            <a:schemeClr val="accent1"/>
+          </a:fillRef>
+          <a:effectRef idx="0">
+            <a:schemeClr val="accent1"/>
+          </a:effectRef>
+          <a:fontRef idx="minor">
+            <a:schemeClr val="lt1"/>
+          </a:fontRef>
+        </p:style>
+        <p:txBody>
+          <a:bodyPr rtlCol="0" anchor="ctr"/>
+          <a:lstStyle/>
+          <a:p>
+            <a:pPr algn="ctr"/>
+            <a:endParaRPr lang="en-US"/>
+          </a:p>
+        </p:txBody>
+      </p:sp>
+      <p:sp>
+        <p:nvSpPr>
+          <p:cNvPr id="62" name="Rounded Rectangle 61">
+            <a:extLst>
+              <a:ext uri="{FF2B5EF4-FFF2-40B4-BE49-F238E27FC236}">
+                <a16:creationId xmlns:a16="http://schemas.microsoft.com/office/drawing/2014/main" id="{91FB6939-D1B3-28E5-C423-D19474DC3079}"/>
+              </a:ext>
+            </a:extLst>
+          </p:cNvPr>
+          <p:cNvSpPr/>
+          <p:nvPr/>
+        </p:nvSpPr>
+        <p:spPr>
+          <a:xfrm>
+            <a:off x="3131307" y="234590"/>
+            <a:ext cx="1634836" cy="2141560"/>
+          </a:xfrm>
+          <a:prstGeom prst="roundRect">
+            <a:avLst/>
+          </a:prstGeom>
+          <a:solidFill>
+            <a:schemeClr val="accent1">
+              <a:alpha val="0"/>
+            </a:schemeClr>
+          </a:solidFill>
+        </p:spPr>
+        <p:style>
+          <a:lnRef idx="2">
+            <a:schemeClr val="accent1">
+              <a:shade val="15000"/>
+            </a:schemeClr>
+          </a:lnRef>
+          <a:fillRef idx="1">
+            <a:schemeClr val="accent1"/>
+          </a:fillRef>
+          <a:effectRef idx="0">
+            <a:schemeClr val="accent1"/>
+          </a:effectRef>
+          <a:fontRef idx="minor">
+            <a:schemeClr val="lt1"/>
+          </a:fontRef>
+        </p:style>
+        <p:txBody>
+          <a:bodyPr rtlCol="0" anchor="ctr"/>
+          <a:lstStyle/>
+          <a:p>
+            <a:pPr algn="ctr"/>
+            <a:endParaRPr lang="en-US" b="1" dirty="0"/>
+          </a:p>
+        </p:txBody>
+      </p:sp>
+      <p:sp>
+        <p:nvSpPr>
+          <p:cNvPr id="61" name="Rounded Rectangle 60">
+            <a:extLst>
+              <a:ext uri="{FF2B5EF4-FFF2-40B4-BE49-F238E27FC236}">
+                <a16:creationId xmlns:a16="http://schemas.microsoft.com/office/drawing/2014/main" id="{FE68B794-9389-A580-D82C-6B5277590003}"/>
+              </a:ext>
+            </a:extLst>
+          </p:cNvPr>
+          <p:cNvSpPr/>
+          <p:nvPr/>
+        </p:nvSpPr>
+        <p:spPr>
+          <a:xfrm>
+            <a:off x="651164" y="277091"/>
+            <a:ext cx="1634836" cy="2141560"/>
+          </a:xfrm>
+          <a:prstGeom prst="roundRect">
+            <a:avLst/>
+          </a:prstGeom>
+          <a:solidFill>
+            <a:schemeClr val="accent1">
+              <a:alpha val="0"/>
+            </a:schemeClr>
+          </a:solidFill>
+        </p:spPr>
+        <p:style>
+          <a:lnRef idx="2">
+            <a:schemeClr val="accent1">
+              <a:shade val="15000"/>
+            </a:schemeClr>
+          </a:lnRef>
+          <a:fillRef idx="1">
+            <a:schemeClr val="accent1"/>
+          </a:fillRef>
+          <a:effectRef idx="0">
+            <a:schemeClr val="accent1"/>
+          </a:effectRef>
+          <a:fontRef idx="minor">
+            <a:schemeClr val="lt1"/>
+          </a:fontRef>
+        </p:style>
+        <p:txBody>
+          <a:bodyPr rtlCol="0" anchor="ctr"/>
+          <a:lstStyle/>
+          <a:p>
+            <a:pPr algn="ctr"/>
+            <a:endParaRPr lang="en-US" dirty="0"/>
+          </a:p>
+        </p:txBody>
+      </p:sp>
+      <p:sp>
+        <p:nvSpPr>
+          <p:cNvPr id="4" name="Rectangle 3">
+            <a:extLst>
+              <a:ext uri="{FF2B5EF4-FFF2-40B4-BE49-F238E27FC236}">
+                <a16:creationId xmlns:a16="http://schemas.microsoft.com/office/drawing/2014/main" id="{3D25CB84-1DE5-C5A7-49C2-BB3FE874F775}"/>
+              </a:ext>
+            </a:extLst>
+          </p:cNvPr>
+          <p:cNvSpPr/>
+          <p:nvPr/>
+        </p:nvSpPr>
+        <p:spPr>
+          <a:xfrm>
+            <a:off x="880110" y="857250"/>
+            <a:ext cx="1062990" cy="137160"/>
+          </a:xfrm>
+          <a:prstGeom prst="rect">
+            <a:avLst/>
+          </a:prstGeom>
+          <a:solidFill>
+            <a:schemeClr val="accent1">
+              <a:alpha val="47000"/>
+            </a:schemeClr>
+          </a:solidFill>
+        </p:spPr>
+        <p:style>
+          <a:lnRef idx="2">
+            <a:schemeClr val="accent1">
+              <a:shade val="15000"/>
+            </a:schemeClr>
+          </a:lnRef>
+          <a:fillRef idx="1">
+            <a:schemeClr val="accent1"/>
+          </a:fillRef>
+          <a:effectRef idx="0">
+            <a:schemeClr val="accent1"/>
+          </a:effectRef>
+          <a:fontRef idx="minor">
+            <a:schemeClr val="lt1"/>
+          </a:fontRef>
+        </p:style>
+        <p:txBody>
+          <a:bodyPr rtlCol="0" anchor="ctr"/>
+          <a:lstStyle/>
+          <a:p>
+            <a:pPr algn="ctr"/>
+            <a:endParaRPr lang="en-US">
+              <a:solidFill>
+                <a:srgbClr val="FF0000"/>
+              </a:solidFill>
+            </a:endParaRPr>
+          </a:p>
+        </p:txBody>
+      </p:sp>
+      <p:sp>
+        <p:nvSpPr>
+          <p:cNvPr id="5" name="Rectangle 4">
+            <a:extLst>
+              <a:ext uri="{FF2B5EF4-FFF2-40B4-BE49-F238E27FC236}">
+                <a16:creationId xmlns:a16="http://schemas.microsoft.com/office/drawing/2014/main" id="{27651EED-ADFD-DBCE-3DD5-9AF23A42EE53}"/>
+              </a:ext>
+            </a:extLst>
+          </p:cNvPr>
+          <p:cNvSpPr/>
+          <p:nvPr/>
+        </p:nvSpPr>
+        <p:spPr>
+          <a:xfrm>
+            <a:off x="880110" y="1123950"/>
+            <a:ext cx="1062990" cy="137160"/>
+          </a:xfrm>
+          <a:prstGeom prst="rect">
+            <a:avLst/>
+          </a:prstGeom>
+        </p:spPr>
+        <p:style>
+          <a:lnRef idx="2">
+            <a:schemeClr val="accent1">
+              <a:shade val="15000"/>
+            </a:schemeClr>
+          </a:lnRef>
+          <a:fillRef idx="1">
+            <a:schemeClr val="accent1"/>
+          </a:fillRef>
+          <a:effectRef idx="0">
+            <a:schemeClr val="accent1"/>
+          </a:effectRef>
+          <a:fontRef idx="minor">
+            <a:schemeClr val="lt1"/>
+          </a:fontRef>
+        </p:style>
+        <p:txBody>
+          <a:bodyPr rtlCol="0" anchor="ctr"/>
+          <a:lstStyle/>
+          <a:p>
+            <a:pPr algn="ctr"/>
+            <a:endParaRPr lang="en-US"/>
+          </a:p>
+        </p:txBody>
+      </p:sp>
+      <p:sp>
+        <p:nvSpPr>
+          <p:cNvPr id="6" name="Rectangle 5">
+            <a:extLst>
+              <a:ext uri="{FF2B5EF4-FFF2-40B4-BE49-F238E27FC236}">
+                <a16:creationId xmlns:a16="http://schemas.microsoft.com/office/drawing/2014/main" id="{250B1482-6CB4-FB47-FD80-3A9711BFA2ED}"/>
+              </a:ext>
+            </a:extLst>
+          </p:cNvPr>
+          <p:cNvSpPr/>
+          <p:nvPr/>
+        </p:nvSpPr>
+        <p:spPr>
+          <a:xfrm>
+            <a:off x="880110" y="1394460"/>
+            <a:ext cx="1062990" cy="137160"/>
+          </a:xfrm>
+          <a:prstGeom prst="rect">
+            <a:avLst/>
+          </a:prstGeom>
+        </p:spPr>
+        <p:style>
+          <a:lnRef idx="2">
+            <a:schemeClr val="accent1">
+              <a:shade val="15000"/>
+            </a:schemeClr>
+          </a:lnRef>
+          <a:fillRef idx="1">
+            <a:schemeClr val="accent1"/>
+          </a:fillRef>
+          <a:effectRef idx="0">
+            <a:schemeClr val="accent1"/>
+          </a:effectRef>
+          <a:fontRef idx="minor">
+            <a:schemeClr val="lt1"/>
+          </a:fontRef>
+        </p:style>
+        <p:txBody>
+          <a:bodyPr rtlCol="0" anchor="ctr"/>
+          <a:lstStyle/>
+          <a:p>
+            <a:pPr algn="ctr"/>
+            <a:endParaRPr lang="en-US"/>
+          </a:p>
+        </p:txBody>
+      </p:sp>
+      <p:sp>
+        <p:nvSpPr>
+          <p:cNvPr id="7" name="Rectangle 6">
+            <a:extLst>
+              <a:ext uri="{FF2B5EF4-FFF2-40B4-BE49-F238E27FC236}">
+                <a16:creationId xmlns:a16="http://schemas.microsoft.com/office/drawing/2014/main" id="{AB5757B2-EAFC-6F75-0ECF-EF8FAAF5BDA3}"/>
+              </a:ext>
+            </a:extLst>
+          </p:cNvPr>
+          <p:cNvSpPr/>
+          <p:nvPr/>
+        </p:nvSpPr>
+        <p:spPr>
+          <a:xfrm>
+            <a:off x="880110" y="1668780"/>
+            <a:ext cx="1062990" cy="137160"/>
+          </a:xfrm>
+          <a:prstGeom prst="rect">
+            <a:avLst/>
+          </a:prstGeom>
+        </p:spPr>
+        <p:style>
+          <a:lnRef idx="2">
+            <a:schemeClr val="accent1">
+              <a:shade val="15000"/>
+            </a:schemeClr>
+          </a:lnRef>
+          <a:fillRef idx="1">
+            <a:schemeClr val="accent1"/>
+          </a:fillRef>
+          <a:effectRef idx="0">
+            <a:schemeClr val="accent1"/>
+          </a:effectRef>
+          <a:fontRef idx="minor">
+            <a:schemeClr val="lt1"/>
+          </a:fontRef>
+        </p:style>
+        <p:txBody>
+          <a:bodyPr rtlCol="0" anchor="ctr"/>
+          <a:lstStyle/>
+          <a:p>
+            <a:pPr algn="ctr"/>
+            <a:endParaRPr lang="en-US"/>
+          </a:p>
+        </p:txBody>
+      </p:sp>
+      <p:sp>
+        <p:nvSpPr>
+          <p:cNvPr id="8" name="TextBox 7">
+            <a:extLst>
+              <a:ext uri="{FF2B5EF4-FFF2-40B4-BE49-F238E27FC236}">
+                <a16:creationId xmlns:a16="http://schemas.microsoft.com/office/drawing/2014/main" id="{E81FA999-494E-F379-C36F-5EC1DFF0C8B4}"/>
+              </a:ext>
+            </a:extLst>
+          </p:cNvPr>
+          <p:cNvSpPr txBox="1"/>
+          <p:nvPr/>
+        </p:nvSpPr>
+        <p:spPr>
+          <a:xfrm>
+            <a:off x="1240155" y="1758434"/>
+            <a:ext cx="342900" cy="369332"/>
+          </a:xfrm>
+          <a:prstGeom prst="rect">
+            <a:avLst/>
+          </a:prstGeom>
+          <a:noFill/>
+        </p:spPr>
+        <p:txBody>
+          <a:bodyPr wrap="square" rtlCol="0">
+            <a:spAutoFit/>
+          </a:bodyPr>
+          <a:lstStyle/>
+          <a:p>
+            <a:r>
+              <a:rPr lang="en-US" dirty="0"/>
+              <a:t>…</a:t>
+            </a:r>
+          </a:p>
+        </p:txBody>
+      </p:sp>
+      <p:sp>
+        <p:nvSpPr>
+          <p:cNvPr id="9" name="Rectangle 8">
+            <a:extLst>
+              <a:ext uri="{FF2B5EF4-FFF2-40B4-BE49-F238E27FC236}">
+                <a16:creationId xmlns:a16="http://schemas.microsoft.com/office/drawing/2014/main" id="{D8995F0D-4CDF-98BF-6856-202CF0434929}"/>
+              </a:ext>
+            </a:extLst>
+          </p:cNvPr>
+          <p:cNvSpPr/>
+          <p:nvPr/>
+        </p:nvSpPr>
+        <p:spPr>
+          <a:xfrm>
+            <a:off x="880110" y="2160270"/>
+            <a:ext cx="1062990" cy="137160"/>
+          </a:xfrm>
+          <a:prstGeom prst="rect">
+            <a:avLst/>
+          </a:prstGeom>
+        </p:spPr>
+        <p:style>
+          <a:lnRef idx="2">
+            <a:schemeClr val="accent1">
+              <a:shade val="15000"/>
+            </a:schemeClr>
+          </a:lnRef>
+          <a:fillRef idx="1">
+            <a:schemeClr val="accent1"/>
+          </a:fillRef>
+          <a:effectRef idx="0">
+            <a:schemeClr val="accent1"/>
+          </a:effectRef>
+          <a:fontRef idx="minor">
+            <a:schemeClr val="lt1"/>
+          </a:fontRef>
+        </p:style>
+        <p:txBody>
+          <a:bodyPr rtlCol="0" anchor="ctr"/>
+          <a:lstStyle/>
+          <a:p>
+            <a:pPr algn="ctr"/>
+            <a:endParaRPr lang="en-US"/>
+          </a:p>
+        </p:txBody>
+      </p:sp>
+      <p:sp>
+        <p:nvSpPr>
+          <p:cNvPr id="18" name="TextBox 17">
+            <a:extLst>
+              <a:ext uri="{FF2B5EF4-FFF2-40B4-BE49-F238E27FC236}">
+                <a16:creationId xmlns:a16="http://schemas.microsoft.com/office/drawing/2014/main" id="{2F693331-4C9C-52FD-9F7E-6CDEA37AFDE4}"/>
+              </a:ext>
+            </a:extLst>
+          </p:cNvPr>
+          <p:cNvSpPr txBox="1"/>
+          <p:nvPr/>
+        </p:nvSpPr>
+        <p:spPr>
+          <a:xfrm>
+            <a:off x="445770" y="2498718"/>
+            <a:ext cx="2320290" cy="523220"/>
+          </a:xfrm>
+          <a:prstGeom prst="rect">
+            <a:avLst/>
+          </a:prstGeom>
+          <a:noFill/>
+        </p:spPr>
+        <p:txBody>
+          <a:bodyPr wrap="square" rtlCol="0">
+            <a:spAutoFit/>
+          </a:bodyPr>
+          <a:lstStyle/>
+          <a:p>
+            <a:r>
+              <a:rPr lang="en-US" sz="1400" dirty="0"/>
+              <a:t>Try to remove sentence1, has influence, keep it (star)</a:t>
+            </a:r>
+          </a:p>
+        </p:txBody>
+      </p:sp>
+      <p:sp>
+        <p:nvSpPr>
+          <p:cNvPr id="19" name="TextBox 18">
+            <a:extLst>
+              <a:ext uri="{FF2B5EF4-FFF2-40B4-BE49-F238E27FC236}">
+                <a16:creationId xmlns:a16="http://schemas.microsoft.com/office/drawing/2014/main" id="{154AA638-CF5D-68C5-6CE3-E9CE7282986E}"/>
+              </a:ext>
+            </a:extLst>
+          </p:cNvPr>
+          <p:cNvSpPr txBox="1"/>
+          <p:nvPr/>
+        </p:nvSpPr>
+        <p:spPr>
+          <a:xfrm>
+            <a:off x="1943100" y="781288"/>
+            <a:ext cx="342900" cy="369332"/>
+          </a:xfrm>
+          <a:prstGeom prst="rect">
+            <a:avLst/>
+          </a:prstGeom>
+          <a:noFill/>
+        </p:spPr>
+        <p:txBody>
+          <a:bodyPr wrap="square" rtlCol="0">
+            <a:spAutoFit/>
+          </a:bodyPr>
+          <a:lstStyle/>
+          <a:p>
+            <a:r>
+              <a:rPr lang="en-US" dirty="0"/>
+              <a:t>*</a:t>
+            </a:r>
+          </a:p>
+        </p:txBody>
+      </p:sp>
+      <p:sp>
+        <p:nvSpPr>
+          <p:cNvPr id="21" name="Rectangle 20">
+            <a:extLst>
+              <a:ext uri="{FF2B5EF4-FFF2-40B4-BE49-F238E27FC236}">
+                <a16:creationId xmlns:a16="http://schemas.microsoft.com/office/drawing/2014/main" id="{25D6171F-9F5B-5088-625A-E09157E7D331}"/>
+              </a:ext>
+            </a:extLst>
+          </p:cNvPr>
+          <p:cNvSpPr/>
+          <p:nvPr/>
+        </p:nvSpPr>
+        <p:spPr>
+          <a:xfrm>
+            <a:off x="3348990" y="853145"/>
+            <a:ext cx="1062990" cy="137160"/>
+          </a:xfrm>
+          <a:prstGeom prst="rect">
+            <a:avLst/>
+          </a:prstGeom>
+          <a:solidFill>
+            <a:schemeClr val="accent1"/>
+          </a:solidFill>
+        </p:spPr>
+        <p:style>
+          <a:lnRef idx="2">
+            <a:schemeClr val="accent1">
+              <a:shade val="15000"/>
+            </a:schemeClr>
+          </a:lnRef>
+          <a:fillRef idx="1">
+            <a:schemeClr val="accent1"/>
+          </a:fillRef>
+          <a:effectRef idx="0">
+            <a:schemeClr val="accent1"/>
+          </a:effectRef>
+          <a:fontRef idx="minor">
+            <a:schemeClr val="lt1"/>
+          </a:fontRef>
+        </p:style>
+        <p:txBody>
+          <a:bodyPr rtlCol="0" anchor="ctr"/>
+          <a:lstStyle/>
+          <a:p>
+            <a:pPr algn="ctr"/>
+            <a:endParaRPr lang="en-US">
+              <a:solidFill>
+                <a:srgbClr val="FF0000"/>
+              </a:solidFill>
+            </a:endParaRPr>
+          </a:p>
+        </p:txBody>
+      </p:sp>
+      <p:sp>
+        <p:nvSpPr>
+          <p:cNvPr id="22" name="Rectangle 21">
+            <a:extLst>
+              <a:ext uri="{FF2B5EF4-FFF2-40B4-BE49-F238E27FC236}">
+                <a16:creationId xmlns:a16="http://schemas.microsoft.com/office/drawing/2014/main" id="{D0E8B834-A9D9-F1DB-FC76-D0B1412484F0}"/>
+              </a:ext>
+            </a:extLst>
+          </p:cNvPr>
+          <p:cNvSpPr/>
+          <p:nvPr/>
+        </p:nvSpPr>
+        <p:spPr>
+          <a:xfrm>
+            <a:off x="3348990" y="1119845"/>
+            <a:ext cx="1062990" cy="137160"/>
+          </a:xfrm>
+          <a:prstGeom prst="rect">
+            <a:avLst/>
+          </a:prstGeom>
+          <a:solidFill>
+            <a:schemeClr val="accent1">
+              <a:alpha val="46971"/>
+            </a:schemeClr>
+          </a:solidFill>
+        </p:spPr>
+        <p:style>
+          <a:lnRef idx="2">
+            <a:schemeClr val="accent1">
+              <a:shade val="15000"/>
+            </a:schemeClr>
+          </a:lnRef>
+          <a:fillRef idx="1">
+            <a:schemeClr val="accent1"/>
+          </a:fillRef>
+          <a:effectRef idx="0">
+            <a:schemeClr val="accent1"/>
+          </a:effectRef>
+          <a:fontRef idx="minor">
+            <a:schemeClr val="lt1"/>
+          </a:fontRef>
+        </p:style>
+        <p:txBody>
+          <a:bodyPr rtlCol="0" anchor="ctr"/>
+          <a:lstStyle/>
+          <a:p>
+            <a:pPr algn="ctr"/>
+            <a:endParaRPr lang="en-US"/>
+          </a:p>
+        </p:txBody>
+      </p:sp>
+      <p:sp>
+        <p:nvSpPr>
+          <p:cNvPr id="23" name="Rectangle 22">
+            <a:extLst>
+              <a:ext uri="{FF2B5EF4-FFF2-40B4-BE49-F238E27FC236}">
+                <a16:creationId xmlns:a16="http://schemas.microsoft.com/office/drawing/2014/main" id="{D8D2EB19-BC0A-8A1D-6C0D-D1A23B4B1749}"/>
+              </a:ext>
+            </a:extLst>
+          </p:cNvPr>
+          <p:cNvSpPr/>
+          <p:nvPr/>
+        </p:nvSpPr>
+        <p:spPr>
+          <a:xfrm>
+            <a:off x="3348990" y="1390355"/>
+            <a:ext cx="1062990" cy="137160"/>
+          </a:xfrm>
+          <a:prstGeom prst="rect">
+            <a:avLst/>
+          </a:prstGeom>
+        </p:spPr>
+        <p:style>
+          <a:lnRef idx="2">
+            <a:schemeClr val="accent1">
+              <a:shade val="15000"/>
+            </a:schemeClr>
+          </a:lnRef>
+          <a:fillRef idx="1">
+            <a:schemeClr val="accent1"/>
+          </a:fillRef>
+          <a:effectRef idx="0">
+            <a:schemeClr val="accent1"/>
+          </a:effectRef>
+          <a:fontRef idx="minor">
+            <a:schemeClr val="lt1"/>
+          </a:fontRef>
+        </p:style>
+        <p:txBody>
+          <a:bodyPr rtlCol="0" anchor="ctr"/>
+          <a:lstStyle/>
+          <a:p>
+            <a:pPr algn="ctr"/>
+            <a:endParaRPr lang="en-US"/>
+          </a:p>
+        </p:txBody>
+      </p:sp>
+      <p:sp>
+        <p:nvSpPr>
+          <p:cNvPr id="24" name="Rectangle 23">
+            <a:extLst>
+              <a:ext uri="{FF2B5EF4-FFF2-40B4-BE49-F238E27FC236}">
+                <a16:creationId xmlns:a16="http://schemas.microsoft.com/office/drawing/2014/main" id="{266D36F5-937B-02F8-52D5-1A9334330481}"/>
+              </a:ext>
+            </a:extLst>
+          </p:cNvPr>
+          <p:cNvSpPr/>
+          <p:nvPr/>
+        </p:nvSpPr>
+        <p:spPr>
+          <a:xfrm>
+            <a:off x="3348990" y="1664675"/>
+            <a:ext cx="1062990" cy="137160"/>
+          </a:xfrm>
+          <a:prstGeom prst="rect">
+            <a:avLst/>
+          </a:prstGeom>
+        </p:spPr>
+        <p:style>
+          <a:lnRef idx="2">
+            <a:schemeClr val="accent1">
+              <a:shade val="15000"/>
+            </a:schemeClr>
+          </a:lnRef>
+          <a:fillRef idx="1">
+            <a:schemeClr val="accent1"/>
+          </a:fillRef>
+          <a:effectRef idx="0">
+            <a:schemeClr val="accent1"/>
+          </a:effectRef>
+          <a:fontRef idx="minor">
+            <a:schemeClr val="lt1"/>
+          </a:fontRef>
+        </p:style>
+        <p:txBody>
+          <a:bodyPr rtlCol="0" anchor="ctr"/>
+          <a:lstStyle/>
+          <a:p>
+            <a:pPr algn="ctr"/>
+            <a:endParaRPr lang="en-US"/>
+          </a:p>
+        </p:txBody>
+      </p:sp>
+      <p:sp>
+        <p:nvSpPr>
+          <p:cNvPr id="25" name="TextBox 24">
+            <a:extLst>
+              <a:ext uri="{FF2B5EF4-FFF2-40B4-BE49-F238E27FC236}">
+                <a16:creationId xmlns:a16="http://schemas.microsoft.com/office/drawing/2014/main" id="{D5344FAC-2392-C651-A5A3-C7E13FC82C7F}"/>
+              </a:ext>
+            </a:extLst>
+          </p:cNvPr>
+          <p:cNvSpPr txBox="1"/>
+          <p:nvPr/>
+        </p:nvSpPr>
+        <p:spPr>
+          <a:xfrm>
+            <a:off x="3709035" y="1754329"/>
+            <a:ext cx="342900" cy="369332"/>
+          </a:xfrm>
+          <a:prstGeom prst="rect">
+            <a:avLst/>
+          </a:prstGeom>
+          <a:noFill/>
+        </p:spPr>
+        <p:txBody>
+          <a:bodyPr wrap="square" rtlCol="0">
+            <a:spAutoFit/>
+          </a:bodyPr>
+          <a:lstStyle/>
+          <a:p>
+            <a:r>
+              <a:rPr lang="en-US" dirty="0"/>
+              <a:t>…</a:t>
+            </a:r>
+          </a:p>
+        </p:txBody>
+      </p:sp>
+      <p:sp>
+        <p:nvSpPr>
+          <p:cNvPr id="26" name="Rectangle 25">
+            <a:extLst>
+              <a:ext uri="{FF2B5EF4-FFF2-40B4-BE49-F238E27FC236}">
+                <a16:creationId xmlns:a16="http://schemas.microsoft.com/office/drawing/2014/main" id="{75168E28-1BEF-DE99-73BD-31B60DFF058E}"/>
+              </a:ext>
+            </a:extLst>
+          </p:cNvPr>
+          <p:cNvSpPr/>
+          <p:nvPr/>
+        </p:nvSpPr>
+        <p:spPr>
+          <a:xfrm>
+            <a:off x="3348990" y="2156165"/>
+            <a:ext cx="1062990" cy="137160"/>
+          </a:xfrm>
+          <a:prstGeom prst="rect">
+            <a:avLst/>
+          </a:prstGeom>
+        </p:spPr>
+        <p:style>
+          <a:lnRef idx="2">
+            <a:schemeClr val="accent1">
+              <a:shade val="15000"/>
+            </a:schemeClr>
+          </a:lnRef>
+          <a:fillRef idx="1">
+            <a:schemeClr val="accent1"/>
+          </a:fillRef>
+          <a:effectRef idx="0">
+            <a:schemeClr val="accent1"/>
+          </a:effectRef>
+          <a:fontRef idx="minor">
+            <a:schemeClr val="lt1"/>
+          </a:fontRef>
+        </p:style>
+        <p:txBody>
+          <a:bodyPr rtlCol="0" anchor="ctr"/>
+          <a:lstStyle/>
+          <a:p>
+            <a:pPr algn="ctr"/>
+            <a:endParaRPr lang="en-US"/>
+          </a:p>
+        </p:txBody>
+      </p:sp>
+      <p:sp>
+        <p:nvSpPr>
+          <p:cNvPr id="27" name="TextBox 26">
+            <a:extLst>
+              <a:ext uri="{FF2B5EF4-FFF2-40B4-BE49-F238E27FC236}">
+                <a16:creationId xmlns:a16="http://schemas.microsoft.com/office/drawing/2014/main" id="{E3E0E901-C800-497B-88EA-998B2B7D4F50}"/>
+              </a:ext>
+            </a:extLst>
+          </p:cNvPr>
+          <p:cNvSpPr txBox="1"/>
+          <p:nvPr/>
+        </p:nvSpPr>
+        <p:spPr>
+          <a:xfrm>
+            <a:off x="4411980" y="777183"/>
+            <a:ext cx="342900" cy="369332"/>
+          </a:xfrm>
+          <a:prstGeom prst="rect">
+            <a:avLst/>
+          </a:prstGeom>
+          <a:noFill/>
+        </p:spPr>
+        <p:txBody>
+          <a:bodyPr wrap="square" rtlCol="0">
+            <a:spAutoFit/>
+          </a:bodyPr>
+          <a:lstStyle/>
+          <a:p>
+            <a:r>
+              <a:rPr lang="en-US" dirty="0"/>
+              <a:t>*</a:t>
+            </a:r>
+          </a:p>
+        </p:txBody>
+      </p:sp>
+      <p:sp>
+        <p:nvSpPr>
+          <p:cNvPr id="28" name="TextBox 27">
+            <a:extLst>
+              <a:ext uri="{FF2B5EF4-FFF2-40B4-BE49-F238E27FC236}">
+                <a16:creationId xmlns:a16="http://schemas.microsoft.com/office/drawing/2014/main" id="{EBC77A26-F98B-2498-965B-43AAA3860B9E}"/>
+              </a:ext>
+            </a:extLst>
+          </p:cNvPr>
+          <p:cNvSpPr txBox="1"/>
+          <p:nvPr/>
+        </p:nvSpPr>
+        <p:spPr>
+          <a:xfrm>
+            <a:off x="2766060" y="2494613"/>
+            <a:ext cx="2320290" cy="738664"/>
+          </a:xfrm>
+          <a:prstGeom prst="rect">
+            <a:avLst/>
+          </a:prstGeom>
+          <a:noFill/>
+        </p:spPr>
+        <p:txBody>
+          <a:bodyPr wrap="square" rtlCol="0">
+            <a:spAutoFit/>
+          </a:bodyPr>
+          <a:lstStyle/>
+          <a:p>
+            <a:r>
+              <a:rPr lang="en-US" sz="1400" dirty="0"/>
+              <a:t>Try to remove sentence2, doesn’t have influence, remove it</a:t>
+            </a:r>
+          </a:p>
+        </p:txBody>
+      </p:sp>
+      <p:cxnSp>
+        <p:nvCxnSpPr>
+          <p:cNvPr id="30" name="Straight Connector 29">
+            <a:extLst>
+              <a:ext uri="{FF2B5EF4-FFF2-40B4-BE49-F238E27FC236}">
+                <a16:creationId xmlns:a16="http://schemas.microsoft.com/office/drawing/2014/main" id="{800220D4-9084-2625-9C14-4AF3CA839B14}"/>
+              </a:ext>
+            </a:extLst>
+          </p:cNvPr>
+          <p:cNvCxnSpPr>
+            <a:cxnSpLocks/>
+          </p:cNvCxnSpPr>
+          <p:nvPr/>
+        </p:nvCxnSpPr>
+        <p:spPr>
+          <a:xfrm>
+            <a:off x="3180522" y="1188425"/>
+            <a:ext cx="1574358" cy="0"/>
+          </a:xfrm>
+          <a:prstGeom prst="line">
+            <a:avLst/>
+          </a:prstGeom>
+          <a:ln>
+            <a:solidFill>
+              <a:schemeClr val="tx1"/>
+            </a:solidFill>
+          </a:ln>
+        </p:spPr>
+        <p:style>
+          <a:lnRef idx="2">
+            <a:schemeClr val="accent1"/>
+          </a:lnRef>
+          <a:fillRef idx="0">
+            <a:schemeClr val="accent1"/>
+          </a:fillRef>
+          <a:effectRef idx="1">
+            <a:schemeClr val="accent1"/>
+          </a:effectRef>
+          <a:fontRef idx="minor">
+            <a:schemeClr val="tx1"/>
+          </a:fontRef>
+        </p:style>
+      </p:cxnSp>
+      <p:sp>
+        <p:nvSpPr>
+          <p:cNvPr id="32" name="Rectangle 31">
+            <a:extLst>
+              <a:ext uri="{FF2B5EF4-FFF2-40B4-BE49-F238E27FC236}">
+                <a16:creationId xmlns:a16="http://schemas.microsoft.com/office/drawing/2014/main" id="{602B8157-86EA-A16C-2EFB-740AF98EC98C}"/>
+              </a:ext>
+            </a:extLst>
+          </p:cNvPr>
+          <p:cNvSpPr/>
+          <p:nvPr/>
+        </p:nvSpPr>
+        <p:spPr>
+          <a:xfrm>
+            <a:off x="5457825" y="862385"/>
+            <a:ext cx="1062990" cy="137160"/>
+          </a:xfrm>
+          <a:prstGeom prst="rect">
+            <a:avLst/>
+          </a:prstGeom>
+          <a:solidFill>
+            <a:schemeClr val="accent1"/>
+          </a:solidFill>
+        </p:spPr>
+        <p:style>
+          <a:lnRef idx="2">
+            <a:schemeClr val="accent1">
+              <a:shade val="15000"/>
+            </a:schemeClr>
+          </a:lnRef>
+          <a:fillRef idx="1">
+            <a:schemeClr val="accent1"/>
+          </a:fillRef>
+          <a:effectRef idx="0">
+            <a:schemeClr val="accent1"/>
+          </a:effectRef>
+          <a:fontRef idx="minor">
+            <a:schemeClr val="lt1"/>
+          </a:fontRef>
+        </p:style>
+        <p:txBody>
+          <a:bodyPr rtlCol="0" anchor="ctr"/>
+          <a:lstStyle/>
+          <a:p>
+            <a:pPr algn="ctr"/>
+            <a:endParaRPr lang="en-US">
+              <a:solidFill>
+                <a:srgbClr val="FF0000"/>
+              </a:solidFill>
+            </a:endParaRPr>
+          </a:p>
+        </p:txBody>
+      </p:sp>
+      <p:sp>
+        <p:nvSpPr>
+          <p:cNvPr id="34" name="Rectangle 33">
+            <a:extLst>
+              <a:ext uri="{FF2B5EF4-FFF2-40B4-BE49-F238E27FC236}">
+                <a16:creationId xmlns:a16="http://schemas.microsoft.com/office/drawing/2014/main" id="{02F7BC2E-AAE4-8636-CB1B-C55A184FDF40}"/>
+              </a:ext>
+            </a:extLst>
+          </p:cNvPr>
+          <p:cNvSpPr/>
+          <p:nvPr/>
+        </p:nvSpPr>
+        <p:spPr>
+          <a:xfrm>
+            <a:off x="5457825" y="1399595"/>
+            <a:ext cx="1062990" cy="137160"/>
+          </a:xfrm>
+          <a:prstGeom prst="rect">
+            <a:avLst/>
+          </a:prstGeom>
+          <a:solidFill>
+            <a:schemeClr val="accent1">
+              <a:alpha val="47000"/>
+            </a:schemeClr>
+          </a:solidFill>
+        </p:spPr>
+        <p:style>
+          <a:lnRef idx="2">
+            <a:schemeClr val="accent1">
+              <a:shade val="15000"/>
+            </a:schemeClr>
+          </a:lnRef>
+          <a:fillRef idx="1">
+            <a:schemeClr val="accent1"/>
+          </a:fillRef>
+          <a:effectRef idx="0">
+            <a:schemeClr val="accent1"/>
+          </a:effectRef>
+          <a:fontRef idx="minor">
+            <a:schemeClr val="lt1"/>
+          </a:fontRef>
+        </p:style>
+        <p:txBody>
+          <a:bodyPr rtlCol="0" anchor="ctr"/>
+          <a:lstStyle/>
+          <a:p>
+            <a:pPr algn="ctr"/>
+            <a:endParaRPr lang="en-US"/>
+          </a:p>
+        </p:txBody>
+      </p:sp>
+      <p:sp>
+        <p:nvSpPr>
+          <p:cNvPr id="35" name="Rectangle 34">
+            <a:extLst>
+              <a:ext uri="{FF2B5EF4-FFF2-40B4-BE49-F238E27FC236}">
+                <a16:creationId xmlns:a16="http://schemas.microsoft.com/office/drawing/2014/main" id="{85986B39-899A-6404-A5FF-50DEEF013033}"/>
+              </a:ext>
+            </a:extLst>
+          </p:cNvPr>
+          <p:cNvSpPr/>
+          <p:nvPr/>
+        </p:nvSpPr>
+        <p:spPr>
+          <a:xfrm>
+            <a:off x="5457825" y="1673915"/>
+            <a:ext cx="1062990" cy="137160"/>
+          </a:xfrm>
+          <a:prstGeom prst="rect">
+            <a:avLst/>
+          </a:prstGeom>
+        </p:spPr>
+        <p:style>
+          <a:lnRef idx="2">
+            <a:schemeClr val="accent1">
+              <a:shade val="15000"/>
+            </a:schemeClr>
+          </a:lnRef>
+          <a:fillRef idx="1">
+            <a:schemeClr val="accent1"/>
+          </a:fillRef>
+          <a:effectRef idx="0">
+            <a:schemeClr val="accent1"/>
+          </a:effectRef>
+          <a:fontRef idx="minor">
+            <a:schemeClr val="lt1"/>
+          </a:fontRef>
+        </p:style>
+        <p:txBody>
+          <a:bodyPr rtlCol="0" anchor="ctr"/>
+          <a:lstStyle/>
+          <a:p>
+            <a:pPr algn="ctr"/>
+            <a:endParaRPr lang="en-US"/>
+          </a:p>
+        </p:txBody>
+      </p:sp>
+      <p:sp>
+        <p:nvSpPr>
+          <p:cNvPr id="36" name="TextBox 35">
+            <a:extLst>
+              <a:ext uri="{FF2B5EF4-FFF2-40B4-BE49-F238E27FC236}">
+                <a16:creationId xmlns:a16="http://schemas.microsoft.com/office/drawing/2014/main" id="{A9A00618-15A4-1D10-5EBA-D1D625999160}"/>
+              </a:ext>
+            </a:extLst>
+          </p:cNvPr>
+          <p:cNvSpPr txBox="1"/>
+          <p:nvPr/>
+        </p:nvSpPr>
+        <p:spPr>
+          <a:xfrm>
+            <a:off x="5817870" y="1763569"/>
+            <a:ext cx="342900" cy="369332"/>
+          </a:xfrm>
+          <a:prstGeom prst="rect">
+            <a:avLst/>
+          </a:prstGeom>
+          <a:noFill/>
+        </p:spPr>
+        <p:txBody>
+          <a:bodyPr wrap="square" rtlCol="0">
+            <a:spAutoFit/>
+          </a:bodyPr>
+          <a:lstStyle/>
+          <a:p>
+            <a:r>
+              <a:rPr lang="en-US" dirty="0"/>
+              <a:t>…</a:t>
+            </a:r>
+          </a:p>
+        </p:txBody>
+      </p:sp>
+      <p:sp>
+        <p:nvSpPr>
+          <p:cNvPr id="37" name="Rectangle 36">
+            <a:extLst>
+              <a:ext uri="{FF2B5EF4-FFF2-40B4-BE49-F238E27FC236}">
+                <a16:creationId xmlns:a16="http://schemas.microsoft.com/office/drawing/2014/main" id="{1B4D7380-FF25-C9F8-12C1-447031239C7D}"/>
+              </a:ext>
+            </a:extLst>
+          </p:cNvPr>
+          <p:cNvSpPr/>
+          <p:nvPr/>
+        </p:nvSpPr>
+        <p:spPr>
+          <a:xfrm>
+            <a:off x="5457825" y="2165405"/>
+            <a:ext cx="1062990" cy="137160"/>
+          </a:xfrm>
+          <a:prstGeom prst="rect">
+            <a:avLst/>
+          </a:prstGeom>
+        </p:spPr>
+        <p:style>
+          <a:lnRef idx="2">
+            <a:schemeClr val="accent1">
+              <a:shade val="15000"/>
+            </a:schemeClr>
+          </a:lnRef>
+          <a:fillRef idx="1">
+            <a:schemeClr val="accent1"/>
+          </a:fillRef>
+          <a:effectRef idx="0">
+            <a:schemeClr val="accent1"/>
+          </a:effectRef>
+          <a:fontRef idx="minor">
+            <a:schemeClr val="lt1"/>
+          </a:fontRef>
+        </p:style>
+        <p:txBody>
+          <a:bodyPr rtlCol="0" anchor="ctr"/>
+          <a:lstStyle/>
+          <a:p>
+            <a:pPr algn="ctr"/>
+            <a:endParaRPr lang="en-US"/>
+          </a:p>
+        </p:txBody>
+      </p:sp>
+      <p:sp>
+        <p:nvSpPr>
+          <p:cNvPr id="38" name="TextBox 37">
+            <a:extLst>
+              <a:ext uri="{FF2B5EF4-FFF2-40B4-BE49-F238E27FC236}">
+                <a16:creationId xmlns:a16="http://schemas.microsoft.com/office/drawing/2014/main" id="{0B63C2E7-7112-E405-E0E1-62F73B11FF1A}"/>
+              </a:ext>
+            </a:extLst>
+          </p:cNvPr>
+          <p:cNvSpPr txBox="1"/>
+          <p:nvPr/>
+        </p:nvSpPr>
+        <p:spPr>
+          <a:xfrm>
+            <a:off x="6520815" y="786423"/>
+            <a:ext cx="342900" cy="369332"/>
+          </a:xfrm>
+          <a:prstGeom prst="rect">
+            <a:avLst/>
+          </a:prstGeom>
+          <a:noFill/>
+        </p:spPr>
+        <p:txBody>
+          <a:bodyPr wrap="square" rtlCol="0">
+            <a:spAutoFit/>
+          </a:bodyPr>
+          <a:lstStyle/>
+          <a:p>
+            <a:r>
+              <a:rPr lang="en-US" dirty="0"/>
+              <a:t>*</a:t>
+            </a:r>
+          </a:p>
+        </p:txBody>
+      </p:sp>
+      <p:sp>
+        <p:nvSpPr>
+          <p:cNvPr id="40" name="TextBox 39">
+            <a:extLst>
+              <a:ext uri="{FF2B5EF4-FFF2-40B4-BE49-F238E27FC236}">
+                <a16:creationId xmlns:a16="http://schemas.microsoft.com/office/drawing/2014/main" id="{E746E3FC-DFCB-2280-2547-6F9A40BB2F64}"/>
+              </a:ext>
+            </a:extLst>
+          </p:cNvPr>
+          <p:cNvSpPr txBox="1"/>
+          <p:nvPr/>
+        </p:nvSpPr>
+        <p:spPr>
+          <a:xfrm>
+            <a:off x="5000625" y="2499986"/>
+            <a:ext cx="2320290" cy="1169551"/>
+          </a:xfrm>
+          <a:prstGeom prst="rect">
+            <a:avLst/>
+          </a:prstGeom>
+          <a:noFill/>
+        </p:spPr>
+        <p:txBody>
+          <a:bodyPr wrap="square" rtlCol="0">
+            <a:spAutoFit/>
+          </a:bodyPr>
+          <a:lstStyle/>
+          <a:p>
+            <a:r>
+              <a:rPr lang="en-US" sz="1400" dirty="0"/>
+              <a:t>Try to remove sentence3 given sentence1 has influence, sentence2 no influence. Thus without sentence2 in the context</a:t>
+            </a:r>
+          </a:p>
+        </p:txBody>
+      </p:sp>
+      <p:sp>
+        <p:nvSpPr>
+          <p:cNvPr id="41" name="Rectangle 40">
+            <a:extLst>
+              <a:ext uri="{FF2B5EF4-FFF2-40B4-BE49-F238E27FC236}">
+                <a16:creationId xmlns:a16="http://schemas.microsoft.com/office/drawing/2014/main" id="{63C25057-31B2-5375-8A30-381D26F16146}"/>
+              </a:ext>
+            </a:extLst>
+          </p:cNvPr>
+          <p:cNvSpPr/>
+          <p:nvPr/>
+        </p:nvSpPr>
+        <p:spPr>
+          <a:xfrm>
+            <a:off x="8671974" y="853145"/>
+            <a:ext cx="1062990" cy="137160"/>
+          </a:xfrm>
+          <a:prstGeom prst="rect">
+            <a:avLst/>
+          </a:prstGeom>
+          <a:solidFill>
+            <a:schemeClr val="accent1"/>
+          </a:solidFill>
+        </p:spPr>
+        <p:style>
+          <a:lnRef idx="2">
+            <a:schemeClr val="accent1">
+              <a:shade val="15000"/>
+            </a:schemeClr>
+          </a:lnRef>
+          <a:fillRef idx="1">
+            <a:schemeClr val="accent1"/>
+          </a:fillRef>
+          <a:effectRef idx="0">
+            <a:schemeClr val="accent1"/>
+          </a:effectRef>
+          <a:fontRef idx="minor">
+            <a:schemeClr val="lt1"/>
+          </a:fontRef>
+        </p:style>
+        <p:txBody>
+          <a:bodyPr rtlCol="0" anchor="ctr"/>
+          <a:lstStyle/>
+          <a:p>
+            <a:pPr algn="ctr"/>
+            <a:endParaRPr lang="en-US">
+              <a:solidFill>
+                <a:srgbClr val="FF0000"/>
+              </a:solidFill>
+            </a:endParaRPr>
+          </a:p>
+        </p:txBody>
+      </p:sp>
+      <p:sp>
+        <p:nvSpPr>
+          <p:cNvPr id="42" name="Rectangle 41">
+            <a:extLst>
+              <a:ext uri="{FF2B5EF4-FFF2-40B4-BE49-F238E27FC236}">
+                <a16:creationId xmlns:a16="http://schemas.microsoft.com/office/drawing/2014/main" id="{86BEB130-402F-F974-2068-FD2D058BB88F}"/>
+              </a:ext>
+            </a:extLst>
+          </p:cNvPr>
+          <p:cNvSpPr/>
+          <p:nvPr/>
+        </p:nvSpPr>
+        <p:spPr>
+          <a:xfrm>
+            <a:off x="8671974" y="1390355"/>
+            <a:ext cx="1062990" cy="137160"/>
+          </a:xfrm>
+          <a:prstGeom prst="rect">
+            <a:avLst/>
+          </a:prstGeom>
+          <a:solidFill>
+            <a:schemeClr val="accent1"/>
+          </a:solidFill>
+        </p:spPr>
+        <p:style>
+          <a:lnRef idx="2">
+            <a:schemeClr val="accent1">
+              <a:shade val="15000"/>
+            </a:schemeClr>
+          </a:lnRef>
+          <a:fillRef idx="1">
+            <a:schemeClr val="accent1"/>
+          </a:fillRef>
+          <a:effectRef idx="0">
+            <a:schemeClr val="accent1"/>
+          </a:effectRef>
+          <a:fontRef idx="minor">
+            <a:schemeClr val="lt1"/>
+          </a:fontRef>
+        </p:style>
+        <p:txBody>
+          <a:bodyPr rtlCol="0" anchor="ctr"/>
+          <a:lstStyle/>
+          <a:p>
+            <a:pPr algn="ctr"/>
+            <a:endParaRPr lang="en-US"/>
+          </a:p>
+        </p:txBody>
+      </p:sp>
+      <p:sp>
+        <p:nvSpPr>
+          <p:cNvPr id="44" name="TextBox 43">
+            <a:extLst>
+              <a:ext uri="{FF2B5EF4-FFF2-40B4-BE49-F238E27FC236}">
+                <a16:creationId xmlns:a16="http://schemas.microsoft.com/office/drawing/2014/main" id="{5B12F09B-EF33-7FDE-3BEB-574B6F34440E}"/>
+              </a:ext>
+            </a:extLst>
+          </p:cNvPr>
+          <p:cNvSpPr txBox="1"/>
+          <p:nvPr/>
+        </p:nvSpPr>
+        <p:spPr>
+          <a:xfrm>
+            <a:off x="9032019" y="1754329"/>
+            <a:ext cx="342900" cy="369332"/>
+          </a:xfrm>
+          <a:prstGeom prst="rect">
+            <a:avLst/>
+          </a:prstGeom>
+          <a:noFill/>
+        </p:spPr>
+        <p:txBody>
+          <a:bodyPr wrap="square" rtlCol="0">
+            <a:spAutoFit/>
+          </a:bodyPr>
+          <a:lstStyle/>
+          <a:p>
+            <a:r>
+              <a:rPr lang="en-US" dirty="0"/>
+              <a:t>…</a:t>
+            </a:r>
+          </a:p>
+        </p:txBody>
+      </p:sp>
+      <p:sp>
+        <p:nvSpPr>
+          <p:cNvPr id="45" name="Rectangle 44">
+            <a:extLst>
+              <a:ext uri="{FF2B5EF4-FFF2-40B4-BE49-F238E27FC236}">
+                <a16:creationId xmlns:a16="http://schemas.microsoft.com/office/drawing/2014/main" id="{36657212-F816-CD47-7A27-F27EA09AF88A}"/>
+              </a:ext>
+            </a:extLst>
+          </p:cNvPr>
+          <p:cNvSpPr/>
+          <p:nvPr/>
+        </p:nvSpPr>
+        <p:spPr>
+          <a:xfrm>
+            <a:off x="8671974" y="2156165"/>
+            <a:ext cx="1062990" cy="137160"/>
+          </a:xfrm>
+          <a:prstGeom prst="rect">
+            <a:avLst/>
+          </a:prstGeom>
+        </p:spPr>
+        <p:style>
+          <a:lnRef idx="2">
+            <a:schemeClr val="accent1">
+              <a:shade val="15000"/>
+            </a:schemeClr>
+          </a:lnRef>
+          <a:fillRef idx="1">
+            <a:schemeClr val="accent1"/>
+          </a:fillRef>
+          <a:effectRef idx="0">
+            <a:schemeClr val="accent1"/>
+          </a:effectRef>
+          <a:fontRef idx="minor">
+            <a:schemeClr val="lt1"/>
+          </a:fontRef>
+        </p:style>
+        <p:txBody>
+          <a:bodyPr rtlCol="0" anchor="ctr"/>
+          <a:lstStyle/>
+          <a:p>
+            <a:pPr algn="ctr"/>
+            <a:endParaRPr lang="en-US"/>
+          </a:p>
+        </p:txBody>
+      </p:sp>
+      <p:sp>
+        <p:nvSpPr>
+          <p:cNvPr id="46" name="TextBox 45">
+            <a:extLst>
+              <a:ext uri="{FF2B5EF4-FFF2-40B4-BE49-F238E27FC236}">
+                <a16:creationId xmlns:a16="http://schemas.microsoft.com/office/drawing/2014/main" id="{0E9266EC-A4C0-7AE6-496F-E62F084FA88B}"/>
+              </a:ext>
+            </a:extLst>
+          </p:cNvPr>
+          <p:cNvSpPr txBox="1"/>
+          <p:nvPr/>
+        </p:nvSpPr>
+        <p:spPr>
+          <a:xfrm>
+            <a:off x="9734964" y="777183"/>
+            <a:ext cx="342900" cy="369332"/>
+          </a:xfrm>
+          <a:prstGeom prst="rect">
+            <a:avLst/>
+          </a:prstGeom>
+          <a:noFill/>
+        </p:spPr>
+        <p:txBody>
+          <a:bodyPr wrap="square" rtlCol="0">
+            <a:spAutoFit/>
+          </a:bodyPr>
+          <a:lstStyle/>
+          <a:p>
+            <a:r>
+              <a:rPr lang="en-US" dirty="0"/>
+              <a:t>*</a:t>
+            </a:r>
+          </a:p>
+        </p:txBody>
+      </p:sp>
+      <p:sp>
+        <p:nvSpPr>
+          <p:cNvPr id="47" name="TextBox 46">
+            <a:extLst>
+              <a:ext uri="{FF2B5EF4-FFF2-40B4-BE49-F238E27FC236}">
+                <a16:creationId xmlns:a16="http://schemas.microsoft.com/office/drawing/2014/main" id="{65D6F095-D83C-8F7F-2A4C-739BCC7C835D}"/>
+              </a:ext>
+            </a:extLst>
+          </p:cNvPr>
+          <p:cNvSpPr txBox="1"/>
+          <p:nvPr/>
+        </p:nvSpPr>
+        <p:spPr>
+          <a:xfrm>
+            <a:off x="9734964" y="1302844"/>
+            <a:ext cx="342900" cy="369332"/>
+          </a:xfrm>
+          <a:prstGeom prst="rect">
+            <a:avLst/>
+          </a:prstGeom>
+          <a:noFill/>
+        </p:spPr>
+        <p:txBody>
+          <a:bodyPr wrap="square" rtlCol="0">
+            <a:spAutoFit/>
+          </a:bodyPr>
+          <a:lstStyle/>
+          <a:p>
+            <a:r>
+              <a:rPr lang="en-US" dirty="0"/>
+              <a:t>*</a:t>
+            </a:r>
+          </a:p>
+        </p:txBody>
+      </p:sp>
+      <p:sp>
+        <p:nvSpPr>
+          <p:cNvPr id="48" name="TextBox 47">
+            <a:extLst>
+              <a:ext uri="{FF2B5EF4-FFF2-40B4-BE49-F238E27FC236}">
+                <a16:creationId xmlns:a16="http://schemas.microsoft.com/office/drawing/2014/main" id="{77236F58-9397-F869-7ED0-5FB201DA63B8}"/>
+              </a:ext>
+            </a:extLst>
+          </p:cNvPr>
+          <p:cNvSpPr txBox="1"/>
+          <p:nvPr/>
+        </p:nvSpPr>
+        <p:spPr>
+          <a:xfrm>
+            <a:off x="9734964" y="2049319"/>
+            <a:ext cx="342900" cy="369332"/>
+          </a:xfrm>
+          <a:prstGeom prst="rect">
+            <a:avLst/>
+          </a:prstGeom>
+          <a:noFill/>
+        </p:spPr>
+        <p:txBody>
+          <a:bodyPr wrap="square" rtlCol="0">
+            <a:spAutoFit/>
+          </a:bodyPr>
+          <a:lstStyle/>
+          <a:p>
+            <a:r>
+              <a:rPr lang="en-US" dirty="0"/>
+              <a:t>*</a:t>
+            </a:r>
+          </a:p>
+        </p:txBody>
+      </p:sp>
+      <p:sp>
+        <p:nvSpPr>
+          <p:cNvPr id="49" name="Right Arrow 48">
+            <a:extLst>
+              <a:ext uri="{FF2B5EF4-FFF2-40B4-BE49-F238E27FC236}">
+                <a16:creationId xmlns:a16="http://schemas.microsoft.com/office/drawing/2014/main" id="{DDEE6070-5862-C487-0C3A-AE4BC697C1DF}"/>
+              </a:ext>
+            </a:extLst>
+          </p:cNvPr>
+          <p:cNvSpPr/>
+          <p:nvPr/>
+        </p:nvSpPr>
+        <p:spPr>
+          <a:xfrm>
+            <a:off x="2504329" y="1458935"/>
+            <a:ext cx="342900" cy="274320"/>
+          </a:xfrm>
+          <a:prstGeom prst="rightArrow">
+            <a:avLst/>
+          </a:prstGeom>
+        </p:spPr>
+        <p:style>
+          <a:lnRef idx="2">
+            <a:schemeClr val="accent1">
+              <a:shade val="15000"/>
+            </a:schemeClr>
+          </a:lnRef>
+          <a:fillRef idx="1">
+            <a:schemeClr val="accent1"/>
+          </a:fillRef>
+          <a:effectRef idx="0">
+            <a:schemeClr val="accent1"/>
+          </a:effectRef>
+          <a:fontRef idx="minor">
+            <a:schemeClr val="lt1"/>
+          </a:fontRef>
+        </p:style>
+        <p:txBody>
+          <a:bodyPr rtlCol="0" anchor="ctr"/>
+          <a:lstStyle/>
+          <a:p>
+            <a:pPr algn="ctr"/>
+            <a:endParaRPr lang="en-US"/>
+          </a:p>
+        </p:txBody>
+      </p:sp>
+      <p:sp>
+        <p:nvSpPr>
+          <p:cNvPr id="50" name="Right Arrow 49">
+            <a:extLst>
+              <a:ext uri="{FF2B5EF4-FFF2-40B4-BE49-F238E27FC236}">
+                <a16:creationId xmlns:a16="http://schemas.microsoft.com/office/drawing/2014/main" id="{274042A3-C791-1252-3925-31C9576C56B3}"/>
+              </a:ext>
+            </a:extLst>
+          </p:cNvPr>
+          <p:cNvSpPr/>
+          <p:nvPr/>
+        </p:nvSpPr>
+        <p:spPr>
+          <a:xfrm>
+            <a:off x="4776207" y="1468175"/>
+            <a:ext cx="342900" cy="274320"/>
+          </a:xfrm>
+          <a:prstGeom prst="rightArrow">
+            <a:avLst/>
+          </a:prstGeom>
+        </p:spPr>
+        <p:style>
+          <a:lnRef idx="2">
+            <a:schemeClr val="accent1">
+              <a:shade val="15000"/>
+            </a:schemeClr>
+          </a:lnRef>
+          <a:fillRef idx="1">
+            <a:schemeClr val="accent1"/>
+          </a:fillRef>
+          <a:effectRef idx="0">
+            <a:schemeClr val="accent1"/>
+          </a:effectRef>
+          <a:fontRef idx="minor">
+            <a:schemeClr val="lt1"/>
+          </a:fontRef>
+        </p:style>
+        <p:txBody>
+          <a:bodyPr rtlCol="0" anchor="ctr"/>
+          <a:lstStyle/>
+          <a:p>
+            <a:pPr algn="ctr"/>
+            <a:endParaRPr lang="en-US"/>
+          </a:p>
+        </p:txBody>
+      </p:sp>
+      <p:sp>
+        <p:nvSpPr>
+          <p:cNvPr id="51" name="Right Arrow 50">
+            <a:extLst>
+              <a:ext uri="{FF2B5EF4-FFF2-40B4-BE49-F238E27FC236}">
+                <a16:creationId xmlns:a16="http://schemas.microsoft.com/office/drawing/2014/main" id="{8402761B-4B0B-5922-1239-8A12A7AACF63}"/>
+              </a:ext>
+            </a:extLst>
+          </p:cNvPr>
+          <p:cNvSpPr/>
+          <p:nvPr/>
+        </p:nvSpPr>
+        <p:spPr>
+          <a:xfrm>
+            <a:off x="6876635" y="1456155"/>
+            <a:ext cx="342900" cy="274320"/>
+          </a:xfrm>
+          <a:prstGeom prst="rightArrow">
+            <a:avLst/>
+          </a:prstGeom>
+        </p:spPr>
+        <p:style>
+          <a:lnRef idx="2">
+            <a:schemeClr val="accent1">
+              <a:shade val="15000"/>
+            </a:schemeClr>
+          </a:lnRef>
+          <a:fillRef idx="1">
+            <a:schemeClr val="accent1"/>
+          </a:fillRef>
+          <a:effectRef idx="0">
+            <a:schemeClr val="accent1"/>
+          </a:effectRef>
+          <a:fontRef idx="minor">
+            <a:schemeClr val="lt1"/>
+          </a:fontRef>
+        </p:style>
+        <p:txBody>
+          <a:bodyPr rtlCol="0" anchor="ctr"/>
+          <a:lstStyle/>
+          <a:p>
+            <a:pPr algn="ctr"/>
+            <a:endParaRPr lang="en-US"/>
+          </a:p>
+        </p:txBody>
+      </p:sp>
+      <p:sp>
+        <p:nvSpPr>
+          <p:cNvPr id="52" name="Right Arrow 51">
+            <a:extLst>
+              <a:ext uri="{FF2B5EF4-FFF2-40B4-BE49-F238E27FC236}">
+                <a16:creationId xmlns:a16="http://schemas.microsoft.com/office/drawing/2014/main" id="{DE53A293-7AD8-8187-2765-343F41CE09F9}"/>
+              </a:ext>
+            </a:extLst>
+          </p:cNvPr>
+          <p:cNvSpPr/>
+          <p:nvPr/>
+        </p:nvSpPr>
+        <p:spPr>
+          <a:xfrm>
+            <a:off x="8000379" y="1456155"/>
+            <a:ext cx="342900" cy="274320"/>
+          </a:xfrm>
+          <a:prstGeom prst="rightArrow">
+            <a:avLst/>
+          </a:prstGeom>
+        </p:spPr>
+        <p:style>
+          <a:lnRef idx="2">
+            <a:schemeClr val="accent1">
+              <a:shade val="15000"/>
+            </a:schemeClr>
+          </a:lnRef>
+          <a:fillRef idx="1">
+            <a:schemeClr val="accent1"/>
+          </a:fillRef>
+          <a:effectRef idx="0">
+            <a:schemeClr val="accent1"/>
+          </a:effectRef>
+          <a:fontRef idx="minor">
+            <a:schemeClr val="lt1"/>
+          </a:fontRef>
+        </p:style>
+        <p:txBody>
+          <a:bodyPr rtlCol="0" anchor="ctr"/>
+          <a:lstStyle/>
+          <a:p>
+            <a:pPr algn="ctr"/>
+            <a:endParaRPr lang="en-US"/>
+          </a:p>
+        </p:txBody>
+      </p:sp>
+      <p:sp>
+        <p:nvSpPr>
+          <p:cNvPr id="53" name="TextBox 52">
+            <a:extLst>
+              <a:ext uri="{FF2B5EF4-FFF2-40B4-BE49-F238E27FC236}">
+                <a16:creationId xmlns:a16="http://schemas.microsoft.com/office/drawing/2014/main" id="{A143A976-E4DC-38E2-F1BF-0348A3EA2816}"/>
+              </a:ext>
+            </a:extLst>
+          </p:cNvPr>
+          <p:cNvSpPr txBox="1"/>
+          <p:nvPr/>
+        </p:nvSpPr>
+        <p:spPr>
+          <a:xfrm>
+            <a:off x="7110949" y="651691"/>
+            <a:ext cx="1139729" cy="738664"/>
+          </a:xfrm>
+          <a:prstGeom prst="rect">
+            <a:avLst/>
+          </a:prstGeom>
+          <a:noFill/>
+        </p:spPr>
+        <p:txBody>
+          <a:bodyPr wrap="square" rtlCol="0">
+            <a:spAutoFit/>
+          </a:bodyPr>
+          <a:lstStyle/>
+          <a:p>
+            <a:r>
+              <a:rPr lang="en-US" sz="1400" dirty="0"/>
+              <a:t>Try n times (n is # of sentences)</a:t>
+            </a:r>
+          </a:p>
+        </p:txBody>
+      </p:sp>
+      <p:sp>
+        <p:nvSpPr>
+          <p:cNvPr id="54" name="TextBox 53">
+            <a:extLst>
+              <a:ext uri="{FF2B5EF4-FFF2-40B4-BE49-F238E27FC236}">
+                <a16:creationId xmlns:a16="http://schemas.microsoft.com/office/drawing/2014/main" id="{CCC919D3-40B8-E130-896A-21FA8A24426D}"/>
+              </a:ext>
+            </a:extLst>
+          </p:cNvPr>
+          <p:cNvSpPr txBox="1"/>
+          <p:nvPr/>
+        </p:nvSpPr>
+        <p:spPr>
+          <a:xfrm>
+            <a:off x="7461782" y="1352089"/>
+            <a:ext cx="342900" cy="369332"/>
+          </a:xfrm>
+          <a:prstGeom prst="rect">
+            <a:avLst/>
+          </a:prstGeom>
+          <a:noFill/>
+        </p:spPr>
+        <p:txBody>
+          <a:bodyPr wrap="square" rtlCol="0">
+            <a:spAutoFit/>
+          </a:bodyPr>
+          <a:lstStyle/>
+          <a:p>
+            <a:r>
+              <a:rPr lang="en-US" dirty="0"/>
+              <a:t>…</a:t>
+            </a:r>
+          </a:p>
+        </p:txBody>
+      </p:sp>
+      <p:sp>
+        <p:nvSpPr>
+          <p:cNvPr id="55" name="TextBox 54">
+            <a:extLst>
+              <a:ext uri="{FF2B5EF4-FFF2-40B4-BE49-F238E27FC236}">
+                <a16:creationId xmlns:a16="http://schemas.microsoft.com/office/drawing/2014/main" id="{E8AD4E31-8C33-5275-EC33-CA27E43571BA}"/>
+              </a:ext>
+            </a:extLst>
+          </p:cNvPr>
+          <p:cNvSpPr txBox="1"/>
+          <p:nvPr/>
+        </p:nvSpPr>
+        <p:spPr>
+          <a:xfrm>
+            <a:off x="8343279" y="2624331"/>
+            <a:ext cx="1866879" cy="307777"/>
+          </a:xfrm>
+          <a:prstGeom prst="rect">
+            <a:avLst/>
+          </a:prstGeom>
+          <a:noFill/>
+        </p:spPr>
+        <p:txBody>
+          <a:bodyPr wrap="square" rtlCol="0">
+            <a:spAutoFit/>
+          </a:bodyPr>
+          <a:lstStyle/>
+          <a:p>
+            <a:r>
+              <a:rPr lang="en-US" sz="1400" dirty="0"/>
+              <a:t>Obtain ground truth </a:t>
+            </a:r>
+          </a:p>
+        </p:txBody>
+      </p:sp>
+      <mc:AlternateContent xmlns:mc="http://schemas.openxmlformats.org/markup-compatibility/2006" xmlns:a14="http://schemas.microsoft.com/office/drawing/2010/main">
+        <mc:Choice Requires="a14">
+          <p:sp>
+            <p:nvSpPr>
+              <p:cNvPr id="56" name="TextBox 55">
+                <a:extLst>
+                  <a:ext uri="{FF2B5EF4-FFF2-40B4-BE49-F238E27FC236}">
+                    <a16:creationId xmlns:a16="http://schemas.microsoft.com/office/drawing/2014/main" id="{8674D77B-5EDA-CE45-F119-88FD728DA313}"/>
+                  </a:ext>
+                </a:extLst>
+              </p:cNvPr>
+              <p:cNvSpPr txBox="1"/>
+              <p:nvPr/>
+            </p:nvSpPr>
+            <p:spPr>
+              <a:xfrm>
+                <a:off x="3201169" y="3669586"/>
+                <a:ext cx="5789662" cy="784574"/>
+              </a:xfrm>
+              <a:prstGeom prst="rect">
+                <a:avLst/>
+              </a:prstGeom>
+              <a:noFill/>
+            </p:spPr>
+            <p:txBody>
+              <a:bodyPr wrap="none" lIns="0" tIns="0" rIns="0" bIns="0" rtlCol="0">
+                <a:spAutoFit/>
+              </a:bodyPr>
+              <a:lstStyle/>
+              <a:p>
+                <a:pPr/>
+                <a14:m>
+                  <m:oMathPara xmlns:m="http://schemas.openxmlformats.org/officeDocument/2006/math">
+                    <m:oMathParaPr>
+                      <m:jc m:val="centerGroup"/>
+                    </m:oMathParaPr>
+                    <m:oMath xmlns:m="http://schemas.openxmlformats.org/officeDocument/2006/math">
+                      <m:r>
+                        <a:rPr lang="en-US" b="0" i="1" smtClean="0">
+                          <a:latin typeface="Cambria Math" panose="02040503050406030204" pitchFamily="18" charset="0"/>
+                        </a:rPr>
+                        <m:t>𝑃</m:t>
+                      </m:r>
+                      <m:d>
+                        <m:dPr>
+                          <m:ctrlPr>
+                            <a:rPr lang="en-US" b="0" i="1" smtClean="0">
+                              <a:latin typeface="Cambria Math" panose="02040503050406030204" pitchFamily="18" charset="0"/>
+                            </a:rPr>
+                          </m:ctrlPr>
+                        </m:dPr>
+                        <m:e>
+                          <m:r>
+                            <a:rPr lang="en-US" b="0" i="1" smtClean="0">
+                              <a:latin typeface="Cambria Math" panose="02040503050406030204" pitchFamily="18" charset="0"/>
+                            </a:rPr>
+                            <m:t>𝑠𝑒𝑛𝑡𝑒𝑛𝑐𝑒</m:t>
+                          </m:r>
+                          <m:r>
+                            <a:rPr lang="en-US" b="0" i="1" smtClean="0">
+                              <a:latin typeface="Cambria Math" panose="02040503050406030204" pitchFamily="18" charset="0"/>
+                            </a:rPr>
+                            <m:t> </m:t>
+                          </m:r>
+                          <m:r>
+                            <a:rPr lang="en-US" b="0" i="1" smtClean="0">
+                              <a:latin typeface="Cambria Math" panose="02040503050406030204" pitchFamily="18" charset="0"/>
+                            </a:rPr>
+                            <m:t>𝑘</m:t>
+                          </m:r>
+                        </m:e>
+                      </m:d>
+                      <m:r>
+                        <a:rPr lang="en-US" b="0" i="1" smtClean="0">
+                          <a:latin typeface="Cambria Math" panose="02040503050406030204" pitchFamily="18" charset="0"/>
+                        </a:rPr>
+                        <m:t>= </m:t>
+                      </m:r>
+                      <m:nary>
+                        <m:naryPr>
+                          <m:chr m:val="∏"/>
+                          <m:ctrlPr>
+                            <a:rPr lang="en-US" b="0" i="1" smtClean="0">
+                              <a:latin typeface="Cambria Math" panose="02040503050406030204" pitchFamily="18" charset="0"/>
+                            </a:rPr>
+                          </m:ctrlPr>
+                        </m:naryPr>
+                        <m:sub>
+                          <m:r>
+                            <m:rPr>
+                              <m:brk m:alnAt="23"/>
+                            </m:rPr>
+                            <a:rPr lang="en-US" b="0" i="1" smtClean="0">
+                              <a:latin typeface="Cambria Math" panose="02040503050406030204" pitchFamily="18" charset="0"/>
+                            </a:rPr>
+                            <m:t>𝑖</m:t>
+                          </m:r>
+                          <m:r>
+                            <a:rPr lang="en-US" b="0" i="1" smtClean="0">
+                              <a:latin typeface="Cambria Math" panose="02040503050406030204" pitchFamily="18" charset="0"/>
+                            </a:rPr>
+                            <m:t>=</m:t>
+                          </m:r>
+                          <m:r>
+                            <a:rPr lang="en-US" b="0" i="1" smtClean="0">
+                              <a:latin typeface="Cambria Math" panose="02040503050406030204" pitchFamily="18" charset="0"/>
+                            </a:rPr>
+                            <m:t>𝑜</m:t>
+                          </m:r>
+                        </m:sub>
+                        <m:sup>
+                          <m:r>
+                            <a:rPr lang="en-US" b="0" i="1" smtClean="0">
+                              <a:latin typeface="Cambria Math" panose="02040503050406030204" pitchFamily="18" charset="0"/>
+                            </a:rPr>
+                            <m:t>𝑘</m:t>
+                          </m:r>
+                        </m:sup>
+                        <m:e>
+                          <m:r>
+                            <a:rPr lang="en-US" b="0" i="1" smtClean="0">
+                              <a:latin typeface="Cambria Math" panose="02040503050406030204" pitchFamily="18" charset="0"/>
+                            </a:rPr>
+                            <m:t>𝑃</m:t>
+                          </m:r>
+                          <m:d>
+                            <m:dPr>
+                              <m:endChr m:val="|"/>
+                              <m:ctrlPr>
+                                <a:rPr lang="en-US" b="0" i="1" smtClean="0">
+                                  <a:latin typeface="Cambria Math" panose="02040503050406030204" pitchFamily="18" charset="0"/>
+                                </a:rPr>
+                              </m:ctrlPr>
+                            </m:dPr>
+                            <m:e>
+                              <m:r>
+                                <a:rPr lang="en-US" b="0" i="1" smtClean="0">
+                                  <a:latin typeface="Cambria Math" panose="02040503050406030204" pitchFamily="18" charset="0"/>
+                                </a:rPr>
+                                <m:t>𝑠𝑒𝑛𝑡𝑒𝑛𝑐𝑒</m:t>
+                              </m:r>
+                              <m:r>
+                                <a:rPr lang="en-US" b="0" i="1" smtClean="0">
+                                  <a:latin typeface="Cambria Math" panose="02040503050406030204" pitchFamily="18" charset="0"/>
+                                </a:rPr>
+                                <m:t> </m:t>
+                              </m:r>
+                              <m:r>
+                                <a:rPr lang="en-US" b="0" i="1" smtClean="0">
+                                  <a:latin typeface="Cambria Math" panose="02040503050406030204" pitchFamily="18" charset="0"/>
+                                </a:rPr>
+                                <m:t>𝑖</m:t>
+                              </m:r>
+                              <m:r>
+                                <a:rPr lang="en-US" b="0" i="1" smtClean="0">
+                                  <a:latin typeface="Cambria Math" panose="02040503050406030204" pitchFamily="18" charset="0"/>
+                                </a:rPr>
+                                <m:t> </m:t>
+                              </m:r>
+                            </m:e>
+                          </m:d>
+                          <m:r>
+                            <a:rPr lang="en-US" b="0" i="1" smtClean="0">
+                              <a:latin typeface="Cambria Math" panose="02040503050406030204" pitchFamily="18" charset="0"/>
+                            </a:rPr>
+                            <m:t> </m:t>
+                          </m:r>
+                          <m:r>
+                            <a:rPr lang="en-US" b="0" i="1" smtClean="0">
+                              <a:latin typeface="Cambria Math" panose="02040503050406030204" pitchFamily="18" charset="0"/>
+                            </a:rPr>
+                            <m:t>𝑠𝑒𝑛𝑡𝑒𝑛𝑐𝑒𝑠</m:t>
+                          </m:r>
+                          <m:r>
+                            <a:rPr lang="en-US" b="0" i="1" smtClean="0">
+                              <a:latin typeface="Cambria Math" panose="02040503050406030204" pitchFamily="18" charset="0"/>
+                            </a:rPr>
+                            <m:t>[0 :</m:t>
+                          </m:r>
+                          <m:r>
+                            <a:rPr lang="en-US" b="0" i="1" smtClean="0">
+                              <a:latin typeface="Cambria Math" panose="02040503050406030204" pitchFamily="18" charset="0"/>
+                            </a:rPr>
+                            <m:t>𝑖</m:t>
+                          </m:r>
+                          <m:r>
+                            <a:rPr lang="en-US" b="0" i="1" smtClean="0">
+                              <a:latin typeface="Cambria Math" panose="02040503050406030204" pitchFamily="18" charset="0"/>
+                            </a:rPr>
+                            <m:t>−1])</m:t>
+                          </m:r>
+                        </m:e>
+                      </m:nary>
+                    </m:oMath>
+                  </m:oMathPara>
+                </a14:m>
+                <a:endParaRPr lang="en-US" dirty="0"/>
+              </a:p>
+            </p:txBody>
+          </p:sp>
+        </mc:Choice>
+        <mc:Fallback xmlns="">
+          <p:sp>
+            <p:nvSpPr>
+              <p:cNvPr id="56" name="TextBox 55">
+                <a:extLst>
+                  <a:ext uri="{FF2B5EF4-FFF2-40B4-BE49-F238E27FC236}">
+                    <a16:creationId xmlns:a16="http://schemas.microsoft.com/office/drawing/2014/main" id="{8674D77B-5EDA-CE45-F119-88FD728DA313}"/>
+                  </a:ext>
+                </a:extLst>
+              </p:cNvPr>
+              <p:cNvSpPr txBox="1">
+                <a:spLocks noRot="1" noChangeAspect="1" noMove="1" noResize="1" noEditPoints="1" noAdjustHandles="1" noChangeArrowheads="1" noChangeShapeType="1" noTextEdit="1"/>
+              </p:cNvSpPr>
+              <p:nvPr/>
+            </p:nvSpPr>
+            <p:spPr>
+              <a:xfrm>
+                <a:off x="3201169" y="3669586"/>
+                <a:ext cx="5789662" cy="784574"/>
+              </a:xfrm>
+              <a:prstGeom prst="rect">
+                <a:avLst/>
+              </a:prstGeom>
+              <a:blipFill>
+                <a:blip r:embed="rId2"/>
+                <a:stretch>
+                  <a:fillRect l="-658" t="-109524" r="-1096" b="-171429"/>
+                </a:stretch>
+              </a:blipFill>
+            </p:spPr>
+            <p:txBody>
+              <a:bodyPr/>
+              <a:lstStyle/>
+              <a:p>
+                <a:r>
+                  <a:rPr lang="en-US">
+                    <a:noFill/>
+                  </a:rPr>
+                  <a:t> </a:t>
+                </a:r>
+              </a:p>
+            </p:txBody>
+          </p:sp>
+        </mc:Fallback>
+      </mc:AlternateContent>
+      <p:sp>
+        <p:nvSpPr>
+          <p:cNvPr id="57" name="TextBox 56">
+            <a:extLst>
+              <a:ext uri="{FF2B5EF4-FFF2-40B4-BE49-F238E27FC236}">
+                <a16:creationId xmlns:a16="http://schemas.microsoft.com/office/drawing/2014/main" id="{FD1F40E2-2311-3454-2DCB-20FD9B3D8FC5}"/>
+              </a:ext>
+            </a:extLst>
+          </p:cNvPr>
+          <p:cNvSpPr txBox="1"/>
+          <p:nvPr/>
+        </p:nvSpPr>
+        <p:spPr>
+          <a:xfrm>
+            <a:off x="880110" y="378544"/>
+            <a:ext cx="1062990" cy="307777"/>
+          </a:xfrm>
+          <a:prstGeom prst="rect">
+            <a:avLst/>
+          </a:prstGeom>
+          <a:noFill/>
+        </p:spPr>
+        <p:txBody>
+          <a:bodyPr wrap="square" rtlCol="0">
+            <a:spAutoFit/>
+          </a:bodyPr>
+          <a:lstStyle/>
+          <a:p>
+            <a:r>
+              <a:rPr lang="en-US" sz="1400" dirty="0"/>
+              <a:t>Time step 1</a:t>
+            </a:r>
+          </a:p>
+        </p:txBody>
+      </p:sp>
+      <p:sp>
+        <p:nvSpPr>
+          <p:cNvPr id="58" name="TextBox 57">
+            <a:extLst>
+              <a:ext uri="{FF2B5EF4-FFF2-40B4-BE49-F238E27FC236}">
+                <a16:creationId xmlns:a16="http://schemas.microsoft.com/office/drawing/2014/main" id="{65675F50-2595-1D61-DCA9-84CE83A74910}"/>
+              </a:ext>
+            </a:extLst>
+          </p:cNvPr>
+          <p:cNvSpPr txBox="1"/>
+          <p:nvPr/>
+        </p:nvSpPr>
+        <p:spPr>
+          <a:xfrm>
+            <a:off x="3457509" y="377430"/>
+            <a:ext cx="1062990" cy="307777"/>
+          </a:xfrm>
+          <a:prstGeom prst="rect">
+            <a:avLst/>
+          </a:prstGeom>
+          <a:noFill/>
+        </p:spPr>
+        <p:txBody>
+          <a:bodyPr wrap="square" rtlCol="0">
+            <a:spAutoFit/>
+          </a:bodyPr>
+          <a:lstStyle/>
+          <a:p>
+            <a:r>
+              <a:rPr lang="en-US" sz="1400" dirty="0"/>
+              <a:t>Time step 2</a:t>
+            </a:r>
+          </a:p>
+        </p:txBody>
+      </p:sp>
+      <p:sp>
+        <p:nvSpPr>
+          <p:cNvPr id="59" name="TextBox 58">
+            <a:extLst>
+              <a:ext uri="{FF2B5EF4-FFF2-40B4-BE49-F238E27FC236}">
+                <a16:creationId xmlns:a16="http://schemas.microsoft.com/office/drawing/2014/main" id="{0D3F749F-287B-449E-B74F-D3D5E5E7F0C9}"/>
+              </a:ext>
+            </a:extLst>
+          </p:cNvPr>
+          <p:cNvSpPr txBox="1"/>
+          <p:nvPr/>
+        </p:nvSpPr>
+        <p:spPr>
+          <a:xfrm>
+            <a:off x="5350141" y="377430"/>
+            <a:ext cx="1081512" cy="307777"/>
+          </a:xfrm>
+          <a:prstGeom prst="rect">
+            <a:avLst/>
+          </a:prstGeom>
+          <a:noFill/>
+        </p:spPr>
+        <p:txBody>
+          <a:bodyPr wrap="square" rtlCol="0">
+            <a:spAutoFit/>
+          </a:bodyPr>
+          <a:lstStyle/>
+          <a:p>
+            <a:r>
+              <a:rPr lang="en-US" sz="1400" dirty="0"/>
+              <a:t>Time step 3</a:t>
+            </a:r>
+          </a:p>
+        </p:txBody>
+      </p:sp>
+      <p:sp>
+        <p:nvSpPr>
+          <p:cNvPr id="60" name="TextBox 59">
+            <a:extLst>
+              <a:ext uri="{FF2B5EF4-FFF2-40B4-BE49-F238E27FC236}">
+                <a16:creationId xmlns:a16="http://schemas.microsoft.com/office/drawing/2014/main" id="{55C4533F-13DC-1B3E-4728-B598F469DF8C}"/>
+              </a:ext>
+            </a:extLst>
+          </p:cNvPr>
+          <p:cNvSpPr txBox="1"/>
+          <p:nvPr/>
+        </p:nvSpPr>
+        <p:spPr>
+          <a:xfrm>
+            <a:off x="8671974" y="377429"/>
+            <a:ext cx="1137686" cy="307777"/>
+          </a:xfrm>
+          <a:prstGeom prst="rect">
+            <a:avLst/>
+          </a:prstGeom>
+          <a:noFill/>
+        </p:spPr>
+        <p:txBody>
+          <a:bodyPr wrap="square" rtlCol="0">
+            <a:spAutoFit/>
+          </a:bodyPr>
+          <a:lstStyle/>
+          <a:p>
+            <a:r>
+              <a:rPr lang="en-US" sz="1400" dirty="0"/>
+              <a:t>Time step n</a:t>
+            </a:r>
+          </a:p>
+        </p:txBody>
+      </p:sp>
+      <mc:AlternateContent xmlns:mc="http://schemas.openxmlformats.org/markup-compatibility/2006" xmlns:a14="http://schemas.microsoft.com/office/drawing/2010/main">
+        <mc:Choice Requires="a14">
+          <p:sp>
+            <p:nvSpPr>
+              <p:cNvPr id="65" name="TextBox 64">
+                <a:extLst>
+                  <a:ext uri="{FF2B5EF4-FFF2-40B4-BE49-F238E27FC236}">
+                    <a16:creationId xmlns:a16="http://schemas.microsoft.com/office/drawing/2014/main" id="{59B8549A-4BC4-F84D-F31A-AB034794A351}"/>
+                  </a:ext>
+                </a:extLst>
+              </p:cNvPr>
+              <p:cNvSpPr txBox="1"/>
+              <p:nvPr/>
+            </p:nvSpPr>
+            <p:spPr>
+              <a:xfrm>
+                <a:off x="3184089" y="5211041"/>
+                <a:ext cx="6052939" cy="784574"/>
+              </a:xfrm>
+              <a:prstGeom prst="rect">
+                <a:avLst/>
+              </a:prstGeom>
+              <a:noFill/>
+            </p:spPr>
+            <p:txBody>
+              <a:bodyPr wrap="none" lIns="0" tIns="0" rIns="0" bIns="0" rtlCol="0">
+                <a:spAutoFit/>
+              </a:bodyPr>
+              <a:lstStyle/>
+              <a:p>
+                <a:pPr/>
+                <a14:m>
+                  <m:oMathPara xmlns:m="http://schemas.openxmlformats.org/officeDocument/2006/math">
+                    <m:oMathParaPr>
+                      <m:jc m:val="centerGroup"/>
+                    </m:oMathParaPr>
+                    <m:oMath xmlns:m="http://schemas.openxmlformats.org/officeDocument/2006/math">
+                      <m:r>
+                        <a:rPr lang="en-US" b="0" i="1" smtClean="0">
+                          <a:latin typeface="Cambria Math" panose="02040503050406030204" pitchFamily="18" charset="0"/>
+                        </a:rPr>
+                        <m:t>𝑃</m:t>
+                      </m:r>
+                      <m:d>
+                        <m:dPr>
+                          <m:ctrlPr>
+                            <a:rPr lang="en-US" b="0" i="1" smtClean="0">
+                              <a:latin typeface="Cambria Math" panose="02040503050406030204" pitchFamily="18" charset="0"/>
+                            </a:rPr>
+                          </m:ctrlPr>
+                        </m:dPr>
+                        <m:e>
+                          <m:r>
+                            <a:rPr lang="en-US" b="0" i="1" smtClean="0">
+                              <a:latin typeface="Cambria Math" panose="02040503050406030204" pitchFamily="18" charset="0"/>
+                            </a:rPr>
+                            <m:t>𝑠𝑒𝑛𝑡𝑒𝑛𝑐𝑒</m:t>
+                          </m:r>
+                          <m:r>
+                            <a:rPr lang="en-US" b="0" i="1" smtClean="0">
+                              <a:latin typeface="Cambria Math" panose="02040503050406030204" pitchFamily="18" charset="0"/>
+                            </a:rPr>
+                            <m:t> </m:t>
+                          </m:r>
+                          <m:r>
+                            <a:rPr lang="en-US" b="0" i="1" smtClean="0">
+                              <a:latin typeface="Cambria Math" panose="02040503050406030204" pitchFamily="18" charset="0"/>
+                            </a:rPr>
+                            <m:t>𝑘</m:t>
+                          </m:r>
+                        </m:e>
+                      </m:d>
+                      <m:r>
+                        <a:rPr lang="en-US" b="0" i="1" smtClean="0">
+                          <a:latin typeface="Cambria Math" panose="02040503050406030204" pitchFamily="18" charset="0"/>
+                        </a:rPr>
+                        <m:t>= </m:t>
+                      </m:r>
+                      <m:nary>
+                        <m:naryPr>
+                          <m:chr m:val="∏"/>
+                          <m:ctrlPr>
+                            <a:rPr lang="en-US" b="0" i="1" smtClean="0">
+                              <a:latin typeface="Cambria Math" panose="02040503050406030204" pitchFamily="18" charset="0"/>
+                            </a:rPr>
+                          </m:ctrlPr>
+                        </m:naryPr>
+                        <m:sub>
+                          <m:r>
+                            <m:rPr>
+                              <m:brk m:alnAt="23"/>
+                            </m:rPr>
+                            <a:rPr lang="en-US" b="0" i="1" smtClean="0">
+                              <a:latin typeface="Cambria Math" panose="02040503050406030204" pitchFamily="18" charset="0"/>
+                            </a:rPr>
+                            <m:t>𝑖</m:t>
+                          </m:r>
+                          <m:r>
+                            <a:rPr lang="en-US" b="0" i="1" smtClean="0">
+                              <a:latin typeface="Cambria Math" panose="02040503050406030204" pitchFamily="18" charset="0"/>
+                            </a:rPr>
+                            <m:t>=</m:t>
+                          </m:r>
+                          <m:r>
+                            <a:rPr lang="en-US" b="0" i="1" smtClean="0">
+                              <a:latin typeface="Cambria Math" panose="02040503050406030204" pitchFamily="18" charset="0"/>
+                            </a:rPr>
+                            <m:t>𝑜</m:t>
+                          </m:r>
+                        </m:sub>
+                        <m:sup>
+                          <m:r>
+                            <a:rPr lang="en-US" b="0" i="1" smtClean="0">
+                              <a:latin typeface="Cambria Math" panose="02040503050406030204" pitchFamily="18" charset="0"/>
+                            </a:rPr>
+                            <m:t>𝑘</m:t>
+                          </m:r>
+                        </m:sup>
+                        <m:e>
+                          <m:r>
+                            <a:rPr lang="en-US" b="0" i="1" smtClean="0">
+                              <a:latin typeface="Cambria Math" panose="02040503050406030204" pitchFamily="18" charset="0"/>
+                            </a:rPr>
+                            <m:t>𝑃</m:t>
+                          </m:r>
+                          <m:d>
+                            <m:dPr>
+                              <m:endChr m:val="|"/>
+                              <m:ctrlPr>
+                                <a:rPr lang="en-US" b="0" i="1" smtClean="0">
+                                  <a:latin typeface="Cambria Math" panose="02040503050406030204" pitchFamily="18" charset="0"/>
+                                </a:rPr>
+                              </m:ctrlPr>
+                            </m:dPr>
+                            <m:e>
+                              <m:r>
+                                <a:rPr lang="en-US" b="0" i="1" smtClean="0">
+                                  <a:latin typeface="Cambria Math" panose="02040503050406030204" pitchFamily="18" charset="0"/>
+                                </a:rPr>
+                                <m:t>𝑠𝑒𝑛𝑡𝑒𝑛𝑐𝑒</m:t>
+                              </m:r>
+                              <m:r>
+                                <a:rPr lang="en-US" b="0" i="1" smtClean="0">
+                                  <a:latin typeface="Cambria Math" panose="02040503050406030204" pitchFamily="18" charset="0"/>
+                                </a:rPr>
+                                <m:t> </m:t>
+                              </m:r>
+                              <m:r>
+                                <a:rPr lang="en-US" b="0" i="1" smtClean="0">
+                                  <a:latin typeface="Cambria Math" panose="02040503050406030204" pitchFamily="18" charset="0"/>
+                                </a:rPr>
+                                <m:t>𝑖</m:t>
+                              </m:r>
+                              <m:r>
+                                <a:rPr lang="en-US" b="0" i="1" smtClean="0">
+                                  <a:latin typeface="Cambria Math" panose="02040503050406030204" pitchFamily="18" charset="0"/>
+                                </a:rPr>
+                                <m:t> </m:t>
+                              </m:r>
+                            </m:e>
+                          </m:d>
+                          <m:r>
+                            <a:rPr lang="en-US" b="0" i="1" smtClean="0">
+                              <a:latin typeface="Cambria Math" panose="02040503050406030204" pitchFamily="18" charset="0"/>
+                            </a:rPr>
+                            <m:t> </m:t>
+                          </m:r>
+                          <m:r>
+                            <a:rPr lang="en-US" b="0" i="1" smtClean="0">
+                              <a:latin typeface="Cambria Math" panose="02040503050406030204" pitchFamily="18" charset="0"/>
+                            </a:rPr>
+                            <m:t>𝑠𝑒𝑛𝑡𝑒𝑛𝑐𝑒𝑠</m:t>
+                          </m:r>
+                          <m:r>
+                            <a:rPr lang="en-US" b="0" i="1" smtClean="0">
+                              <a:latin typeface="Cambria Math" panose="02040503050406030204" pitchFamily="18" charset="0"/>
+                            </a:rPr>
+                            <m:t>[</m:t>
+                          </m:r>
+                          <m:r>
+                            <a:rPr lang="en-US" b="0" i="1" smtClean="0">
+                              <a:latin typeface="Cambria Math" panose="02040503050406030204" pitchFamily="18" charset="0"/>
+                            </a:rPr>
+                            <m:t>𝑎</m:t>
+                          </m:r>
+                          <m:r>
+                            <a:rPr lang="en-US" b="0" i="1" smtClean="0">
+                              <a:latin typeface="Cambria Math" panose="02040503050406030204" pitchFamily="18" charset="0"/>
+                            </a:rPr>
+                            <m:t>, </m:t>
+                          </m:r>
+                          <m:r>
+                            <a:rPr lang="en-US" b="0" i="1" smtClean="0">
+                              <a:latin typeface="Cambria Math" panose="02040503050406030204" pitchFamily="18" charset="0"/>
+                            </a:rPr>
+                            <m:t>𝑏</m:t>
+                          </m:r>
+                          <m:r>
+                            <a:rPr lang="en-US" b="0" i="1" smtClean="0">
+                              <a:latin typeface="Cambria Math" panose="02040503050406030204" pitchFamily="18" charset="0"/>
+                            </a:rPr>
+                            <m:t>, </m:t>
+                          </m:r>
+                          <m:r>
+                            <a:rPr lang="en-US" b="0" i="1" smtClean="0">
+                              <a:latin typeface="Cambria Math" panose="02040503050406030204" pitchFamily="18" charset="0"/>
+                            </a:rPr>
+                            <m:t>𝑐</m:t>
+                          </m:r>
+                          <m:r>
+                            <a:rPr lang="en-US" b="0" i="1" smtClean="0">
+                              <a:latin typeface="Cambria Math" panose="02040503050406030204" pitchFamily="18" charset="0"/>
+                            </a:rPr>
+                            <m:t>, …, </m:t>
+                          </m:r>
+                          <m:r>
+                            <a:rPr lang="en-US" b="0" i="1" smtClean="0">
+                              <a:latin typeface="Cambria Math" panose="02040503050406030204" pitchFamily="18" charset="0"/>
+                            </a:rPr>
+                            <m:t>𝑑</m:t>
+                          </m:r>
+                          <m:r>
+                            <a:rPr lang="en-US" b="0" i="1" smtClean="0">
+                              <a:latin typeface="Cambria Math" panose="02040503050406030204" pitchFamily="18" charset="0"/>
+                            </a:rPr>
+                            <m:t>])</m:t>
+                          </m:r>
+                        </m:e>
+                      </m:nary>
+                    </m:oMath>
+                  </m:oMathPara>
+                </a14:m>
+                <a:endParaRPr lang="en-US" dirty="0"/>
+              </a:p>
+            </p:txBody>
+          </p:sp>
+        </mc:Choice>
+        <mc:Fallback xmlns="">
+          <p:sp>
+            <p:nvSpPr>
+              <p:cNvPr id="65" name="TextBox 64">
+                <a:extLst>
+                  <a:ext uri="{FF2B5EF4-FFF2-40B4-BE49-F238E27FC236}">
+                    <a16:creationId xmlns:a16="http://schemas.microsoft.com/office/drawing/2014/main" id="{59B8549A-4BC4-F84D-F31A-AB034794A351}"/>
+                  </a:ext>
+                </a:extLst>
+              </p:cNvPr>
+              <p:cNvSpPr txBox="1">
+                <a:spLocks noRot="1" noChangeAspect="1" noMove="1" noResize="1" noEditPoints="1" noAdjustHandles="1" noChangeArrowheads="1" noChangeShapeType="1" noTextEdit="1"/>
+              </p:cNvSpPr>
+              <p:nvPr/>
+            </p:nvSpPr>
+            <p:spPr>
+              <a:xfrm>
+                <a:off x="3184089" y="5211041"/>
+                <a:ext cx="6052939" cy="784574"/>
+              </a:xfrm>
+              <a:prstGeom prst="rect">
+                <a:avLst/>
+              </a:prstGeom>
+              <a:blipFill>
+                <a:blip r:embed="rId3"/>
+                <a:stretch>
+                  <a:fillRect l="-418" t="-109524" r="-837" b="-169841"/>
+                </a:stretch>
+              </a:blipFill>
+            </p:spPr>
+            <p:txBody>
+              <a:bodyPr/>
+              <a:lstStyle/>
+              <a:p>
+                <a:r>
+                  <a:rPr lang="en-US">
+                    <a:noFill/>
+                  </a:rPr>
+                  <a:t> </a:t>
+                </a:r>
+              </a:p>
+            </p:txBody>
+          </p:sp>
+        </mc:Fallback>
+      </mc:AlternateContent>
+    </p:spTree>
+    <p:extLst>
+      <p:ext uri="{BB962C8B-B14F-4D97-AF65-F5344CB8AC3E}">
+        <p14:creationId xmlns:p14="http://schemas.microsoft.com/office/powerpoint/2010/main" val="1088026123"/>
+      </p:ext>
+    </p:extLst>
+  </p:cSld>
+  <p:clrMapOvr>
+    <a:masterClrMapping/>
+  </p:clrMapOvr>
+</p:sld>
+</file>
+
+<file path=ppt/slides/slide9.xml><?xml version="1.0" encoding="utf-8"?>
+<p:sld xmlns:a="http://schemas.openxmlformats.org/drawingml/2006/main" xmlns:r="http://schemas.openxmlformats.org/officeDocument/2006/relationships" xmlns:p="http://schemas.openxmlformats.org/presentationml/2006/main">
+  <p:cSld>
+    <p:spTree>
+      <p:nvGrpSpPr>
+        <p:cNvPr id="1" name="">
+          <a:extLst>
+            <a:ext uri="{FF2B5EF4-FFF2-40B4-BE49-F238E27FC236}">
+              <a16:creationId xmlns:a16="http://schemas.microsoft.com/office/drawing/2014/main" id="{8D234FB6-8592-78ED-7EB1-4603F429DC8C}"/>
+            </a:ext>
+          </a:extLst>
+        </p:cNvPr>
+        <p:cNvGrpSpPr/>
+        <p:nvPr/>
+      </p:nvGrpSpPr>
+      <p:grpSpPr>
+        <a:xfrm>
+          <a:off x="0" y="0"/>
+          <a:ext cx="0" cy="0"/>
+          <a:chOff x="0" y="0"/>
+          <a:chExt cx="0" cy="0"/>
+        </a:xfrm>
+      </p:grpSpPr>
+      <p:sp>
+        <p:nvSpPr>
+          <p:cNvPr id="43" name="Rounded Rectangle 42">
+            <a:extLst>
+              <a:ext uri="{FF2B5EF4-FFF2-40B4-BE49-F238E27FC236}">
+                <a16:creationId xmlns:a16="http://schemas.microsoft.com/office/drawing/2014/main" id="{5157F3AE-0EB4-CB4D-974D-329DFA846FED}"/>
+              </a:ext>
+            </a:extLst>
+          </p:cNvPr>
+          <p:cNvSpPr/>
+          <p:nvPr/>
+        </p:nvSpPr>
+        <p:spPr>
+          <a:xfrm>
+            <a:off x="651163" y="554182"/>
+            <a:ext cx="9821035" cy="1864469"/>
+          </a:xfrm>
+          <a:prstGeom prst="roundRect">
+            <a:avLst/>
+          </a:prstGeom>
+          <a:solidFill>
+            <a:schemeClr val="accent1">
+              <a:alpha val="0"/>
+            </a:schemeClr>
+          </a:solidFill>
+        </p:spPr>
+        <p:style>
+          <a:lnRef idx="2">
+            <a:schemeClr val="accent1">
+              <a:shade val="15000"/>
+            </a:schemeClr>
+          </a:lnRef>
+          <a:fillRef idx="1">
+            <a:schemeClr val="accent1"/>
+          </a:fillRef>
+          <a:effectRef idx="0">
+            <a:schemeClr val="accent1"/>
+          </a:effectRef>
+          <a:fontRef idx="minor">
+            <a:schemeClr val="lt1"/>
+          </a:fontRef>
+        </p:style>
+        <p:txBody>
+          <a:bodyPr rtlCol="0" anchor="ctr"/>
+          <a:lstStyle/>
+          <a:p>
+            <a:pPr algn="ctr"/>
+            <a:endParaRPr lang="en-US"/>
+          </a:p>
+        </p:txBody>
+      </p:sp>
+      <p:sp>
+        <p:nvSpPr>
+          <p:cNvPr id="4" name="Rectangle 3">
+            <a:extLst>
+              <a:ext uri="{FF2B5EF4-FFF2-40B4-BE49-F238E27FC236}">
+                <a16:creationId xmlns:a16="http://schemas.microsoft.com/office/drawing/2014/main" id="{78EB05A1-BDF0-3994-76B2-E0F6B561779E}"/>
+              </a:ext>
+            </a:extLst>
+          </p:cNvPr>
+          <p:cNvSpPr/>
+          <p:nvPr/>
+        </p:nvSpPr>
+        <p:spPr>
+          <a:xfrm>
+            <a:off x="880110" y="857250"/>
+            <a:ext cx="1062990" cy="137160"/>
+          </a:xfrm>
+          <a:prstGeom prst="rect">
+            <a:avLst/>
+          </a:prstGeom>
+          <a:solidFill>
+            <a:schemeClr val="accent1">
+              <a:alpha val="47000"/>
+            </a:schemeClr>
+          </a:solidFill>
+        </p:spPr>
+        <p:style>
+          <a:lnRef idx="2">
+            <a:schemeClr val="accent1">
+              <a:shade val="15000"/>
+            </a:schemeClr>
+          </a:lnRef>
+          <a:fillRef idx="1">
+            <a:schemeClr val="accent1"/>
+          </a:fillRef>
+          <a:effectRef idx="0">
+            <a:schemeClr val="accent1"/>
+          </a:effectRef>
+          <a:fontRef idx="minor">
+            <a:schemeClr val="lt1"/>
+          </a:fontRef>
+        </p:style>
+        <p:txBody>
+          <a:bodyPr rtlCol="0" anchor="ctr"/>
+          <a:lstStyle/>
+          <a:p>
+            <a:pPr algn="ctr"/>
+            <a:endParaRPr lang="en-US">
+              <a:solidFill>
+                <a:srgbClr val="FF0000"/>
+              </a:solidFill>
+            </a:endParaRPr>
+          </a:p>
+        </p:txBody>
+      </p:sp>
+      <p:sp>
+        <p:nvSpPr>
+          <p:cNvPr id="5" name="Rectangle 4">
+            <a:extLst>
+              <a:ext uri="{FF2B5EF4-FFF2-40B4-BE49-F238E27FC236}">
+                <a16:creationId xmlns:a16="http://schemas.microsoft.com/office/drawing/2014/main" id="{81307829-2BB6-5857-6BCA-0E8D51F13631}"/>
+              </a:ext>
+            </a:extLst>
+          </p:cNvPr>
+          <p:cNvSpPr/>
+          <p:nvPr/>
+        </p:nvSpPr>
+        <p:spPr>
+          <a:xfrm>
+            <a:off x="880110" y="1123950"/>
+            <a:ext cx="1062990" cy="137160"/>
+          </a:xfrm>
+          <a:prstGeom prst="rect">
+            <a:avLst/>
+          </a:prstGeom>
+        </p:spPr>
+        <p:style>
+          <a:lnRef idx="2">
+            <a:schemeClr val="accent1">
+              <a:shade val="15000"/>
+            </a:schemeClr>
+          </a:lnRef>
+          <a:fillRef idx="1">
+            <a:schemeClr val="accent1"/>
+          </a:fillRef>
+          <a:effectRef idx="0">
+            <a:schemeClr val="accent1"/>
+          </a:effectRef>
+          <a:fontRef idx="minor">
+            <a:schemeClr val="lt1"/>
+          </a:fontRef>
+        </p:style>
+        <p:txBody>
+          <a:bodyPr rtlCol="0" anchor="ctr"/>
+          <a:lstStyle/>
+          <a:p>
+            <a:pPr algn="ctr"/>
+            <a:endParaRPr lang="en-US"/>
+          </a:p>
+        </p:txBody>
+      </p:sp>
+      <p:sp>
+        <p:nvSpPr>
+          <p:cNvPr id="6" name="Rectangle 5">
+            <a:extLst>
+              <a:ext uri="{FF2B5EF4-FFF2-40B4-BE49-F238E27FC236}">
+                <a16:creationId xmlns:a16="http://schemas.microsoft.com/office/drawing/2014/main" id="{F0FAFA33-87E7-C272-09AB-A3DB0E1DF9EE}"/>
+              </a:ext>
+            </a:extLst>
+          </p:cNvPr>
+          <p:cNvSpPr/>
+          <p:nvPr/>
+        </p:nvSpPr>
+        <p:spPr>
+          <a:xfrm>
+            <a:off x="880110" y="1394460"/>
+            <a:ext cx="1062990" cy="137160"/>
+          </a:xfrm>
+          <a:prstGeom prst="rect">
+            <a:avLst/>
+          </a:prstGeom>
+        </p:spPr>
+        <p:style>
+          <a:lnRef idx="2">
+            <a:schemeClr val="accent1">
+              <a:shade val="15000"/>
+            </a:schemeClr>
+          </a:lnRef>
+          <a:fillRef idx="1">
+            <a:schemeClr val="accent1"/>
+          </a:fillRef>
+          <a:effectRef idx="0">
+            <a:schemeClr val="accent1"/>
+          </a:effectRef>
+          <a:fontRef idx="minor">
+            <a:schemeClr val="lt1"/>
+          </a:fontRef>
+        </p:style>
+        <p:txBody>
+          <a:bodyPr rtlCol="0" anchor="ctr"/>
+          <a:lstStyle/>
+          <a:p>
+            <a:pPr algn="ctr"/>
+            <a:endParaRPr lang="en-US"/>
+          </a:p>
+        </p:txBody>
+      </p:sp>
+      <p:sp>
+        <p:nvSpPr>
+          <p:cNvPr id="7" name="Rectangle 6">
+            <a:extLst>
+              <a:ext uri="{FF2B5EF4-FFF2-40B4-BE49-F238E27FC236}">
+                <a16:creationId xmlns:a16="http://schemas.microsoft.com/office/drawing/2014/main" id="{B8B4FE43-8F5C-E414-4570-A05EFCB954A5}"/>
+              </a:ext>
+            </a:extLst>
+          </p:cNvPr>
+          <p:cNvSpPr/>
+          <p:nvPr/>
+        </p:nvSpPr>
+        <p:spPr>
+          <a:xfrm>
+            <a:off x="880110" y="1668780"/>
+            <a:ext cx="1062990" cy="137160"/>
+          </a:xfrm>
+          <a:prstGeom prst="rect">
+            <a:avLst/>
+          </a:prstGeom>
+        </p:spPr>
+        <p:style>
+          <a:lnRef idx="2">
+            <a:schemeClr val="accent1">
+              <a:shade val="15000"/>
+            </a:schemeClr>
+          </a:lnRef>
+          <a:fillRef idx="1">
+            <a:schemeClr val="accent1"/>
+          </a:fillRef>
+          <a:effectRef idx="0">
+            <a:schemeClr val="accent1"/>
+          </a:effectRef>
+          <a:fontRef idx="minor">
+            <a:schemeClr val="lt1"/>
+          </a:fontRef>
+        </p:style>
+        <p:txBody>
+          <a:bodyPr rtlCol="0" anchor="ctr"/>
+          <a:lstStyle/>
+          <a:p>
+            <a:pPr algn="ctr"/>
+            <a:endParaRPr lang="en-US"/>
+          </a:p>
+        </p:txBody>
+      </p:sp>
+      <p:sp>
+        <p:nvSpPr>
+          <p:cNvPr id="8" name="TextBox 7">
+            <a:extLst>
+              <a:ext uri="{FF2B5EF4-FFF2-40B4-BE49-F238E27FC236}">
+                <a16:creationId xmlns:a16="http://schemas.microsoft.com/office/drawing/2014/main" id="{B2394EF5-9B3D-0E05-3BC7-147C71AEEB21}"/>
+              </a:ext>
+            </a:extLst>
+          </p:cNvPr>
+          <p:cNvSpPr txBox="1"/>
+          <p:nvPr/>
+        </p:nvSpPr>
+        <p:spPr>
+          <a:xfrm>
+            <a:off x="1240155" y="1758434"/>
+            <a:ext cx="342900" cy="369332"/>
+          </a:xfrm>
+          <a:prstGeom prst="rect">
+            <a:avLst/>
+          </a:prstGeom>
+          <a:noFill/>
+        </p:spPr>
+        <p:txBody>
+          <a:bodyPr wrap="square" rtlCol="0">
+            <a:spAutoFit/>
+          </a:bodyPr>
+          <a:lstStyle/>
+          <a:p>
+            <a:r>
+              <a:rPr lang="en-US" dirty="0"/>
+              <a:t>…</a:t>
+            </a:r>
+          </a:p>
+        </p:txBody>
+      </p:sp>
+      <p:sp>
+        <p:nvSpPr>
+          <p:cNvPr id="9" name="Rectangle 8">
+            <a:extLst>
+              <a:ext uri="{FF2B5EF4-FFF2-40B4-BE49-F238E27FC236}">
+                <a16:creationId xmlns:a16="http://schemas.microsoft.com/office/drawing/2014/main" id="{442412F3-D268-3C67-DBEB-FFB1548C594A}"/>
+              </a:ext>
+            </a:extLst>
+          </p:cNvPr>
+          <p:cNvSpPr/>
+          <p:nvPr/>
+        </p:nvSpPr>
+        <p:spPr>
+          <a:xfrm>
+            <a:off x="880110" y="2160270"/>
+            <a:ext cx="1062990" cy="137160"/>
+          </a:xfrm>
+          <a:prstGeom prst="rect">
+            <a:avLst/>
+          </a:prstGeom>
+        </p:spPr>
+        <p:style>
+          <a:lnRef idx="2">
+            <a:schemeClr val="accent1">
+              <a:shade val="15000"/>
+            </a:schemeClr>
+          </a:lnRef>
+          <a:fillRef idx="1">
+            <a:schemeClr val="accent1"/>
+          </a:fillRef>
+          <a:effectRef idx="0">
+            <a:schemeClr val="accent1"/>
+          </a:effectRef>
+          <a:fontRef idx="minor">
+            <a:schemeClr val="lt1"/>
+          </a:fontRef>
+        </p:style>
+        <p:txBody>
+          <a:bodyPr rtlCol="0" anchor="ctr"/>
+          <a:lstStyle/>
+          <a:p>
+            <a:pPr algn="ctr"/>
+            <a:endParaRPr lang="en-US"/>
+          </a:p>
+        </p:txBody>
+      </p:sp>
+      <p:sp>
+        <p:nvSpPr>
+          <p:cNvPr id="18" name="TextBox 17">
+            <a:extLst>
+              <a:ext uri="{FF2B5EF4-FFF2-40B4-BE49-F238E27FC236}">
+                <a16:creationId xmlns:a16="http://schemas.microsoft.com/office/drawing/2014/main" id="{E88AE951-2F79-F883-5645-E95424D6BD56}"/>
+              </a:ext>
+            </a:extLst>
+          </p:cNvPr>
+          <p:cNvSpPr txBox="1"/>
+          <p:nvPr/>
+        </p:nvSpPr>
+        <p:spPr>
+          <a:xfrm>
+            <a:off x="445770" y="2408929"/>
+            <a:ext cx="2320290" cy="523220"/>
+          </a:xfrm>
+          <a:prstGeom prst="rect">
+            <a:avLst/>
+          </a:prstGeom>
+          <a:noFill/>
+        </p:spPr>
+        <p:txBody>
+          <a:bodyPr wrap="square" rtlCol="0">
+            <a:spAutoFit/>
+          </a:bodyPr>
+          <a:lstStyle/>
+          <a:p>
+            <a:r>
+              <a:rPr lang="en-US" sz="1400" dirty="0"/>
+              <a:t>Try to remove sentence1, has influence, keep it (star)</a:t>
+            </a:r>
+          </a:p>
+        </p:txBody>
+      </p:sp>
+      <p:sp>
+        <p:nvSpPr>
+          <p:cNvPr id="19" name="TextBox 18">
+            <a:extLst>
+              <a:ext uri="{FF2B5EF4-FFF2-40B4-BE49-F238E27FC236}">
+                <a16:creationId xmlns:a16="http://schemas.microsoft.com/office/drawing/2014/main" id="{321343BF-6320-62CD-43D5-942AAB10DE63}"/>
+              </a:ext>
+            </a:extLst>
+          </p:cNvPr>
+          <p:cNvSpPr txBox="1"/>
+          <p:nvPr/>
+        </p:nvSpPr>
+        <p:spPr>
+          <a:xfrm>
+            <a:off x="1943100" y="781288"/>
+            <a:ext cx="342900" cy="369332"/>
+          </a:xfrm>
+          <a:prstGeom prst="rect">
+            <a:avLst/>
+          </a:prstGeom>
+          <a:noFill/>
+        </p:spPr>
+        <p:txBody>
+          <a:bodyPr wrap="square" rtlCol="0">
+            <a:spAutoFit/>
+          </a:bodyPr>
+          <a:lstStyle/>
+          <a:p>
+            <a:r>
+              <a:rPr lang="en-US" dirty="0"/>
+              <a:t>*</a:t>
+            </a:r>
+          </a:p>
+        </p:txBody>
+      </p:sp>
+      <p:sp>
+        <p:nvSpPr>
+          <p:cNvPr id="21" name="Rectangle 20">
+            <a:extLst>
+              <a:ext uri="{FF2B5EF4-FFF2-40B4-BE49-F238E27FC236}">
+                <a16:creationId xmlns:a16="http://schemas.microsoft.com/office/drawing/2014/main" id="{B34EEC2C-10A7-5AA6-0283-1A7FC9224F5F}"/>
+              </a:ext>
+            </a:extLst>
+          </p:cNvPr>
+          <p:cNvSpPr/>
+          <p:nvPr/>
+        </p:nvSpPr>
+        <p:spPr>
+          <a:xfrm>
+            <a:off x="3348990" y="853145"/>
+            <a:ext cx="1062990" cy="137160"/>
+          </a:xfrm>
+          <a:prstGeom prst="rect">
+            <a:avLst/>
+          </a:prstGeom>
+          <a:solidFill>
+            <a:schemeClr val="accent1"/>
+          </a:solidFill>
+        </p:spPr>
+        <p:style>
+          <a:lnRef idx="2">
+            <a:schemeClr val="accent1">
+              <a:shade val="15000"/>
+            </a:schemeClr>
+          </a:lnRef>
+          <a:fillRef idx="1">
+            <a:schemeClr val="accent1"/>
+          </a:fillRef>
+          <a:effectRef idx="0">
+            <a:schemeClr val="accent1"/>
+          </a:effectRef>
+          <a:fontRef idx="minor">
+            <a:schemeClr val="lt1"/>
+          </a:fontRef>
+        </p:style>
+        <p:txBody>
+          <a:bodyPr rtlCol="0" anchor="ctr"/>
+          <a:lstStyle/>
+          <a:p>
+            <a:pPr algn="ctr"/>
+            <a:endParaRPr lang="en-US">
+              <a:solidFill>
+                <a:srgbClr val="FF0000"/>
+              </a:solidFill>
+            </a:endParaRPr>
+          </a:p>
+        </p:txBody>
+      </p:sp>
+      <p:sp>
+        <p:nvSpPr>
+          <p:cNvPr id="22" name="Rectangle 21">
+            <a:extLst>
+              <a:ext uri="{FF2B5EF4-FFF2-40B4-BE49-F238E27FC236}">
+                <a16:creationId xmlns:a16="http://schemas.microsoft.com/office/drawing/2014/main" id="{E7F39933-3F16-E864-2006-A2AD5FC0617C}"/>
+              </a:ext>
+            </a:extLst>
+          </p:cNvPr>
+          <p:cNvSpPr/>
+          <p:nvPr/>
+        </p:nvSpPr>
+        <p:spPr>
+          <a:xfrm>
+            <a:off x="3348990" y="1119845"/>
+            <a:ext cx="1062990" cy="137160"/>
+          </a:xfrm>
+          <a:prstGeom prst="rect">
+            <a:avLst/>
+          </a:prstGeom>
+          <a:solidFill>
+            <a:schemeClr val="accent1">
+              <a:alpha val="46971"/>
+            </a:schemeClr>
+          </a:solidFill>
+        </p:spPr>
+        <p:style>
+          <a:lnRef idx="2">
+            <a:schemeClr val="accent1">
+              <a:shade val="15000"/>
+            </a:schemeClr>
+          </a:lnRef>
+          <a:fillRef idx="1">
+            <a:schemeClr val="accent1"/>
+          </a:fillRef>
+          <a:effectRef idx="0">
+            <a:schemeClr val="accent1"/>
+          </a:effectRef>
+          <a:fontRef idx="minor">
+            <a:schemeClr val="lt1"/>
+          </a:fontRef>
+        </p:style>
+        <p:txBody>
+          <a:bodyPr rtlCol="0" anchor="ctr"/>
+          <a:lstStyle/>
+          <a:p>
+            <a:pPr algn="ctr"/>
+            <a:endParaRPr lang="en-US"/>
+          </a:p>
+        </p:txBody>
+      </p:sp>
+      <p:sp>
+        <p:nvSpPr>
+          <p:cNvPr id="23" name="Rectangle 22">
+            <a:extLst>
+              <a:ext uri="{FF2B5EF4-FFF2-40B4-BE49-F238E27FC236}">
+                <a16:creationId xmlns:a16="http://schemas.microsoft.com/office/drawing/2014/main" id="{CA526DD5-745A-0C15-C3FF-574E77D17418}"/>
+              </a:ext>
+            </a:extLst>
+          </p:cNvPr>
+          <p:cNvSpPr/>
+          <p:nvPr/>
+        </p:nvSpPr>
+        <p:spPr>
+          <a:xfrm>
+            <a:off x="3348990" y="1390355"/>
+            <a:ext cx="1062990" cy="137160"/>
+          </a:xfrm>
+          <a:prstGeom prst="rect">
+            <a:avLst/>
+          </a:prstGeom>
+        </p:spPr>
+        <p:style>
+          <a:lnRef idx="2">
+            <a:schemeClr val="accent1">
+              <a:shade val="15000"/>
+            </a:schemeClr>
+          </a:lnRef>
+          <a:fillRef idx="1">
+            <a:schemeClr val="accent1"/>
+          </a:fillRef>
+          <a:effectRef idx="0">
+            <a:schemeClr val="accent1"/>
+          </a:effectRef>
+          <a:fontRef idx="minor">
+            <a:schemeClr val="lt1"/>
+          </a:fontRef>
+        </p:style>
+        <p:txBody>
+          <a:bodyPr rtlCol="0" anchor="ctr"/>
+          <a:lstStyle/>
+          <a:p>
+            <a:pPr algn="ctr"/>
+            <a:endParaRPr lang="en-US"/>
+          </a:p>
+        </p:txBody>
+      </p:sp>
+      <p:sp>
+        <p:nvSpPr>
+          <p:cNvPr id="24" name="Rectangle 23">
+            <a:extLst>
+              <a:ext uri="{FF2B5EF4-FFF2-40B4-BE49-F238E27FC236}">
+                <a16:creationId xmlns:a16="http://schemas.microsoft.com/office/drawing/2014/main" id="{10CDC63F-0C5D-8CB2-70A2-50F5C2B9B691}"/>
+              </a:ext>
+            </a:extLst>
+          </p:cNvPr>
+          <p:cNvSpPr/>
+          <p:nvPr/>
+        </p:nvSpPr>
+        <p:spPr>
+          <a:xfrm>
+            <a:off x="3348990" y="1664675"/>
+            <a:ext cx="1062990" cy="137160"/>
+          </a:xfrm>
+          <a:prstGeom prst="rect">
+            <a:avLst/>
+          </a:prstGeom>
+        </p:spPr>
+        <p:style>
+          <a:lnRef idx="2">
+            <a:schemeClr val="accent1">
+              <a:shade val="15000"/>
+            </a:schemeClr>
+          </a:lnRef>
+          <a:fillRef idx="1">
+            <a:schemeClr val="accent1"/>
+          </a:fillRef>
+          <a:effectRef idx="0">
+            <a:schemeClr val="accent1"/>
+          </a:effectRef>
+          <a:fontRef idx="minor">
+            <a:schemeClr val="lt1"/>
+          </a:fontRef>
+        </p:style>
+        <p:txBody>
+          <a:bodyPr rtlCol="0" anchor="ctr"/>
+          <a:lstStyle/>
+          <a:p>
+            <a:pPr algn="ctr"/>
+            <a:endParaRPr lang="en-US"/>
+          </a:p>
+        </p:txBody>
+      </p:sp>
+      <p:sp>
+        <p:nvSpPr>
+          <p:cNvPr id="25" name="TextBox 24">
+            <a:extLst>
+              <a:ext uri="{FF2B5EF4-FFF2-40B4-BE49-F238E27FC236}">
+                <a16:creationId xmlns:a16="http://schemas.microsoft.com/office/drawing/2014/main" id="{89063D39-6CB0-6A76-3DD6-88026A0016DE}"/>
+              </a:ext>
+            </a:extLst>
+          </p:cNvPr>
+          <p:cNvSpPr txBox="1"/>
+          <p:nvPr/>
+        </p:nvSpPr>
+        <p:spPr>
+          <a:xfrm>
+            <a:off x="3709035" y="1754329"/>
+            <a:ext cx="342900" cy="369332"/>
+          </a:xfrm>
+          <a:prstGeom prst="rect">
+            <a:avLst/>
+          </a:prstGeom>
+          <a:noFill/>
+        </p:spPr>
+        <p:txBody>
+          <a:bodyPr wrap="square" rtlCol="0">
+            <a:spAutoFit/>
+          </a:bodyPr>
+          <a:lstStyle/>
+          <a:p>
+            <a:r>
+              <a:rPr lang="en-US" dirty="0"/>
+              <a:t>…</a:t>
+            </a:r>
+          </a:p>
+        </p:txBody>
+      </p:sp>
+      <p:sp>
+        <p:nvSpPr>
+          <p:cNvPr id="26" name="Rectangle 25">
+            <a:extLst>
+              <a:ext uri="{FF2B5EF4-FFF2-40B4-BE49-F238E27FC236}">
+                <a16:creationId xmlns:a16="http://schemas.microsoft.com/office/drawing/2014/main" id="{7E47C60D-727E-7FBA-87D2-BDE549AEFD7E}"/>
+              </a:ext>
+            </a:extLst>
+          </p:cNvPr>
+          <p:cNvSpPr/>
+          <p:nvPr/>
+        </p:nvSpPr>
+        <p:spPr>
+          <a:xfrm>
+            <a:off x="3348990" y="2156165"/>
+            <a:ext cx="1062990" cy="137160"/>
+          </a:xfrm>
+          <a:prstGeom prst="rect">
+            <a:avLst/>
+          </a:prstGeom>
+        </p:spPr>
+        <p:style>
+          <a:lnRef idx="2">
+            <a:schemeClr val="accent1">
+              <a:shade val="15000"/>
+            </a:schemeClr>
+          </a:lnRef>
+          <a:fillRef idx="1">
+            <a:schemeClr val="accent1"/>
+          </a:fillRef>
+          <a:effectRef idx="0">
+            <a:schemeClr val="accent1"/>
+          </a:effectRef>
+          <a:fontRef idx="minor">
+            <a:schemeClr val="lt1"/>
+          </a:fontRef>
+        </p:style>
+        <p:txBody>
+          <a:bodyPr rtlCol="0" anchor="ctr"/>
+          <a:lstStyle/>
+          <a:p>
+            <a:pPr algn="ctr"/>
+            <a:endParaRPr lang="en-US"/>
+          </a:p>
+        </p:txBody>
+      </p:sp>
+      <p:sp>
+        <p:nvSpPr>
+          <p:cNvPr id="28" name="TextBox 27">
+            <a:extLst>
+              <a:ext uri="{FF2B5EF4-FFF2-40B4-BE49-F238E27FC236}">
+                <a16:creationId xmlns:a16="http://schemas.microsoft.com/office/drawing/2014/main" id="{22EB89BB-8E95-DF2A-C41C-2D2E99DA89BC}"/>
+              </a:ext>
+            </a:extLst>
+          </p:cNvPr>
+          <p:cNvSpPr txBox="1"/>
+          <p:nvPr/>
+        </p:nvSpPr>
+        <p:spPr>
+          <a:xfrm>
+            <a:off x="2766060" y="2451629"/>
+            <a:ext cx="2320290" cy="738664"/>
+          </a:xfrm>
+          <a:prstGeom prst="rect">
+            <a:avLst/>
+          </a:prstGeom>
+          <a:noFill/>
+        </p:spPr>
+        <p:txBody>
+          <a:bodyPr wrap="square" rtlCol="0">
+            <a:spAutoFit/>
+          </a:bodyPr>
+          <a:lstStyle/>
+          <a:p>
+            <a:r>
+              <a:rPr lang="en-US" sz="1400" dirty="0"/>
+              <a:t>Try to remove sentence2, have no prior if sentence1 has influence.</a:t>
+            </a:r>
+          </a:p>
+        </p:txBody>
+      </p:sp>
+      <p:cxnSp>
+        <p:nvCxnSpPr>
+          <p:cNvPr id="30" name="Straight Connector 29">
+            <a:extLst>
+              <a:ext uri="{FF2B5EF4-FFF2-40B4-BE49-F238E27FC236}">
+                <a16:creationId xmlns:a16="http://schemas.microsoft.com/office/drawing/2014/main" id="{A4610E81-59C0-BACC-A2D2-052F034BCFE7}"/>
+              </a:ext>
+            </a:extLst>
+          </p:cNvPr>
+          <p:cNvCxnSpPr>
+            <a:cxnSpLocks/>
+          </p:cNvCxnSpPr>
+          <p:nvPr/>
+        </p:nvCxnSpPr>
+        <p:spPr>
+          <a:xfrm>
+            <a:off x="3180522" y="1188425"/>
+            <a:ext cx="1574358" cy="0"/>
+          </a:xfrm>
+          <a:prstGeom prst="line">
+            <a:avLst/>
+          </a:prstGeom>
+          <a:ln>
+            <a:solidFill>
+              <a:schemeClr val="tx1"/>
+            </a:solidFill>
+          </a:ln>
+        </p:spPr>
+        <p:style>
+          <a:lnRef idx="2">
+            <a:schemeClr val="accent1"/>
+          </a:lnRef>
+          <a:fillRef idx="0">
+            <a:schemeClr val="accent1"/>
+          </a:fillRef>
+          <a:effectRef idx="1">
+            <a:schemeClr val="accent1"/>
+          </a:effectRef>
+          <a:fontRef idx="minor">
+            <a:schemeClr val="tx1"/>
+          </a:fontRef>
+        </p:style>
+      </p:cxnSp>
+      <p:sp>
+        <p:nvSpPr>
+          <p:cNvPr id="2" name="Rectangle 1">
+            <a:extLst>
+              <a:ext uri="{FF2B5EF4-FFF2-40B4-BE49-F238E27FC236}">
+                <a16:creationId xmlns:a16="http://schemas.microsoft.com/office/drawing/2014/main" id="{D4E3E365-B676-4428-2BE1-4CC606E71F4A}"/>
+              </a:ext>
+            </a:extLst>
+          </p:cNvPr>
+          <p:cNvSpPr/>
+          <p:nvPr/>
+        </p:nvSpPr>
+        <p:spPr>
+          <a:xfrm>
+            <a:off x="5478987" y="853145"/>
+            <a:ext cx="1062990" cy="137160"/>
+          </a:xfrm>
+          <a:prstGeom prst="rect">
+            <a:avLst/>
+          </a:prstGeom>
+          <a:solidFill>
+            <a:schemeClr val="accent1"/>
+          </a:solidFill>
+        </p:spPr>
+        <p:style>
+          <a:lnRef idx="2">
+            <a:schemeClr val="accent1">
+              <a:shade val="15000"/>
+            </a:schemeClr>
+          </a:lnRef>
+          <a:fillRef idx="1">
+            <a:schemeClr val="accent1"/>
+          </a:fillRef>
+          <a:effectRef idx="0">
+            <a:schemeClr val="accent1"/>
+          </a:effectRef>
+          <a:fontRef idx="minor">
+            <a:schemeClr val="lt1"/>
+          </a:fontRef>
+        </p:style>
+        <p:txBody>
+          <a:bodyPr rtlCol="0" anchor="ctr"/>
+          <a:lstStyle/>
+          <a:p>
+            <a:pPr algn="ctr"/>
+            <a:endParaRPr lang="en-US">
+              <a:solidFill>
+                <a:srgbClr val="FF0000"/>
+              </a:solidFill>
+            </a:endParaRPr>
+          </a:p>
+        </p:txBody>
+      </p:sp>
+      <p:sp>
+        <p:nvSpPr>
+          <p:cNvPr id="3" name="Rectangle 2">
+            <a:extLst>
+              <a:ext uri="{FF2B5EF4-FFF2-40B4-BE49-F238E27FC236}">
+                <a16:creationId xmlns:a16="http://schemas.microsoft.com/office/drawing/2014/main" id="{C6BBFC58-6C9D-E1B7-7867-6CF117D3993A}"/>
+              </a:ext>
+            </a:extLst>
+          </p:cNvPr>
+          <p:cNvSpPr/>
+          <p:nvPr/>
+        </p:nvSpPr>
+        <p:spPr>
+          <a:xfrm>
+            <a:off x="5478987" y="1119845"/>
+            <a:ext cx="1062990" cy="137160"/>
+          </a:xfrm>
+          <a:prstGeom prst="rect">
+            <a:avLst/>
+          </a:prstGeom>
+        </p:spPr>
+        <p:style>
+          <a:lnRef idx="2">
+            <a:schemeClr val="accent1">
+              <a:shade val="15000"/>
+            </a:schemeClr>
+          </a:lnRef>
+          <a:fillRef idx="1">
+            <a:schemeClr val="accent1"/>
+          </a:fillRef>
+          <a:effectRef idx="0">
+            <a:schemeClr val="accent1"/>
+          </a:effectRef>
+          <a:fontRef idx="minor">
+            <a:schemeClr val="lt1"/>
+          </a:fontRef>
+        </p:style>
+        <p:txBody>
+          <a:bodyPr rtlCol="0" anchor="ctr"/>
+          <a:lstStyle/>
+          <a:p>
+            <a:pPr algn="ctr"/>
+            <a:endParaRPr lang="en-US"/>
+          </a:p>
+        </p:txBody>
+      </p:sp>
+      <p:sp>
+        <p:nvSpPr>
+          <p:cNvPr id="10" name="Rectangle 9">
+            <a:extLst>
+              <a:ext uri="{FF2B5EF4-FFF2-40B4-BE49-F238E27FC236}">
+                <a16:creationId xmlns:a16="http://schemas.microsoft.com/office/drawing/2014/main" id="{25B926DA-B39E-9809-3C72-5CA550C40C2C}"/>
+              </a:ext>
+            </a:extLst>
+          </p:cNvPr>
+          <p:cNvSpPr/>
+          <p:nvPr/>
+        </p:nvSpPr>
+        <p:spPr>
+          <a:xfrm>
+            <a:off x="5478987" y="1390355"/>
+            <a:ext cx="1062990" cy="137160"/>
+          </a:xfrm>
+          <a:prstGeom prst="rect">
+            <a:avLst/>
+          </a:prstGeom>
+          <a:solidFill>
+            <a:schemeClr val="accent1">
+              <a:alpha val="46971"/>
+            </a:schemeClr>
+          </a:solidFill>
+        </p:spPr>
+        <p:style>
+          <a:lnRef idx="2">
+            <a:schemeClr val="accent1">
+              <a:shade val="15000"/>
+            </a:schemeClr>
+          </a:lnRef>
+          <a:fillRef idx="1">
+            <a:schemeClr val="accent1"/>
+          </a:fillRef>
+          <a:effectRef idx="0">
+            <a:schemeClr val="accent1"/>
+          </a:effectRef>
+          <a:fontRef idx="minor">
+            <a:schemeClr val="lt1"/>
+          </a:fontRef>
+        </p:style>
+        <p:txBody>
+          <a:bodyPr rtlCol="0" anchor="ctr"/>
+          <a:lstStyle/>
+          <a:p>
+            <a:pPr algn="ctr"/>
+            <a:endParaRPr lang="en-US"/>
+          </a:p>
+        </p:txBody>
+      </p:sp>
+      <p:sp>
+        <p:nvSpPr>
+          <p:cNvPr id="11" name="Rectangle 10">
+            <a:extLst>
+              <a:ext uri="{FF2B5EF4-FFF2-40B4-BE49-F238E27FC236}">
+                <a16:creationId xmlns:a16="http://schemas.microsoft.com/office/drawing/2014/main" id="{D5C56AF1-4E6A-51AF-B483-F849ED05A8BB}"/>
+              </a:ext>
+            </a:extLst>
+          </p:cNvPr>
+          <p:cNvSpPr/>
+          <p:nvPr/>
+        </p:nvSpPr>
+        <p:spPr>
+          <a:xfrm>
+            <a:off x="5478987" y="1664675"/>
+            <a:ext cx="1062990" cy="137160"/>
+          </a:xfrm>
+          <a:prstGeom prst="rect">
+            <a:avLst/>
+          </a:prstGeom>
+        </p:spPr>
+        <p:style>
+          <a:lnRef idx="2">
+            <a:schemeClr val="accent1">
+              <a:shade val="15000"/>
+            </a:schemeClr>
+          </a:lnRef>
+          <a:fillRef idx="1">
+            <a:schemeClr val="accent1"/>
+          </a:fillRef>
+          <a:effectRef idx="0">
+            <a:schemeClr val="accent1"/>
+          </a:effectRef>
+          <a:fontRef idx="minor">
+            <a:schemeClr val="lt1"/>
+          </a:fontRef>
+        </p:style>
+        <p:txBody>
+          <a:bodyPr rtlCol="0" anchor="ctr"/>
+          <a:lstStyle/>
+          <a:p>
+            <a:pPr algn="ctr"/>
+            <a:endParaRPr lang="en-US"/>
+          </a:p>
+        </p:txBody>
+      </p:sp>
+      <p:sp>
+        <p:nvSpPr>
+          <p:cNvPr id="12" name="TextBox 11">
+            <a:extLst>
+              <a:ext uri="{FF2B5EF4-FFF2-40B4-BE49-F238E27FC236}">
+                <a16:creationId xmlns:a16="http://schemas.microsoft.com/office/drawing/2014/main" id="{90C8E972-CC81-DCD8-16B1-307B54582FAF}"/>
+              </a:ext>
+            </a:extLst>
+          </p:cNvPr>
+          <p:cNvSpPr txBox="1"/>
+          <p:nvPr/>
+        </p:nvSpPr>
+        <p:spPr>
+          <a:xfrm>
+            <a:off x="5839032" y="1754329"/>
+            <a:ext cx="342900" cy="369332"/>
+          </a:xfrm>
+          <a:prstGeom prst="rect">
+            <a:avLst/>
+          </a:prstGeom>
+          <a:noFill/>
+        </p:spPr>
+        <p:txBody>
+          <a:bodyPr wrap="square" rtlCol="0">
+            <a:spAutoFit/>
+          </a:bodyPr>
+          <a:lstStyle/>
+          <a:p>
+            <a:r>
+              <a:rPr lang="en-US" dirty="0"/>
+              <a:t>…</a:t>
+            </a:r>
+          </a:p>
+        </p:txBody>
+      </p:sp>
+      <p:sp>
+        <p:nvSpPr>
+          <p:cNvPr id="13" name="Rectangle 12">
+            <a:extLst>
+              <a:ext uri="{FF2B5EF4-FFF2-40B4-BE49-F238E27FC236}">
+                <a16:creationId xmlns:a16="http://schemas.microsoft.com/office/drawing/2014/main" id="{4C060EAD-2015-4A1B-79EC-A156638FA62D}"/>
+              </a:ext>
+            </a:extLst>
+          </p:cNvPr>
+          <p:cNvSpPr/>
+          <p:nvPr/>
+        </p:nvSpPr>
+        <p:spPr>
+          <a:xfrm>
+            <a:off x="5478987" y="2156165"/>
+            <a:ext cx="1062990" cy="137160"/>
+          </a:xfrm>
+          <a:prstGeom prst="rect">
+            <a:avLst/>
+          </a:prstGeom>
+        </p:spPr>
+        <p:style>
+          <a:lnRef idx="2">
+            <a:schemeClr val="accent1">
+              <a:shade val="15000"/>
+            </a:schemeClr>
+          </a:lnRef>
+          <a:fillRef idx="1">
+            <a:schemeClr val="accent1"/>
+          </a:fillRef>
+          <a:effectRef idx="0">
+            <a:schemeClr val="accent1"/>
+          </a:effectRef>
+          <a:fontRef idx="minor">
+            <a:schemeClr val="lt1"/>
+          </a:fontRef>
+        </p:style>
+        <p:txBody>
+          <a:bodyPr rtlCol="0" anchor="ctr"/>
+          <a:lstStyle/>
+          <a:p>
+            <a:pPr algn="ctr"/>
+            <a:endParaRPr lang="en-US"/>
+          </a:p>
+        </p:txBody>
+      </p:sp>
+      <p:sp>
+        <p:nvSpPr>
+          <p:cNvPr id="14" name="TextBox 13">
+            <a:extLst>
+              <a:ext uri="{FF2B5EF4-FFF2-40B4-BE49-F238E27FC236}">
+                <a16:creationId xmlns:a16="http://schemas.microsoft.com/office/drawing/2014/main" id="{FF61183B-A710-3FA4-0317-F99876A6601A}"/>
+              </a:ext>
+            </a:extLst>
+          </p:cNvPr>
+          <p:cNvSpPr txBox="1"/>
+          <p:nvPr/>
+        </p:nvSpPr>
+        <p:spPr>
+          <a:xfrm>
+            <a:off x="6559122" y="1302844"/>
+            <a:ext cx="342900" cy="369332"/>
+          </a:xfrm>
+          <a:prstGeom prst="rect">
+            <a:avLst/>
+          </a:prstGeom>
+          <a:noFill/>
+        </p:spPr>
+        <p:txBody>
+          <a:bodyPr wrap="square" rtlCol="0">
+            <a:spAutoFit/>
+          </a:bodyPr>
+          <a:lstStyle/>
+          <a:p>
+            <a:r>
+              <a:rPr lang="en-US" dirty="0"/>
+              <a:t>*</a:t>
+            </a:r>
+          </a:p>
+        </p:txBody>
+      </p:sp>
+      <p:sp>
+        <p:nvSpPr>
+          <p:cNvPr id="15" name="Rectangle 14">
+            <a:extLst>
+              <a:ext uri="{FF2B5EF4-FFF2-40B4-BE49-F238E27FC236}">
+                <a16:creationId xmlns:a16="http://schemas.microsoft.com/office/drawing/2014/main" id="{3077B09D-51DA-9DD6-9519-D45A3B03AF13}"/>
+              </a:ext>
+            </a:extLst>
+          </p:cNvPr>
+          <p:cNvSpPr/>
+          <p:nvPr/>
+        </p:nvSpPr>
+        <p:spPr>
+          <a:xfrm>
+            <a:off x="9049164" y="853145"/>
+            <a:ext cx="1062990" cy="137160"/>
+          </a:xfrm>
+          <a:prstGeom prst="rect">
+            <a:avLst/>
+          </a:prstGeom>
+          <a:solidFill>
+            <a:schemeClr val="accent1"/>
+          </a:solidFill>
+        </p:spPr>
+        <p:style>
+          <a:lnRef idx="2">
+            <a:schemeClr val="accent1">
+              <a:shade val="15000"/>
+            </a:schemeClr>
+          </a:lnRef>
+          <a:fillRef idx="1">
+            <a:schemeClr val="accent1"/>
+          </a:fillRef>
+          <a:effectRef idx="0">
+            <a:schemeClr val="accent1"/>
+          </a:effectRef>
+          <a:fontRef idx="minor">
+            <a:schemeClr val="lt1"/>
+          </a:fontRef>
+        </p:style>
+        <p:txBody>
+          <a:bodyPr rtlCol="0" anchor="ctr"/>
+          <a:lstStyle/>
+          <a:p>
+            <a:pPr algn="ctr"/>
+            <a:endParaRPr lang="en-US">
+              <a:solidFill>
+                <a:srgbClr val="FF0000"/>
+              </a:solidFill>
+            </a:endParaRPr>
+          </a:p>
+        </p:txBody>
+      </p:sp>
+      <p:sp>
+        <p:nvSpPr>
+          <p:cNvPr id="16" name="Rectangle 15">
+            <a:extLst>
+              <a:ext uri="{FF2B5EF4-FFF2-40B4-BE49-F238E27FC236}">
+                <a16:creationId xmlns:a16="http://schemas.microsoft.com/office/drawing/2014/main" id="{9BDE8F63-7264-3EB1-D437-0F6794C511F6}"/>
+              </a:ext>
+            </a:extLst>
+          </p:cNvPr>
+          <p:cNvSpPr/>
+          <p:nvPr/>
+        </p:nvSpPr>
+        <p:spPr>
+          <a:xfrm>
+            <a:off x="9049164" y="1119845"/>
+            <a:ext cx="1062990" cy="137160"/>
+          </a:xfrm>
+          <a:prstGeom prst="rect">
+            <a:avLst/>
+          </a:prstGeom>
+        </p:spPr>
+        <p:style>
+          <a:lnRef idx="2">
+            <a:schemeClr val="accent1">
+              <a:shade val="15000"/>
+            </a:schemeClr>
+          </a:lnRef>
+          <a:fillRef idx="1">
+            <a:schemeClr val="accent1"/>
+          </a:fillRef>
+          <a:effectRef idx="0">
+            <a:schemeClr val="accent1"/>
+          </a:effectRef>
+          <a:fontRef idx="minor">
+            <a:schemeClr val="lt1"/>
+          </a:fontRef>
+        </p:style>
+        <p:txBody>
+          <a:bodyPr rtlCol="0" anchor="ctr"/>
+          <a:lstStyle/>
+          <a:p>
+            <a:pPr algn="ctr"/>
+            <a:endParaRPr lang="en-US"/>
+          </a:p>
+        </p:txBody>
+      </p:sp>
+      <p:sp>
+        <p:nvSpPr>
+          <p:cNvPr id="17" name="Rectangle 16">
+            <a:extLst>
+              <a:ext uri="{FF2B5EF4-FFF2-40B4-BE49-F238E27FC236}">
+                <a16:creationId xmlns:a16="http://schemas.microsoft.com/office/drawing/2014/main" id="{9A987234-8744-2DD1-FC4C-80200C97B03E}"/>
+              </a:ext>
+            </a:extLst>
+          </p:cNvPr>
+          <p:cNvSpPr/>
+          <p:nvPr/>
+        </p:nvSpPr>
+        <p:spPr>
+          <a:xfrm>
+            <a:off x="9049164" y="1390355"/>
+            <a:ext cx="1062990" cy="137160"/>
+          </a:xfrm>
+          <a:prstGeom prst="rect">
+            <a:avLst/>
+          </a:prstGeom>
+          <a:solidFill>
+            <a:schemeClr val="accent1"/>
+          </a:solidFill>
+        </p:spPr>
+        <p:style>
+          <a:lnRef idx="2">
+            <a:schemeClr val="accent1">
+              <a:shade val="15000"/>
+            </a:schemeClr>
+          </a:lnRef>
+          <a:fillRef idx="1">
+            <a:schemeClr val="accent1"/>
+          </a:fillRef>
+          <a:effectRef idx="0">
+            <a:schemeClr val="accent1"/>
+          </a:effectRef>
+          <a:fontRef idx="minor">
+            <a:schemeClr val="lt1"/>
+          </a:fontRef>
+        </p:style>
+        <p:txBody>
+          <a:bodyPr rtlCol="0" anchor="ctr"/>
+          <a:lstStyle/>
+          <a:p>
+            <a:pPr algn="ctr"/>
+            <a:endParaRPr lang="en-US"/>
+          </a:p>
+        </p:txBody>
+      </p:sp>
+      <p:sp>
+        <p:nvSpPr>
+          <p:cNvPr id="20" name="Rectangle 19">
+            <a:extLst>
+              <a:ext uri="{FF2B5EF4-FFF2-40B4-BE49-F238E27FC236}">
+                <a16:creationId xmlns:a16="http://schemas.microsoft.com/office/drawing/2014/main" id="{A08C1C00-E42B-773A-CA44-521B8D02CB55}"/>
+              </a:ext>
+            </a:extLst>
+          </p:cNvPr>
+          <p:cNvSpPr/>
+          <p:nvPr/>
+        </p:nvSpPr>
+        <p:spPr>
+          <a:xfrm>
+            <a:off x="9049164" y="1664675"/>
+            <a:ext cx="1062990" cy="137160"/>
+          </a:xfrm>
+          <a:prstGeom prst="rect">
+            <a:avLst/>
+          </a:prstGeom>
+        </p:spPr>
+        <p:style>
+          <a:lnRef idx="2">
+            <a:schemeClr val="accent1">
+              <a:shade val="15000"/>
+            </a:schemeClr>
+          </a:lnRef>
+          <a:fillRef idx="1">
+            <a:schemeClr val="accent1"/>
+          </a:fillRef>
+          <a:effectRef idx="0">
+            <a:schemeClr val="accent1"/>
+          </a:effectRef>
+          <a:fontRef idx="minor">
+            <a:schemeClr val="lt1"/>
+          </a:fontRef>
+        </p:style>
+        <p:txBody>
+          <a:bodyPr rtlCol="0" anchor="ctr"/>
+          <a:lstStyle/>
+          <a:p>
+            <a:pPr algn="ctr"/>
+            <a:endParaRPr lang="en-US"/>
+          </a:p>
+        </p:txBody>
+      </p:sp>
+      <p:sp>
+        <p:nvSpPr>
+          <p:cNvPr id="29" name="TextBox 28">
+            <a:extLst>
+              <a:ext uri="{FF2B5EF4-FFF2-40B4-BE49-F238E27FC236}">
+                <a16:creationId xmlns:a16="http://schemas.microsoft.com/office/drawing/2014/main" id="{93B77EAE-13E8-678E-2C6E-292BF569CE52}"/>
+              </a:ext>
+            </a:extLst>
+          </p:cNvPr>
+          <p:cNvSpPr txBox="1"/>
+          <p:nvPr/>
+        </p:nvSpPr>
+        <p:spPr>
+          <a:xfrm>
+            <a:off x="9409209" y="1754329"/>
+            <a:ext cx="342900" cy="369332"/>
+          </a:xfrm>
+          <a:prstGeom prst="rect">
+            <a:avLst/>
+          </a:prstGeom>
+          <a:noFill/>
+        </p:spPr>
+        <p:txBody>
+          <a:bodyPr wrap="square" rtlCol="0">
+            <a:spAutoFit/>
+          </a:bodyPr>
+          <a:lstStyle/>
+          <a:p>
+            <a:r>
+              <a:rPr lang="en-US" dirty="0"/>
+              <a:t>…</a:t>
+            </a:r>
+          </a:p>
+        </p:txBody>
+      </p:sp>
+      <p:sp>
+        <p:nvSpPr>
+          <p:cNvPr id="31" name="Rectangle 30">
+            <a:extLst>
+              <a:ext uri="{FF2B5EF4-FFF2-40B4-BE49-F238E27FC236}">
+                <a16:creationId xmlns:a16="http://schemas.microsoft.com/office/drawing/2014/main" id="{A26858F3-D9FE-8BFD-EB16-E6E8E35FB75A}"/>
+              </a:ext>
+            </a:extLst>
+          </p:cNvPr>
+          <p:cNvSpPr/>
+          <p:nvPr/>
+        </p:nvSpPr>
+        <p:spPr>
+          <a:xfrm>
+            <a:off x="9049164" y="2156165"/>
+            <a:ext cx="1062990" cy="137160"/>
+          </a:xfrm>
+          <a:prstGeom prst="rect">
+            <a:avLst/>
+          </a:prstGeom>
+          <a:solidFill>
+            <a:schemeClr val="accent1">
+              <a:alpha val="47000"/>
+            </a:schemeClr>
+          </a:solidFill>
+        </p:spPr>
+        <p:style>
+          <a:lnRef idx="2">
+            <a:schemeClr val="accent1">
+              <a:shade val="15000"/>
+            </a:schemeClr>
+          </a:lnRef>
+          <a:fillRef idx="1">
+            <a:schemeClr val="accent1"/>
+          </a:fillRef>
+          <a:effectRef idx="0">
+            <a:schemeClr val="accent1"/>
+          </a:effectRef>
+          <a:fontRef idx="minor">
+            <a:schemeClr val="lt1"/>
+          </a:fontRef>
+        </p:style>
+        <p:txBody>
+          <a:bodyPr rtlCol="0" anchor="ctr"/>
+          <a:lstStyle/>
+          <a:p>
+            <a:pPr algn="ctr"/>
+            <a:endParaRPr lang="en-US"/>
+          </a:p>
+        </p:txBody>
+      </p:sp>
+      <p:sp>
+        <p:nvSpPr>
+          <p:cNvPr id="33" name="TextBox 32">
+            <a:extLst>
+              <a:ext uri="{FF2B5EF4-FFF2-40B4-BE49-F238E27FC236}">
+                <a16:creationId xmlns:a16="http://schemas.microsoft.com/office/drawing/2014/main" id="{075EEE2E-4DAB-D39B-826E-EF4942942303}"/>
+              </a:ext>
+            </a:extLst>
+          </p:cNvPr>
+          <p:cNvSpPr txBox="1"/>
+          <p:nvPr/>
+        </p:nvSpPr>
+        <p:spPr>
+          <a:xfrm>
+            <a:off x="10129299" y="2108659"/>
+            <a:ext cx="342900" cy="369332"/>
+          </a:xfrm>
+          <a:prstGeom prst="rect">
+            <a:avLst/>
+          </a:prstGeom>
+          <a:noFill/>
+        </p:spPr>
+        <p:txBody>
+          <a:bodyPr wrap="square" rtlCol="0">
+            <a:spAutoFit/>
+          </a:bodyPr>
+          <a:lstStyle/>
+          <a:p>
+            <a:r>
+              <a:rPr lang="en-US" dirty="0"/>
+              <a:t>*</a:t>
+            </a:r>
+          </a:p>
+        </p:txBody>
+      </p:sp>
+      <p:sp>
+        <p:nvSpPr>
+          <p:cNvPr id="39" name="TextBox 38">
+            <a:extLst>
+              <a:ext uri="{FF2B5EF4-FFF2-40B4-BE49-F238E27FC236}">
+                <a16:creationId xmlns:a16="http://schemas.microsoft.com/office/drawing/2014/main" id="{4A332D00-DBD2-30BF-8828-FB0488C28F8A}"/>
+              </a:ext>
+            </a:extLst>
+          </p:cNvPr>
+          <p:cNvSpPr txBox="1"/>
+          <p:nvPr/>
+        </p:nvSpPr>
+        <p:spPr>
+          <a:xfrm>
+            <a:off x="4850337" y="3467653"/>
+            <a:ext cx="2320290" cy="400110"/>
+          </a:xfrm>
+          <a:prstGeom prst="rect">
+            <a:avLst/>
+          </a:prstGeom>
+          <a:noFill/>
+        </p:spPr>
+        <p:txBody>
+          <a:bodyPr wrap="square" rtlCol="0">
+            <a:spAutoFit/>
+          </a:bodyPr>
+          <a:lstStyle/>
+          <a:p>
+            <a:r>
+              <a:rPr lang="en-US" sz="2000" dirty="0"/>
+              <a:t>Run in parallel</a:t>
+            </a:r>
+          </a:p>
+        </p:txBody>
+      </p:sp>
+      <p:sp>
+        <p:nvSpPr>
+          <p:cNvPr id="57" name="TextBox 56">
+            <a:extLst>
+              <a:ext uri="{FF2B5EF4-FFF2-40B4-BE49-F238E27FC236}">
+                <a16:creationId xmlns:a16="http://schemas.microsoft.com/office/drawing/2014/main" id="{129CA828-A8E3-A104-FE63-C7340387C591}"/>
+              </a:ext>
+            </a:extLst>
+          </p:cNvPr>
+          <p:cNvSpPr txBox="1"/>
+          <p:nvPr/>
+        </p:nvSpPr>
+        <p:spPr>
+          <a:xfrm>
+            <a:off x="10626504" y="1305046"/>
+            <a:ext cx="1062990" cy="307777"/>
+          </a:xfrm>
+          <a:prstGeom prst="rect">
+            <a:avLst/>
+          </a:prstGeom>
+          <a:noFill/>
+        </p:spPr>
+        <p:txBody>
+          <a:bodyPr wrap="square" rtlCol="0">
+            <a:spAutoFit/>
+          </a:bodyPr>
+          <a:lstStyle/>
+          <a:p>
+            <a:r>
+              <a:rPr lang="en-US" sz="1400" dirty="0"/>
+              <a:t>Time step 1</a:t>
+            </a:r>
+          </a:p>
+        </p:txBody>
+      </p:sp>
+      <p:cxnSp>
+        <p:nvCxnSpPr>
+          <p:cNvPr id="59" name="Straight Connector 58">
+            <a:extLst>
+              <a:ext uri="{FF2B5EF4-FFF2-40B4-BE49-F238E27FC236}">
+                <a16:creationId xmlns:a16="http://schemas.microsoft.com/office/drawing/2014/main" id="{562D2F9D-357E-2F23-2348-2B89C6F27A47}"/>
+              </a:ext>
+            </a:extLst>
+          </p:cNvPr>
+          <p:cNvCxnSpPr/>
+          <p:nvPr/>
+        </p:nvCxnSpPr>
+        <p:spPr>
+          <a:xfrm>
+            <a:off x="2655224" y="921725"/>
+            <a:ext cx="0" cy="1234440"/>
+          </a:xfrm>
+          <a:prstGeom prst="line">
+            <a:avLst/>
+          </a:prstGeom>
+          <a:ln>
+            <a:solidFill>
+              <a:schemeClr val="tx1"/>
+            </a:solidFill>
+            <a:prstDash val="dash"/>
+          </a:ln>
+        </p:spPr>
+        <p:style>
+          <a:lnRef idx="2">
+            <a:schemeClr val="accent1"/>
+          </a:lnRef>
+          <a:fillRef idx="0">
+            <a:schemeClr val="accent1"/>
+          </a:fillRef>
+          <a:effectRef idx="1">
+            <a:schemeClr val="accent1"/>
+          </a:effectRef>
+          <a:fontRef idx="minor">
+            <a:schemeClr val="tx1"/>
+          </a:fontRef>
+        </p:style>
+      </p:cxnSp>
+      <p:cxnSp>
+        <p:nvCxnSpPr>
+          <p:cNvPr id="60" name="Straight Connector 59">
+            <a:extLst>
+              <a:ext uri="{FF2B5EF4-FFF2-40B4-BE49-F238E27FC236}">
+                <a16:creationId xmlns:a16="http://schemas.microsoft.com/office/drawing/2014/main" id="{531BC409-A678-0288-56EB-DF59873DE003}"/>
+              </a:ext>
+            </a:extLst>
+          </p:cNvPr>
+          <p:cNvCxnSpPr/>
+          <p:nvPr/>
+        </p:nvCxnSpPr>
+        <p:spPr>
+          <a:xfrm>
+            <a:off x="4955078" y="921725"/>
+            <a:ext cx="0" cy="1234440"/>
+          </a:xfrm>
+          <a:prstGeom prst="line">
+            <a:avLst/>
+          </a:prstGeom>
+          <a:ln>
+            <a:solidFill>
+              <a:schemeClr val="tx1"/>
+            </a:solidFill>
+            <a:prstDash val="dash"/>
+          </a:ln>
+        </p:spPr>
+        <p:style>
+          <a:lnRef idx="2">
+            <a:schemeClr val="accent1"/>
+          </a:lnRef>
+          <a:fillRef idx="0">
+            <a:schemeClr val="accent1"/>
+          </a:fillRef>
+          <a:effectRef idx="1">
+            <a:schemeClr val="accent1"/>
+          </a:effectRef>
+          <a:fontRef idx="minor">
+            <a:schemeClr val="tx1"/>
+          </a:fontRef>
+        </p:style>
+      </p:cxnSp>
+      <p:cxnSp>
+        <p:nvCxnSpPr>
+          <p:cNvPr id="61" name="Straight Connector 60">
+            <a:extLst>
+              <a:ext uri="{FF2B5EF4-FFF2-40B4-BE49-F238E27FC236}">
+                <a16:creationId xmlns:a16="http://schemas.microsoft.com/office/drawing/2014/main" id="{53F79478-380F-399A-8341-39F2E7D63D21}"/>
+              </a:ext>
+            </a:extLst>
+          </p:cNvPr>
+          <p:cNvCxnSpPr/>
+          <p:nvPr/>
+        </p:nvCxnSpPr>
+        <p:spPr>
+          <a:xfrm>
+            <a:off x="6902022" y="921725"/>
+            <a:ext cx="0" cy="1234440"/>
+          </a:xfrm>
+          <a:prstGeom prst="line">
+            <a:avLst/>
+          </a:prstGeom>
+          <a:ln>
+            <a:solidFill>
+              <a:schemeClr val="tx1"/>
+            </a:solidFill>
+            <a:prstDash val="dash"/>
+          </a:ln>
+        </p:spPr>
+        <p:style>
+          <a:lnRef idx="2">
+            <a:schemeClr val="accent1"/>
+          </a:lnRef>
+          <a:fillRef idx="0">
+            <a:schemeClr val="accent1"/>
+          </a:fillRef>
+          <a:effectRef idx="1">
+            <a:schemeClr val="accent1"/>
+          </a:effectRef>
+          <a:fontRef idx="minor">
+            <a:schemeClr val="tx1"/>
+          </a:fontRef>
+        </p:style>
+      </p:cxnSp>
+      <p:cxnSp>
+        <p:nvCxnSpPr>
+          <p:cNvPr id="62" name="Straight Connector 61">
+            <a:extLst>
+              <a:ext uri="{FF2B5EF4-FFF2-40B4-BE49-F238E27FC236}">
+                <a16:creationId xmlns:a16="http://schemas.microsoft.com/office/drawing/2014/main" id="{1025D793-2ABD-6E7B-1B62-37EE34508E0B}"/>
+              </a:ext>
+            </a:extLst>
+          </p:cNvPr>
+          <p:cNvCxnSpPr/>
+          <p:nvPr/>
+        </p:nvCxnSpPr>
+        <p:spPr>
+          <a:xfrm>
+            <a:off x="8612678" y="910295"/>
+            <a:ext cx="0" cy="1234440"/>
+          </a:xfrm>
+          <a:prstGeom prst="line">
+            <a:avLst/>
+          </a:prstGeom>
+          <a:ln>
+            <a:solidFill>
+              <a:schemeClr val="tx1"/>
+            </a:solidFill>
+            <a:prstDash val="dash"/>
+          </a:ln>
+        </p:spPr>
+        <p:style>
+          <a:lnRef idx="2">
+            <a:schemeClr val="accent1"/>
+          </a:lnRef>
+          <a:fillRef idx="0">
+            <a:schemeClr val="accent1"/>
+          </a:fillRef>
+          <a:effectRef idx="1">
+            <a:schemeClr val="accent1"/>
+          </a:effectRef>
+          <a:fontRef idx="minor">
+            <a:schemeClr val="tx1"/>
+          </a:fontRef>
+        </p:style>
+      </p:cxnSp>
+      <p:sp>
+        <p:nvSpPr>
+          <p:cNvPr id="63" name="TextBox 62">
+            <a:extLst>
+              <a:ext uri="{FF2B5EF4-FFF2-40B4-BE49-F238E27FC236}">
+                <a16:creationId xmlns:a16="http://schemas.microsoft.com/office/drawing/2014/main" id="{F2E58578-0A10-7F2A-2A7A-1FE346EC929E}"/>
+              </a:ext>
+            </a:extLst>
+          </p:cNvPr>
+          <p:cNvSpPr txBox="1"/>
+          <p:nvPr/>
+        </p:nvSpPr>
+        <p:spPr>
+          <a:xfrm>
+            <a:off x="7585899" y="1499165"/>
+            <a:ext cx="342900" cy="369332"/>
+          </a:xfrm>
+          <a:prstGeom prst="rect">
+            <a:avLst/>
+          </a:prstGeom>
+          <a:noFill/>
+        </p:spPr>
+        <p:txBody>
+          <a:bodyPr wrap="square" rtlCol="0">
+            <a:spAutoFit/>
+          </a:bodyPr>
+          <a:lstStyle/>
+          <a:p>
+            <a:r>
+              <a:rPr lang="en-US" dirty="0"/>
+              <a:t>…</a:t>
+            </a:r>
+          </a:p>
+        </p:txBody>
+      </p:sp>
+      <p:sp>
+        <p:nvSpPr>
+          <p:cNvPr id="64" name="TextBox 63">
+            <a:extLst>
+              <a:ext uri="{FF2B5EF4-FFF2-40B4-BE49-F238E27FC236}">
+                <a16:creationId xmlns:a16="http://schemas.microsoft.com/office/drawing/2014/main" id="{9C1C14BB-4466-F00F-A2A5-1208EB97EB6D}"/>
+              </a:ext>
+            </a:extLst>
+          </p:cNvPr>
+          <p:cNvSpPr txBox="1"/>
+          <p:nvPr/>
+        </p:nvSpPr>
+        <p:spPr>
+          <a:xfrm>
+            <a:off x="4935855" y="2451629"/>
+            <a:ext cx="2320290" cy="738664"/>
+          </a:xfrm>
+          <a:prstGeom prst="rect">
+            <a:avLst/>
+          </a:prstGeom>
+          <a:noFill/>
+        </p:spPr>
+        <p:txBody>
+          <a:bodyPr wrap="square" rtlCol="0">
+            <a:spAutoFit/>
+          </a:bodyPr>
+          <a:lstStyle/>
+          <a:p>
+            <a:r>
+              <a:rPr lang="en-US" sz="1400" dirty="0"/>
+              <a:t>Try to remove sentence3, have no prior if sentence1, 2 have influence.</a:t>
+            </a:r>
+          </a:p>
+        </p:txBody>
+      </p:sp>
+      <p:sp>
+        <p:nvSpPr>
+          <p:cNvPr id="65" name="TextBox 64">
+            <a:extLst>
+              <a:ext uri="{FF2B5EF4-FFF2-40B4-BE49-F238E27FC236}">
+                <a16:creationId xmlns:a16="http://schemas.microsoft.com/office/drawing/2014/main" id="{C6F19157-97FF-1F05-2D9A-356DC70B48BE}"/>
+              </a:ext>
+            </a:extLst>
+          </p:cNvPr>
+          <p:cNvSpPr txBox="1"/>
+          <p:nvPr/>
+        </p:nvSpPr>
+        <p:spPr>
+          <a:xfrm>
+            <a:off x="8591964" y="2442150"/>
+            <a:ext cx="2320290" cy="954107"/>
+          </a:xfrm>
+          <a:prstGeom prst="rect">
+            <a:avLst/>
+          </a:prstGeom>
+          <a:noFill/>
+        </p:spPr>
+        <p:txBody>
+          <a:bodyPr wrap="square" rtlCol="0">
+            <a:spAutoFit/>
+          </a:bodyPr>
+          <a:lstStyle/>
+          <a:p>
+            <a:r>
+              <a:rPr lang="en-US" sz="1400" dirty="0"/>
+              <a:t>Try to remove </a:t>
+            </a:r>
+            <a:r>
+              <a:rPr lang="en-US" sz="1400" dirty="0" err="1"/>
+              <a:t>sentencen</a:t>
+            </a:r>
+            <a:r>
+              <a:rPr lang="en-US" sz="1400" dirty="0"/>
+              <a:t>, have no prior if sentence1:n-1 have influence.</a:t>
+            </a:r>
+          </a:p>
+        </p:txBody>
+      </p:sp>
+    </p:spTree>
+    <p:extLst>
+      <p:ext uri="{BB962C8B-B14F-4D97-AF65-F5344CB8AC3E}">
+        <p14:creationId xmlns:p14="http://schemas.microsoft.com/office/powerpoint/2010/main" val="3486825415"/>
       </p:ext>
     </p:extLst>
   </p:cSld>
